--- a/presentation/MLOps-Why-and-How.pptx
+++ b/presentation/MLOps-Why-and-How.pptx
@@ -5,7 +5,7 @@
     <p:sldMasterId id="2147483648" r:id="rId1"/>
   </p:sldMasterIdLst>
   <p:notesMasterIdLst>
-    <p:notesMasterId r:id="rId31"/>
+    <p:notesMasterId r:id="rId33"/>
   </p:notesMasterIdLst>
   <p:sldIdLst>
     <p:sldId id="256" r:id="rId2"/>
@@ -17,26 +17,28 @@
     <p:sldId id="267" r:id="rId8"/>
     <p:sldId id="269" r:id="rId9"/>
     <p:sldId id="268" r:id="rId10"/>
-    <p:sldId id="270" r:id="rId11"/>
-    <p:sldId id="258" r:id="rId12"/>
-    <p:sldId id="257" r:id="rId13"/>
-    <p:sldId id="281" r:id="rId14"/>
-    <p:sldId id="262" r:id="rId15"/>
-    <p:sldId id="272" r:id="rId16"/>
-    <p:sldId id="273" r:id="rId17"/>
-    <p:sldId id="282" r:id="rId18"/>
-    <p:sldId id="280" r:id="rId19"/>
-    <p:sldId id="274" r:id="rId20"/>
-    <p:sldId id="275" r:id="rId21"/>
-    <p:sldId id="276" r:id="rId22"/>
-    <p:sldId id="277" r:id="rId23"/>
-    <p:sldId id="283" r:id="rId24"/>
-    <p:sldId id="278" r:id="rId25"/>
-    <p:sldId id="264" r:id="rId26"/>
-    <p:sldId id="279" r:id="rId27"/>
-    <p:sldId id="266" r:id="rId28"/>
-    <p:sldId id="271" r:id="rId29"/>
-    <p:sldId id="284" r:id="rId30"/>
+    <p:sldId id="285" r:id="rId11"/>
+    <p:sldId id="270" r:id="rId12"/>
+    <p:sldId id="258" r:id="rId13"/>
+    <p:sldId id="257" r:id="rId14"/>
+    <p:sldId id="281" r:id="rId15"/>
+    <p:sldId id="262" r:id="rId16"/>
+    <p:sldId id="272" r:id="rId17"/>
+    <p:sldId id="273" r:id="rId18"/>
+    <p:sldId id="286" r:id="rId19"/>
+    <p:sldId id="282" r:id="rId20"/>
+    <p:sldId id="280" r:id="rId21"/>
+    <p:sldId id="274" r:id="rId22"/>
+    <p:sldId id="275" r:id="rId23"/>
+    <p:sldId id="276" r:id="rId24"/>
+    <p:sldId id="277" r:id="rId25"/>
+    <p:sldId id="283" r:id="rId26"/>
+    <p:sldId id="278" r:id="rId27"/>
+    <p:sldId id="264" r:id="rId28"/>
+    <p:sldId id="279" r:id="rId29"/>
+    <p:sldId id="266" r:id="rId30"/>
+    <p:sldId id="271" r:id="rId31"/>
+    <p:sldId id="284" r:id="rId32"/>
   </p:sldIdLst>
   <p:sldSz cx="12192000" cy="6858000"/>
   <p:notesSz cx="6858000" cy="9144000"/>
@@ -4633,7 +4635,7 @@
           <p:cNvPr id="2" name="Title 1">
             <a:extLst>
               <a:ext uri="{FF2B5EF4-FFF2-40B4-BE49-F238E27FC236}">
-                <a16:creationId xmlns:a16="http://schemas.microsoft.com/office/drawing/2014/main" id="{A4C1065F-2DB0-48CC-7CFA-0748203A5BEC}"/>
+                <a16:creationId xmlns:a16="http://schemas.microsoft.com/office/drawing/2014/main" id="{2F10EB0D-0D86-47B1-57FE-3DADC60BC498}"/>
               </a:ext>
             </a:extLst>
           </p:cNvPr>
@@ -4650,12 +4652,8 @@
           <a:lstStyle/>
           <a:p>
             <a:r>
-              <a:rPr lang="en-US" dirty="0"/>
-              <a:t>f</a:t>
-            </a:r>
-            <a:r>
               <a:rPr lang="en-IL" dirty="0"/>
-              <a:t>asttext – fine-tuning</a:t>
+              <a:t>Manual Run</a:t>
             </a:r>
           </a:p>
         </p:txBody>
@@ -4665,7 +4663,7 @@
           <p:cNvPr id="3" name="Content Placeholder 2">
             <a:extLst>
               <a:ext uri="{FF2B5EF4-FFF2-40B4-BE49-F238E27FC236}">
-                <a16:creationId xmlns:a16="http://schemas.microsoft.com/office/drawing/2014/main" id="{99EB50CE-4B87-9687-CA78-879EB1C9465D}"/>
+                <a16:creationId xmlns:a16="http://schemas.microsoft.com/office/drawing/2014/main" id="{73FC7A25-EC71-91C0-A198-8E7D5F796AD2}"/>
               </a:ext>
             </a:extLst>
           </p:cNvPr>
@@ -4682,129 +4680,137 @@
           <a:lstStyle/>
           <a:p>
             <a:r>
-              <a:rPr lang="en-US" dirty="0"/>
-              <a:t>For accuracy</a:t>
+              <a:rPr lang="en-IL" dirty="0"/>
+              <a:t>DEMO</a:t>
             </a:r>
           </a:p>
           <a:p>
             <a:pPr lvl="1"/>
             <a:r>
-              <a:rPr lang="en-US" dirty="0"/>
-              <a:t>More epochs - </a:t>
-            </a:r>
-            <a:r>
-              <a:rPr lang="en-US" b="0" i="0" dirty="0">
-                <a:solidFill>
-                  <a:srgbClr val="24292E"/>
-                </a:solidFill>
-                <a:effectLst/>
-                <a:latin typeface="-apple-system"/>
-              </a:rPr>
-              <a:t>number of times each example is seen </a:t>
-            </a:r>
-            <a:endParaRPr lang="en-US" dirty="0"/>
+              <a:rPr lang="en-US" dirty="0">
+                <a:effectLst/>
+              </a:rPr>
+              <a:t>~/tools/fastText-0.9.2/</a:t>
+            </a:r>
+            <a:r>
+              <a:rPr lang="en-US" dirty="0" err="1">
+                <a:effectLst/>
+              </a:rPr>
+              <a:t>fasttext</a:t>
+            </a:r>
+            <a:r>
+              <a:rPr lang="en-US" dirty="0">
+                <a:effectLst/>
+              </a:rPr>
+              <a:t> supervised -input </a:t>
+            </a:r>
+            <a:r>
+              <a:rPr lang="en-US" dirty="0" err="1">
+                <a:effectLst/>
+              </a:rPr>
+              <a:t>all_train.txt</a:t>
+            </a:r>
+            <a:r>
+              <a:rPr lang="en-US" dirty="0">
+                <a:effectLst/>
+              </a:rPr>
+              <a:t> -output model_ver1</a:t>
+            </a:r>
           </a:p>
           <a:p>
             <a:pPr lvl="1"/>
             <a:r>
-              <a:rPr lang="en-US" dirty="0"/>
-              <a:t>Smaller learning rate – 0.1 .. 1.0</a:t>
+              <a:rPr lang="en-US" dirty="0">
+                <a:effectLst/>
+              </a:rPr>
+              <a:t>~/tools/fastText-0.9.2/</a:t>
+            </a:r>
+            <a:r>
+              <a:rPr lang="en-US" dirty="0" err="1">
+                <a:effectLst/>
+              </a:rPr>
+              <a:t>fasttext</a:t>
+            </a:r>
+            <a:r>
+              <a:rPr lang="en-US" dirty="0">
+                <a:effectLst/>
+              </a:rPr>
+              <a:t> predict model_ver1.bin -</a:t>
             </a:r>
           </a:p>
           <a:p>
             <a:pPr lvl="1"/>
             <a:r>
-              <a:rPr lang="en-US" b="0" i="0" dirty="0">
-                <a:solidFill>
-                  <a:srgbClr val="24292E"/>
-                </a:solidFill>
-                <a:effectLst/>
-                <a:latin typeface="-apple-system"/>
-              </a:rPr>
-              <a:t>N-grams - where word </a:t>
-            </a:r>
-            <a:r>
-              <a:rPr lang="en-US" b="0" i="0" u="sng" dirty="0">
-                <a:solidFill>
-                  <a:srgbClr val="24292E"/>
-                </a:solidFill>
-                <a:effectLst/>
-                <a:latin typeface="-apple-system"/>
-              </a:rPr>
-              <a:t>order</a:t>
-            </a:r>
-            <a:r>
-              <a:rPr lang="en-US" b="0" i="0" dirty="0">
-                <a:solidFill>
-                  <a:srgbClr val="24292E"/>
-                </a:solidFill>
-                <a:effectLst/>
-                <a:latin typeface="-apple-system"/>
-              </a:rPr>
-              <a:t> is important, such as sentiment analysis</a:t>
-            </a:r>
-          </a:p>
-          <a:p>
-            <a:r>
-              <a:rPr lang="en-US" b="0" i="0" dirty="0">
-                <a:solidFill>
-                  <a:srgbClr val="24292E"/>
-                </a:solidFill>
-                <a:effectLst/>
-                <a:latin typeface="-apple-system"/>
-              </a:rPr>
-              <a:t>For training speed</a:t>
-            </a:r>
+              <a:rPr lang="en-US" dirty="0">
+                <a:effectLst/>
+              </a:rPr>
+              <a:t>~/tools/fastText-0.9.2/</a:t>
+            </a:r>
+            <a:r>
+              <a:rPr lang="en-US" dirty="0" err="1">
+                <a:effectLst/>
+              </a:rPr>
+              <a:t>fasttext</a:t>
+            </a:r>
+            <a:r>
+              <a:rPr lang="en-US" dirty="0">
+                <a:effectLst/>
+              </a:rPr>
+              <a:t> test model_ver1.bin.bin </a:t>
+            </a:r>
+            <a:r>
+              <a:rPr lang="en-US" dirty="0" err="1">
+                <a:effectLst/>
+              </a:rPr>
+              <a:t>all_valid.txt</a:t>
+            </a:r>
+            <a:endParaRPr lang="en-US" dirty="0">
+              <a:effectLst/>
+            </a:endParaRPr>
           </a:p>
           <a:p>
             <a:pPr lvl="1"/>
             <a:r>
               <a:rPr lang="en-US" dirty="0">
-                <a:solidFill>
-                  <a:srgbClr val="24292E"/>
-                </a:solidFill>
-                <a:latin typeface="-apple-system"/>
-              </a:rPr>
-              <a:t>Another loss function – hierarchical </a:t>
+                <a:effectLst/>
+              </a:rPr>
+              <a:t>-epoch 25 -</a:t>
             </a:r>
             <a:r>
               <a:rPr lang="en-US" dirty="0" err="1">
-                <a:solidFill>
-                  <a:srgbClr val="24292E"/>
-                </a:solidFill>
-                <a:latin typeface="-apple-system"/>
-              </a:rPr>
-              <a:t>softmax</a:t>
+                <a:effectLst/>
+              </a:rPr>
+              <a:t>lr</a:t>
             </a:r>
             <a:r>
               <a:rPr lang="en-US" dirty="0">
-                <a:solidFill>
-                  <a:srgbClr val="24292E"/>
-                </a:solidFill>
-                <a:latin typeface="-apple-system"/>
-              </a:rPr>
-              <a:t> instead of regular one</a:t>
-            </a:r>
-            <a:endParaRPr lang="en-US" b="0" i="0" dirty="0">
-              <a:solidFill>
-                <a:srgbClr val="24292E"/>
-              </a:solidFill>
-              <a:effectLst/>
-              <a:latin typeface="-apple-system"/>
-            </a:endParaRPr>
-          </a:p>
-          <a:p>
-            <a:r>
-              <a:rPr lang="en-IL" dirty="0"/>
-              <a:t>Multi-label classification</a:t>
-            </a:r>
+                <a:effectLst/>
+              </a:rPr>
+              <a:t> 0.1 -</a:t>
+            </a:r>
+            <a:r>
+              <a:rPr lang="en-US" dirty="0" err="1">
+                <a:effectLst/>
+              </a:rPr>
+              <a:t>wordNgrams</a:t>
+            </a:r>
+            <a:r>
+              <a:rPr lang="en-US" dirty="0">
+                <a:effectLst/>
+              </a:rPr>
+              <a:t> 2</a:t>
+            </a:r>
+          </a:p>
+          <a:p>
+            <a:pPr lvl="1"/>
+            <a:endParaRPr lang="en-IL" dirty="0"/>
           </a:p>
         </p:txBody>
       </p:sp>
     </p:spTree>
     <p:extLst>
       <p:ext uri="{BB962C8B-B14F-4D97-AF65-F5344CB8AC3E}">
-        <p14:creationId xmlns:p14="http://schemas.microsoft.com/office/powerpoint/2010/main" val="2574367163"/>
+        <p14:creationId xmlns:p14="http://schemas.microsoft.com/office/powerpoint/2010/main" val="418584727"/>
       </p:ext>
     </p:extLst>
   </p:cSld>
@@ -4836,7 +4842,7 @@
           <p:cNvPr id="2" name="Title 1">
             <a:extLst>
               <a:ext uri="{FF2B5EF4-FFF2-40B4-BE49-F238E27FC236}">
-                <a16:creationId xmlns:a16="http://schemas.microsoft.com/office/drawing/2014/main" id="{525DF426-7D4F-431F-EB7A-F0226E12E959}"/>
+                <a16:creationId xmlns:a16="http://schemas.microsoft.com/office/drawing/2014/main" id="{A4C1065F-2DB0-48CC-7CFA-0748203A5BEC}"/>
               </a:ext>
             </a:extLst>
           </p:cNvPr>
@@ -4853,8 +4859,12 @@
           <a:lstStyle/>
           <a:p>
             <a:r>
+              <a:rPr lang="en-US" dirty="0"/>
+              <a:t>f</a:t>
+            </a:r>
+            <a:r>
               <a:rPr lang="en-IL" dirty="0"/>
-              <a:t>MLFlow</a:t>
+              <a:t>asttext – fine-tuning</a:t>
             </a:r>
           </a:p>
         </p:txBody>
@@ -4864,7 +4874,7 @@
           <p:cNvPr id="3" name="Content Placeholder 2">
             <a:extLst>
               <a:ext uri="{FF2B5EF4-FFF2-40B4-BE49-F238E27FC236}">
-                <a16:creationId xmlns:a16="http://schemas.microsoft.com/office/drawing/2014/main" id="{10CCACEA-1F86-78CF-9E98-BC7988FFF208}"/>
+                <a16:creationId xmlns:a16="http://schemas.microsoft.com/office/drawing/2014/main" id="{99EB50CE-4B87-9687-CA78-879EB1C9465D}"/>
               </a:ext>
             </a:extLst>
           </p:cNvPr>
@@ -4877,217 +4887,133 @@
         </p:nvSpPr>
         <p:spPr/>
         <p:txBody>
-          <a:bodyPr>
-            <a:normAutofit lnSpcReduction="10000"/>
-          </a:bodyPr>
+          <a:bodyPr/>
           <a:lstStyle/>
           <a:p>
             <a:r>
+              <a:rPr lang="en-US" dirty="0"/>
+              <a:t>For accuracy</a:t>
+            </a:r>
+          </a:p>
+          <a:p>
+            <a:pPr lvl="1"/>
+            <a:r>
+              <a:rPr lang="en-US" dirty="0"/>
+              <a:t>More epochs - </a:t>
+            </a:r>
+            <a:r>
+              <a:rPr lang="en-US" b="0" i="0" dirty="0">
+                <a:solidFill>
+                  <a:srgbClr val="24292E"/>
+                </a:solidFill>
+                <a:effectLst/>
+                <a:latin typeface="-apple-system"/>
+              </a:rPr>
+              <a:t>number of times each example is seen </a:t>
+            </a:r>
+            <a:endParaRPr lang="en-US" dirty="0"/>
+          </a:p>
+          <a:p>
+            <a:pPr lvl="1"/>
+            <a:r>
+              <a:rPr lang="en-US" dirty="0"/>
+              <a:t>Smaller learning rate – 0.1 .. 1.0</a:t>
+            </a:r>
+          </a:p>
+          <a:p>
+            <a:pPr lvl="1"/>
+            <a:r>
+              <a:rPr lang="en-US" b="0" i="0" dirty="0">
+                <a:solidFill>
+                  <a:srgbClr val="24292E"/>
+                </a:solidFill>
+                <a:effectLst/>
+                <a:latin typeface="-apple-system"/>
+              </a:rPr>
+              <a:t>N-grams - where word </a:t>
+            </a:r>
+            <a:r>
+              <a:rPr lang="en-US" b="0" i="0" u="sng" dirty="0">
+                <a:solidFill>
+                  <a:srgbClr val="24292E"/>
+                </a:solidFill>
+                <a:effectLst/>
+                <a:latin typeface="-apple-system"/>
+              </a:rPr>
+              <a:t>order</a:t>
+            </a:r>
+            <a:r>
+              <a:rPr lang="en-US" b="0" i="0" dirty="0">
+                <a:solidFill>
+                  <a:srgbClr val="24292E"/>
+                </a:solidFill>
+                <a:effectLst/>
+                <a:latin typeface="-apple-system"/>
+              </a:rPr>
+              <a:t> is important, such as sentiment analysis</a:t>
+            </a:r>
+          </a:p>
+          <a:p>
+            <a:r>
+              <a:rPr lang="en-US" b="0" i="0" dirty="0">
+                <a:solidFill>
+                  <a:srgbClr val="24292E"/>
+                </a:solidFill>
+                <a:effectLst/>
+                <a:latin typeface="-apple-system"/>
+              </a:rPr>
+              <a:t>For training speed</a:t>
+            </a:r>
+          </a:p>
+          <a:p>
+            <a:pPr lvl="1"/>
+            <a:r>
+              <a:rPr lang="en-US" dirty="0">
+                <a:solidFill>
+                  <a:srgbClr val="24292E"/>
+                </a:solidFill>
+                <a:latin typeface="-apple-system"/>
+              </a:rPr>
+              <a:t>Another loss function – hierarchical </a:t>
+            </a:r>
+            <a:r>
+              <a:rPr lang="en-US" dirty="0" err="1">
+                <a:solidFill>
+                  <a:srgbClr val="24292E"/>
+                </a:solidFill>
+                <a:latin typeface="-apple-system"/>
+              </a:rPr>
+              <a:t>softmax</a:t>
+            </a:r>
+            <a:r>
+              <a:rPr lang="en-US" dirty="0">
+                <a:solidFill>
+                  <a:srgbClr val="24292E"/>
+                </a:solidFill>
+                <a:latin typeface="-apple-system"/>
+              </a:rPr>
+              <a:t> instead of regular one</a:t>
+            </a:r>
+            <a:endParaRPr lang="en-US" b="0" i="0" dirty="0">
+              <a:solidFill>
+                <a:srgbClr val="24292E"/>
+              </a:solidFill>
+              <a:effectLst/>
+              <a:latin typeface="-apple-system"/>
+            </a:endParaRPr>
+          </a:p>
+          <a:p>
+            <a:r>
               <a:rPr lang="en-IL" dirty="0"/>
-              <a:t>Concepts</a:t>
-            </a:r>
-          </a:p>
-          <a:p>
-            <a:pPr lvl="1"/>
-            <a:r>
-              <a:rPr lang="en-IL" dirty="0"/>
-              <a:t>Runs – </a:t>
-            </a:r>
-            <a:r>
-              <a:rPr lang="en-US" b="0" i="0" dirty="0">
-                <a:solidFill>
-                  <a:srgbClr val="404040"/>
-                </a:solidFill>
-                <a:effectLst/>
-                <a:latin typeface="Source Sans Pro" panose="020F0502020204030204" pitchFamily="34" charset="0"/>
-              </a:rPr>
-              <a:t>executions of some piece of data science code</a:t>
-            </a:r>
-          </a:p>
-          <a:p>
-            <a:pPr lvl="2"/>
-            <a:r>
-              <a:rPr lang="en-US" b="0" i="0" dirty="0">
-                <a:solidFill>
-                  <a:srgbClr val="404040"/>
-                </a:solidFill>
-                <a:effectLst/>
-                <a:latin typeface="Source Sans Pro" panose="020B0503030403020204" pitchFamily="34" charset="0"/>
-              </a:rPr>
-              <a:t>records </a:t>
-            </a:r>
-          </a:p>
-          <a:p>
-            <a:pPr lvl="3"/>
-            <a:r>
-              <a:rPr lang="en-US" b="0" i="0" dirty="0">
-                <a:solidFill>
-                  <a:srgbClr val="404040"/>
-                </a:solidFill>
-                <a:effectLst/>
-                <a:latin typeface="Source Sans Pro" panose="020B0503030403020204" pitchFamily="34" charset="0"/>
-              </a:rPr>
-              <a:t>metadata - metrics, parameters, start and end times OR </a:t>
-            </a:r>
-            <a:r>
-              <a:rPr lang="en-US" b="0" i="0" dirty="0" err="1">
-                <a:solidFill>
-                  <a:srgbClr val="404040"/>
-                </a:solidFill>
-                <a:effectLst/>
-                <a:latin typeface="Source Sans Pro" panose="020B0503030403020204" pitchFamily="34" charset="0"/>
-              </a:rPr>
-              <a:t>mlflow.autlog</a:t>
-            </a:r>
-            <a:r>
-              <a:rPr lang="en-US" b="0" i="0" dirty="0">
-                <a:solidFill>
-                  <a:srgbClr val="404040"/>
-                </a:solidFill>
-                <a:effectLst/>
-                <a:latin typeface="Source Sans Pro" panose="020B0503030403020204" pitchFamily="34" charset="0"/>
-              </a:rPr>
-              <a:t>()</a:t>
-            </a:r>
-          </a:p>
-          <a:p>
-            <a:pPr lvl="3"/>
-            <a:r>
-              <a:rPr lang="en-US" b="0" i="0" dirty="0">
-                <a:solidFill>
-                  <a:srgbClr val="404040"/>
-                </a:solidFill>
-                <a:effectLst/>
-                <a:latin typeface="Source Sans Pro" panose="020B0503030403020204" pitchFamily="34" charset="0"/>
-              </a:rPr>
-              <a:t>artifacts - output files from the run such as model weights, images</a:t>
-            </a:r>
-          </a:p>
-          <a:p>
-            <a:pPr lvl="1"/>
-            <a:r>
-              <a:rPr lang="en-IL" dirty="0"/>
-              <a:t>Experiments - </a:t>
-            </a:r>
-            <a:r>
-              <a:rPr lang="en-US" b="0" i="0" dirty="0">
-                <a:solidFill>
-                  <a:srgbClr val="404040"/>
-                </a:solidFill>
-                <a:effectLst/>
-                <a:latin typeface="Source Sans Pro" panose="020B0503030403020204" pitchFamily="34" charset="0"/>
-              </a:rPr>
-              <a:t>groups together runs for a specific task</a:t>
-            </a:r>
-          </a:p>
-          <a:p>
-            <a:pPr lvl="2"/>
-            <a:r>
-              <a:rPr lang="en-US" b="0" i="0" dirty="0">
-                <a:solidFill>
-                  <a:srgbClr val="404040"/>
-                </a:solidFill>
-                <a:effectLst/>
-                <a:latin typeface="Source Sans Pro" panose="020B0503030403020204" pitchFamily="34" charset="0"/>
-              </a:rPr>
-              <a:t>You can create an experiment using the CLI, API, or UI</a:t>
-            </a:r>
-            <a:endParaRPr lang="en-IL" dirty="0"/>
-          </a:p>
-          <a:p>
-            <a:r>
-              <a:rPr lang="en-IL" dirty="0"/>
-              <a:t>DEMO</a:t>
-            </a:r>
-          </a:p>
-          <a:p>
-            <a:pPr lvl="1"/>
-            <a:r>
-              <a:rPr lang="en-US" dirty="0">
-                <a:effectLst/>
-              </a:rPr>
-              <a:t>~/tools/fastText-0.9.2/</a:t>
-            </a:r>
-            <a:r>
-              <a:rPr lang="en-US" dirty="0" err="1">
-                <a:effectLst/>
-              </a:rPr>
-              <a:t>fasttext</a:t>
-            </a:r>
-            <a:r>
-              <a:rPr lang="en-US" dirty="0">
-                <a:effectLst/>
-              </a:rPr>
-              <a:t> supervised -input </a:t>
-            </a:r>
-            <a:r>
-              <a:rPr lang="en-US" dirty="0" err="1">
-                <a:effectLst/>
-              </a:rPr>
-              <a:t>all_train.txt</a:t>
-            </a:r>
-            <a:r>
-              <a:rPr lang="en-US" dirty="0">
-                <a:effectLst/>
-              </a:rPr>
-              <a:t> -output model_ver1</a:t>
-            </a:r>
-          </a:p>
-          <a:p>
-            <a:pPr lvl="1"/>
-            <a:r>
-              <a:rPr lang="en-US" dirty="0">
-                <a:effectLst/>
-              </a:rPr>
-              <a:t>~/tools/fastText-0.9.2/</a:t>
-            </a:r>
-            <a:r>
-              <a:rPr lang="en-US" dirty="0" err="1">
-                <a:effectLst/>
-              </a:rPr>
-              <a:t>fasttext</a:t>
-            </a:r>
-            <a:r>
-              <a:rPr lang="en-US" dirty="0">
-                <a:effectLst/>
-              </a:rPr>
-              <a:t> predict model_ver1.bin -</a:t>
-            </a:r>
-          </a:p>
-          <a:p>
-            <a:pPr lvl="1"/>
-            <a:r>
-              <a:rPr lang="en-US" dirty="0">
-                <a:effectLst/>
-              </a:rPr>
-              <a:t>~/tools/fastText-0.9.2/</a:t>
-            </a:r>
-            <a:r>
-              <a:rPr lang="en-US" dirty="0" err="1">
-                <a:effectLst/>
-              </a:rPr>
-              <a:t>fasttext</a:t>
-            </a:r>
-            <a:r>
-              <a:rPr lang="en-US" dirty="0">
-                <a:effectLst/>
-              </a:rPr>
-              <a:t> test model_ver1.bin.bin </a:t>
-            </a:r>
-            <a:r>
-              <a:rPr lang="en-US" dirty="0" err="1">
-                <a:effectLst/>
-              </a:rPr>
-              <a:t>all_valid.txt</a:t>
-            </a:r>
-            <a:endParaRPr lang="en-IL" dirty="0"/>
+              <a:t>Multi-label classification</a:t>
+            </a:r>
           </a:p>
         </p:txBody>
       </p:sp>
     </p:spTree>
     <p:extLst>
       <p:ext uri="{BB962C8B-B14F-4D97-AF65-F5344CB8AC3E}">
-        <p14:creationId xmlns:p14="http://schemas.microsoft.com/office/powerpoint/2010/main" val="2291585480"/>
+        <p14:creationId xmlns:p14="http://schemas.microsoft.com/office/powerpoint/2010/main" val="2574367163"/>
       </p:ext>
     </p:extLst>
   </p:cSld>
@@ -5119,7 +5045,7 @@
           <p:cNvPr id="2" name="Title 1">
             <a:extLst>
               <a:ext uri="{FF2B5EF4-FFF2-40B4-BE49-F238E27FC236}">
-                <a16:creationId xmlns:a16="http://schemas.microsoft.com/office/drawing/2014/main" id="{9D1FED92-D965-13F2-35A7-8E623F288450}"/>
+                <a16:creationId xmlns:a16="http://schemas.microsoft.com/office/drawing/2014/main" id="{525DF426-7D4F-431F-EB7A-F0226E12E959}"/>
               </a:ext>
             </a:extLst>
           </p:cNvPr>
@@ -5128,6 +5054,34 @@
           </p:cNvSpPr>
           <p:nvPr>
             <p:ph type="title"/>
+          </p:nvPr>
+        </p:nvSpPr>
+        <p:spPr/>
+        <p:txBody>
+          <a:bodyPr/>
+          <a:lstStyle/>
+          <a:p>
+            <a:r>
+              <a:rPr lang="en-IL" dirty="0"/>
+              <a:t>MLFlow</a:t>
+            </a:r>
+          </a:p>
+        </p:txBody>
+      </p:sp>
+      <p:sp>
+        <p:nvSpPr>
+          <p:cNvPr id="3" name="Content Placeholder 2">
+            <a:extLst>
+              <a:ext uri="{FF2B5EF4-FFF2-40B4-BE49-F238E27FC236}">
+                <a16:creationId xmlns:a16="http://schemas.microsoft.com/office/drawing/2014/main" id="{10CCACEA-1F86-78CF-9E98-BC7988FFF208}"/>
+              </a:ext>
+            </a:extLst>
+          </p:cNvPr>
+          <p:cNvSpPr>
+            <a:spLocks noGrp="1"/>
+          </p:cNvSpPr>
+          <p:nvPr>
+            <p:ph idx="1"/>
           </p:nvPr>
         </p:nvSpPr>
         <p:spPr/>
@@ -5138,6 +5092,187 @@
           <a:lstStyle/>
           <a:p>
             <a:r>
+              <a:rPr lang="en-IL" dirty="0"/>
+              <a:t>Programmatic run - DEMO</a:t>
+            </a:r>
+          </a:p>
+          <a:p>
+            <a:r>
+              <a:rPr lang="en-IL" dirty="0"/>
+              <a:t>Concepts</a:t>
+            </a:r>
+          </a:p>
+          <a:p>
+            <a:pPr lvl="1"/>
+            <a:r>
+              <a:rPr lang="en-IL" dirty="0"/>
+              <a:t>Runs – </a:t>
+            </a:r>
+            <a:r>
+              <a:rPr lang="en-US" b="0" i="0" dirty="0">
+                <a:solidFill>
+                  <a:srgbClr val="404040"/>
+                </a:solidFill>
+                <a:effectLst/>
+                <a:latin typeface="Source Sans Pro" panose="020F0502020204030204" pitchFamily="34" charset="0"/>
+              </a:rPr>
+              <a:t>executions of some piece of data science code</a:t>
+            </a:r>
+          </a:p>
+          <a:p>
+            <a:pPr lvl="2"/>
+            <a:r>
+              <a:rPr lang="en-US" b="0" i="0" dirty="0">
+                <a:solidFill>
+                  <a:srgbClr val="404040"/>
+                </a:solidFill>
+                <a:effectLst/>
+                <a:latin typeface="Source Sans Pro" panose="020B0503030403020204" pitchFamily="34" charset="0"/>
+              </a:rPr>
+              <a:t>records </a:t>
+            </a:r>
+          </a:p>
+          <a:p>
+            <a:pPr lvl="3"/>
+            <a:r>
+              <a:rPr lang="en-US" b="0" i="0" dirty="0">
+                <a:solidFill>
+                  <a:srgbClr val="404040"/>
+                </a:solidFill>
+                <a:effectLst/>
+                <a:latin typeface="Source Sans Pro" panose="020B0503030403020204" pitchFamily="34" charset="0"/>
+              </a:rPr>
+              <a:t>metadata - metrics, parameters, start and end times OR </a:t>
+            </a:r>
+            <a:r>
+              <a:rPr lang="en-US" b="0" i="0" dirty="0" err="1">
+                <a:solidFill>
+                  <a:srgbClr val="404040"/>
+                </a:solidFill>
+                <a:effectLst/>
+                <a:latin typeface="Source Sans Pro" panose="020B0503030403020204" pitchFamily="34" charset="0"/>
+              </a:rPr>
+              <a:t>mlflow.autlog</a:t>
+            </a:r>
+            <a:r>
+              <a:rPr lang="en-US" b="0" i="0" dirty="0">
+                <a:solidFill>
+                  <a:srgbClr val="404040"/>
+                </a:solidFill>
+                <a:effectLst/>
+                <a:latin typeface="Source Sans Pro" panose="020B0503030403020204" pitchFamily="34" charset="0"/>
+              </a:rPr>
+              <a:t>()</a:t>
+            </a:r>
+          </a:p>
+          <a:p>
+            <a:pPr lvl="3"/>
+            <a:r>
+              <a:rPr lang="en-US" b="0" i="0" dirty="0">
+                <a:solidFill>
+                  <a:srgbClr val="404040"/>
+                </a:solidFill>
+                <a:effectLst/>
+                <a:latin typeface="Source Sans Pro" panose="020B0503030403020204" pitchFamily="34" charset="0"/>
+              </a:rPr>
+              <a:t>artifacts - output files from the run such as model weights, images</a:t>
+            </a:r>
+          </a:p>
+          <a:p>
+            <a:pPr lvl="1"/>
+            <a:r>
+              <a:rPr lang="en-IL" dirty="0"/>
+              <a:t>Experiments - </a:t>
+            </a:r>
+            <a:r>
+              <a:rPr lang="en-US" b="0" i="0" dirty="0">
+                <a:solidFill>
+                  <a:srgbClr val="404040"/>
+                </a:solidFill>
+                <a:effectLst/>
+                <a:latin typeface="Source Sans Pro" panose="020B0503030403020204" pitchFamily="34" charset="0"/>
+              </a:rPr>
+              <a:t>groups together runs for a specific task</a:t>
+            </a:r>
+          </a:p>
+          <a:p>
+            <a:pPr lvl="2"/>
+            <a:r>
+              <a:rPr lang="en-US" b="0" i="0" dirty="0">
+                <a:solidFill>
+                  <a:srgbClr val="404040"/>
+                </a:solidFill>
+                <a:effectLst/>
+                <a:latin typeface="Source Sans Pro" panose="020B0503030403020204" pitchFamily="34" charset="0"/>
+              </a:rPr>
+              <a:t>You can create an experiment using the CLI, API, or UI</a:t>
+            </a:r>
+          </a:p>
+          <a:p>
+            <a:endParaRPr lang="en-IL" dirty="0"/>
+          </a:p>
+          <a:p>
+            <a:pPr marL="0" indent="0">
+              <a:buNone/>
+            </a:pPr>
+            <a:endParaRPr lang="en-IL" dirty="0"/>
+          </a:p>
+        </p:txBody>
+      </p:sp>
+    </p:spTree>
+    <p:extLst>
+      <p:ext uri="{BB962C8B-B14F-4D97-AF65-F5344CB8AC3E}">
+        <p14:creationId xmlns:p14="http://schemas.microsoft.com/office/powerpoint/2010/main" val="2291585480"/>
+      </p:ext>
+    </p:extLst>
+  </p:cSld>
+  <p:clrMapOvr>
+    <a:masterClrMapping/>
+  </p:clrMapOvr>
+</p:sld>
+</file>
+
+<file path=ppt/slides/slide13.xml><?xml version="1.0" encoding="utf-8"?>
+<p:sld xmlns:a="http://schemas.openxmlformats.org/drawingml/2006/main" xmlns:r="http://schemas.openxmlformats.org/officeDocument/2006/relationships" xmlns:p="http://schemas.openxmlformats.org/presentationml/2006/main">
+  <p:cSld>
+    <p:spTree>
+      <p:nvGrpSpPr>
+        <p:cNvPr id="1" name=""/>
+        <p:cNvGrpSpPr/>
+        <p:nvPr/>
+      </p:nvGrpSpPr>
+      <p:grpSpPr>
+        <a:xfrm>
+          <a:off x="0" y="0"/>
+          <a:ext cx="0" cy="0"/>
+          <a:chOff x="0" y="0"/>
+          <a:chExt cx="0" cy="0"/>
+        </a:xfrm>
+      </p:grpSpPr>
+      <p:sp>
+        <p:nvSpPr>
+          <p:cNvPr id="2" name="Title 1">
+            <a:extLst>
+              <a:ext uri="{FF2B5EF4-FFF2-40B4-BE49-F238E27FC236}">
+                <a16:creationId xmlns:a16="http://schemas.microsoft.com/office/drawing/2014/main" id="{9D1FED92-D965-13F2-35A7-8E623F288450}"/>
+              </a:ext>
+            </a:extLst>
+          </p:cNvPr>
+          <p:cNvSpPr>
+            <a:spLocks noGrp="1"/>
+          </p:cNvSpPr>
+          <p:nvPr>
+            <p:ph type="title"/>
+          </p:nvPr>
+        </p:nvSpPr>
+        <p:spPr/>
+        <p:txBody>
+          <a:bodyPr>
+            <a:normAutofit/>
+          </a:bodyPr>
+          <a:lstStyle/>
+          <a:p>
+            <a:r>
               <a:rPr lang="en-US" b="1" i="0" dirty="0" err="1">
                 <a:solidFill>
                   <a:srgbClr val="1F1F1F"/>
@@ -5155,7 +5290,7 @@
                 <a:effectLst/>
                 <a:latin typeface="OpenSans"/>
               </a:rPr>
-              <a:t> Experiment Tracking</a:t>
+              <a:t> Components</a:t>
             </a:r>
             <a:endParaRPr lang="en-IL" dirty="0"/>
           </a:p>
@@ -5177,10 +5312,15 @@
             <p:ph idx="1"/>
           </p:nvPr>
         </p:nvSpPr>
-        <p:spPr/>
+        <p:spPr>
+          <a:xfrm>
+            <a:off x="838200" y="1447800"/>
+            <a:ext cx="10515600" cy="5143499"/>
+          </a:xfrm>
+        </p:spPr>
         <p:txBody>
           <a:bodyPr>
-            <a:normAutofit fontScale="92500" lnSpcReduction="10000"/>
+            <a:normAutofit fontScale="92500" lnSpcReduction="20000"/>
           </a:bodyPr>
           <a:lstStyle/>
           <a:p>
@@ -5276,12 +5416,52 @@
           <a:p>
             <a:pPr lvl="1"/>
             <a:r>
+              <a:rPr lang="en-US" dirty="0" err="1">
+                <a:solidFill>
+                  <a:srgbClr val="1F1F1F"/>
+                </a:solidFill>
+                <a:latin typeface="var(--cds-font-family-source-sans-pro)"/>
+              </a:rPr>
+              <a:t>autolog</a:t>
+            </a:r>
+            <a:r>
               <a:rPr lang="en-US" dirty="0">
                 <a:solidFill>
                   <a:srgbClr val="1F1F1F"/>
                 </a:solidFill>
                 <a:latin typeface="var(--cds-font-family-source-sans-pro)"/>
               </a:rPr>
+              <a:t> - </a:t>
+            </a:r>
+            <a:r>
+              <a:rPr lang="en-US" dirty="0">
+                <a:solidFill>
+                  <a:srgbClr val="1F1F1F"/>
+                </a:solidFill>
+                <a:latin typeface="var(--cds-font-family-source-sans-pro)"/>
+                <a:hlinkClick r:id="rId2"/>
+              </a:rPr>
+              <a:t>https://mlflow.org/docs/latest/tracking/autolog.html</a:t>
+            </a:r>
+            <a:r>
+              <a:rPr lang="en-US" dirty="0">
+                <a:solidFill>
+                  <a:srgbClr val="1F1F1F"/>
+                </a:solidFill>
+                <a:latin typeface="var(--cds-font-family-source-sans-pro)"/>
+              </a:rPr>
+              <a:t> </a:t>
+            </a:r>
+          </a:p>
+          <a:p>
+            <a:pPr lvl="1"/>
+            <a:r>
+              <a:rPr lang="en-US" dirty="0">
+                <a:solidFill>
+                  <a:srgbClr val="1F1F1F"/>
+                </a:solidFill>
+                <a:latin typeface="var(--cds-font-family-source-sans-pro)"/>
+              </a:rPr>
               <a:t>detecting d</a:t>
             </a:r>
             <a:r>
@@ -5292,7 +5472,26 @@
                 <a:effectLst/>
                 <a:latin typeface="var(--cds-font-family-source-sans-pro)"/>
               </a:rPr>
-              <a:t>ata drifts and concept drifts</a:t>
+              <a:t>ata drifts (distribution </a:t>
+            </a:r>
+            <a:r>
+              <a:rPr lang="en-US" dirty="0">
+                <a:solidFill>
+                  <a:srgbClr val="1F1F1F"/>
+                </a:solidFill>
+                <a:latin typeface="var(--cds-font-family-source-sans-pro)"/>
+              </a:rPr>
+              <a:t>of features, unseen values</a:t>
+            </a:r>
+            <a:r>
+              <a:rPr lang="en-US" b="0" i="0" dirty="0">
+                <a:solidFill>
+                  <a:srgbClr val="1F1F1F"/>
+                </a:solidFill>
+                <a:effectLst/>
+                <a:latin typeface="var(--cds-font-family-source-sans-pro)"/>
+              </a:rPr>
+              <a:t>) and concept drifts</a:t>
             </a:r>
           </a:p>
           <a:p>
@@ -5383,22 +5582,40 @@
                   <a:srgbClr val="1F1F1F"/>
                 </a:solidFill>
                 <a:latin typeface="var(--cds-font-family-source-sans-pro)"/>
-              </a:rPr>
-              <a:t>YAML files</a:t>
-            </a:r>
-            <a:endParaRPr lang="en-US" b="0" i="0" dirty="0">
+                <a:hlinkClick r:id="rId3"/>
+              </a:rPr>
+              <a:t>https://github.com/alfredodeza/mlflow-demo/blob/main/exploratory/MLproject</a:t>
+            </a:r>
+            <a:endParaRPr lang="en-US" dirty="0">
               <a:solidFill>
                 <a:srgbClr val="1F1F1F"/>
               </a:solidFill>
-              <a:effectLst/>
               <a:latin typeface="var(--cds-font-family-source-sans-pro)"/>
             </a:endParaRPr>
           </a:p>
           <a:p>
-            <a:pPr algn="l">
-              <a:buFont typeface="Arial" panose="020B0604020202020204" pitchFamily="34" charset="0"/>
-              <a:buChar char="•"/>
-            </a:pPr>
+            <a:pPr lvl="1"/>
+            <a:r>
+              <a:rPr lang="en-US" dirty="0">
+                <a:solidFill>
+                  <a:srgbClr val="1F1F1F"/>
+                </a:solidFill>
+                <a:latin typeface="var(--cds-font-family-source-sans-pro)"/>
+                <a:hlinkClick r:id="rId4"/>
+              </a:rPr>
+              <a:t>https://github.com/mlflow/mlflow-example/blob/master/MLproject</a:t>
+            </a:r>
+            <a:r>
+              <a:rPr lang="en-US" dirty="0">
+                <a:solidFill>
+                  <a:srgbClr val="1F1F1F"/>
+                </a:solidFill>
+                <a:latin typeface="var(--cds-font-family-source-sans-pro)"/>
+              </a:rPr>
+              <a:t> </a:t>
+            </a:r>
+          </a:p>
+          <a:p>
             <a:r>
               <a:rPr lang="en-US" b="1" i="0" dirty="0" err="1">
                 <a:solidFill>
@@ -5438,8 +5655,18 @@
                   <a:srgbClr val="1F1F1F"/>
                 </a:solidFill>
                 <a:latin typeface="var(--cds-font-family-source-sans-pro)"/>
-              </a:rPr>
-              <a:t>YAML files</a:t>
+                <a:hlinkClick r:id="rId5"/>
+              </a:rPr>
+              <a:t>https://github.com/MicrosoftDocs/azure-docs/blob/main/articles/machine-learning/how-to-log-mlflow-models.md</a:t>
+            </a:r>
+            <a:r>
+              <a:rPr lang="en-US" dirty="0">
+                <a:solidFill>
+                  <a:srgbClr val="1F1F1F"/>
+                </a:solidFill>
+                <a:latin typeface="var(--cds-font-family-source-sans-pro)"/>
+              </a:rPr>
+              <a:t> </a:t>
             </a:r>
             <a:endParaRPr lang="en-US" b="0" i="0" dirty="0">
               <a:solidFill>
@@ -5464,7 +5691,7 @@
 </p:sld>
 </file>
 
-<file path=ppt/slides/slide13.xml><?xml version="1.0" encoding="utf-8"?>
+<file path=ppt/slides/slide14.xml><?xml version="1.0" encoding="utf-8"?>
 <p:sld xmlns:a="http://schemas.openxmlformats.org/drawingml/2006/main" xmlns:r="http://schemas.openxmlformats.org/officeDocument/2006/relationships" xmlns:p="http://schemas.openxmlformats.org/presentationml/2006/main">
   <p:cSld>
     <p:spTree>
@@ -5551,269 +5778,6 @@
 </p:sld>
 </file>
 
-<file path=ppt/slides/slide14.xml><?xml version="1.0" encoding="utf-8"?>
-<p:sld xmlns:a="http://schemas.openxmlformats.org/drawingml/2006/main" xmlns:r="http://schemas.openxmlformats.org/officeDocument/2006/relationships" xmlns:p="http://schemas.openxmlformats.org/presentationml/2006/main">
-  <p:cSld>
-    <p:spTree>
-      <p:nvGrpSpPr>
-        <p:cNvPr id="1" name=""/>
-        <p:cNvGrpSpPr/>
-        <p:nvPr/>
-      </p:nvGrpSpPr>
-      <p:grpSpPr>
-        <a:xfrm>
-          <a:off x="0" y="0"/>
-          <a:ext cx="0" cy="0"/>
-          <a:chOff x="0" y="0"/>
-          <a:chExt cx="0" cy="0"/>
-        </a:xfrm>
-      </p:grpSpPr>
-      <p:sp>
-        <p:nvSpPr>
-          <p:cNvPr id="2" name="Title 1">
-            <a:extLst>
-              <a:ext uri="{FF2B5EF4-FFF2-40B4-BE49-F238E27FC236}">
-                <a16:creationId xmlns:a16="http://schemas.microsoft.com/office/drawing/2014/main" id="{28A247FA-3B41-77C8-FA31-C0D706C6D0EB}"/>
-              </a:ext>
-            </a:extLst>
-          </p:cNvPr>
-          <p:cNvSpPr>
-            <a:spLocks noGrp="1"/>
-          </p:cNvSpPr>
-          <p:nvPr>
-            <p:ph type="title"/>
-          </p:nvPr>
-        </p:nvSpPr>
-        <p:spPr/>
-        <p:txBody>
-          <a:bodyPr/>
-          <a:lstStyle/>
-          <a:p>
-            <a:r>
-              <a:rPr lang="en-IL" b="1" dirty="0"/>
-              <a:t>MLFlow Projects</a:t>
-            </a:r>
-          </a:p>
-        </p:txBody>
-      </p:sp>
-      <p:sp>
-        <p:nvSpPr>
-          <p:cNvPr id="3" name="Content Placeholder 2">
-            <a:extLst>
-              <a:ext uri="{FF2B5EF4-FFF2-40B4-BE49-F238E27FC236}">
-                <a16:creationId xmlns:a16="http://schemas.microsoft.com/office/drawing/2014/main" id="{0BFBB891-C5FA-8FDE-9A49-533B6A15A915}"/>
-              </a:ext>
-            </a:extLst>
-          </p:cNvPr>
-          <p:cNvSpPr>
-            <a:spLocks noGrp="1"/>
-          </p:cNvSpPr>
-          <p:nvPr>
-            <p:ph idx="1"/>
-          </p:nvPr>
-        </p:nvSpPr>
-        <p:spPr/>
-        <p:txBody>
-          <a:bodyPr/>
-          <a:lstStyle/>
-          <a:p>
-            <a:pPr algn="l">
-              <a:buFont typeface="Arial" panose="020B0604020202020204" pitchFamily="34" charset="0"/>
-              <a:buChar char="•"/>
-            </a:pPr>
-            <a:r>
-              <a:rPr lang="en-US" b="1" i="0" dirty="0" err="1">
-                <a:solidFill>
-                  <a:srgbClr val="1F1F1F"/>
-                </a:solidFill>
-                <a:effectLst/>
-                <a:latin typeface="unset"/>
-              </a:rPr>
-              <a:t>Conda</a:t>
-            </a:r>
-            <a:r>
-              <a:rPr lang="en-US" b="1" i="0" dirty="0">
-                <a:solidFill>
-                  <a:srgbClr val="1F1F1F"/>
-                </a:solidFill>
-                <a:effectLst/>
-                <a:latin typeface="unset"/>
-              </a:rPr>
-              <a:t> Environment </a:t>
-            </a:r>
-            <a:r>
-              <a:rPr lang="en-US" b="0" i="0" dirty="0">
-                <a:solidFill>
-                  <a:srgbClr val="1F1F1F"/>
-                </a:solidFill>
-                <a:effectLst/>
-                <a:latin typeface="var(--cds-font-family-source-sans-pro)"/>
-              </a:rPr>
-              <a:t>- Specifies the dependencies and software required to recreate the runtime environment</a:t>
-            </a:r>
-          </a:p>
-          <a:p>
-            <a:pPr lvl="1"/>
-            <a:r>
-              <a:rPr lang="en-US" dirty="0">
-                <a:solidFill>
-                  <a:srgbClr val="1F1F1F"/>
-                </a:solidFill>
-                <a:latin typeface="var(--cds-font-family-source-sans-pro)"/>
-              </a:rPr>
-              <a:t>OR: virtual environment, can be exported from Poetry spec file</a:t>
-            </a:r>
-            <a:endParaRPr lang="en-US" b="0" i="0" dirty="0">
-              <a:solidFill>
-                <a:srgbClr val="1F1F1F"/>
-              </a:solidFill>
-              <a:effectLst/>
-              <a:latin typeface="var(--cds-font-family-source-sans-pro)"/>
-            </a:endParaRPr>
-          </a:p>
-          <a:p>
-            <a:pPr algn="l">
-              <a:buFont typeface="Arial" panose="020B0604020202020204" pitchFamily="34" charset="0"/>
-              <a:buChar char="•"/>
-            </a:pPr>
-            <a:r>
-              <a:rPr lang="en-US" b="1" i="0" dirty="0">
-                <a:solidFill>
-                  <a:srgbClr val="1F1F1F"/>
-                </a:solidFill>
-                <a:effectLst/>
-                <a:latin typeface="unset"/>
-              </a:rPr>
-              <a:t>Entry Points</a:t>
-            </a:r>
-            <a:r>
-              <a:rPr lang="en-US" b="0" i="0" dirty="0">
-                <a:solidFill>
-                  <a:srgbClr val="1F1F1F"/>
-                </a:solidFill>
-                <a:effectLst/>
-                <a:latin typeface="var(--cds-font-family-source-sans-pro)"/>
-              </a:rPr>
-              <a:t> - Define the scripts that can be executed within the project workflow</a:t>
-            </a:r>
-          </a:p>
-          <a:p>
-            <a:pPr algn="l">
-              <a:buFont typeface="Arial" panose="020B0604020202020204" pitchFamily="34" charset="0"/>
-              <a:buChar char="•"/>
-            </a:pPr>
-            <a:r>
-              <a:rPr lang="en-US" b="1" i="0" dirty="0">
-                <a:solidFill>
-                  <a:srgbClr val="1F1F1F"/>
-                </a:solidFill>
-                <a:effectLst/>
-                <a:latin typeface="unset"/>
-              </a:rPr>
-              <a:t>Git Repository</a:t>
-            </a:r>
-            <a:r>
-              <a:rPr lang="en-US" b="0" i="0" dirty="0">
-                <a:solidFill>
-                  <a:srgbClr val="1F1F1F"/>
-                </a:solidFill>
-                <a:effectLst/>
-                <a:latin typeface="var(--cds-font-family-source-sans-pro)"/>
-              </a:rPr>
-              <a:t> - Remote repository that contains an </a:t>
-            </a:r>
-            <a:r>
-              <a:rPr lang="en-US" b="0" i="0" dirty="0" err="1">
-                <a:solidFill>
-                  <a:srgbClr val="1F1F1F"/>
-                </a:solidFill>
-                <a:effectLst/>
-                <a:latin typeface="var(--cds-font-family-source-sans-pro)"/>
-              </a:rPr>
-              <a:t>MLflow</a:t>
-            </a:r>
-            <a:r>
-              <a:rPr lang="en-US" b="0" i="0" dirty="0">
-                <a:solidFill>
-                  <a:srgbClr val="1F1F1F"/>
-                </a:solidFill>
-                <a:effectLst/>
-                <a:latin typeface="var(--cds-font-family-source-sans-pro)"/>
-              </a:rPr>
-              <a:t> project enabling portability</a:t>
-            </a:r>
-          </a:p>
-          <a:p>
-            <a:pPr algn="l">
-              <a:buFont typeface="Arial" panose="020B0604020202020204" pitchFamily="34" charset="0"/>
-              <a:buChar char="•"/>
-            </a:pPr>
-            <a:r>
-              <a:rPr lang="en-US" b="1" i="0" dirty="0" err="1">
-                <a:solidFill>
-                  <a:srgbClr val="1F1F1F"/>
-                </a:solidFill>
-                <a:effectLst/>
-                <a:latin typeface="unset"/>
-              </a:rPr>
-              <a:t>mlflow</a:t>
-            </a:r>
-            <a:r>
-              <a:rPr lang="en-US" b="1" i="0" dirty="0">
-                <a:solidFill>
-                  <a:srgbClr val="1F1F1F"/>
-                </a:solidFill>
-                <a:effectLst/>
-                <a:latin typeface="unset"/>
-              </a:rPr>
-              <a:t> run</a:t>
-            </a:r>
-            <a:r>
-              <a:rPr lang="en-US" b="0" i="0" dirty="0">
-                <a:solidFill>
-                  <a:srgbClr val="1F1F1F"/>
-                </a:solidFill>
-                <a:effectLst/>
-                <a:latin typeface="var(--cds-font-family-source-sans-pro)"/>
-              </a:rPr>
-              <a:t> - Executes an </a:t>
-            </a:r>
-            <a:r>
-              <a:rPr lang="en-US" b="0" i="0" dirty="0" err="1">
-                <a:solidFill>
-                  <a:srgbClr val="1F1F1F"/>
-                </a:solidFill>
-                <a:effectLst/>
-                <a:latin typeface="var(--cds-font-family-source-sans-pro)"/>
-              </a:rPr>
-              <a:t>MLflow</a:t>
-            </a:r>
-            <a:r>
-              <a:rPr lang="en-US" b="0" i="0" dirty="0">
-                <a:solidFill>
-                  <a:srgbClr val="1F1F1F"/>
-                </a:solidFill>
-                <a:effectLst/>
-                <a:latin typeface="var(--cds-font-family-source-sans-pro)"/>
-              </a:rPr>
-              <a:t> project locally or from a Git repo with given parameters</a:t>
-            </a:r>
-          </a:p>
-        </p:txBody>
-      </p:sp>
-    </p:spTree>
-    <p:extLst>
-      <p:ext uri="{BB962C8B-B14F-4D97-AF65-F5344CB8AC3E}">
-        <p14:creationId xmlns:p14="http://schemas.microsoft.com/office/powerpoint/2010/main" val="902973606"/>
-      </p:ext>
-    </p:extLst>
-  </p:cSld>
-  <p:clrMapOvr>
-    <a:masterClrMapping/>
-  </p:clrMapOvr>
-</p:sld>
-</file>
-
 <file path=ppt/slides/slide15.xml><?xml version="1.0" encoding="utf-8"?>
 <p:sld xmlns:a="http://schemas.openxmlformats.org/drawingml/2006/main" xmlns:r="http://schemas.openxmlformats.org/officeDocument/2006/relationships" xmlns:p="http://schemas.openxmlformats.org/presentationml/2006/main">
   <p:cSld>
@@ -5836,7 +5800,7 @@
           <p:cNvPr id="2" name="Title 1">
             <a:extLst>
               <a:ext uri="{FF2B5EF4-FFF2-40B4-BE49-F238E27FC236}">
-                <a16:creationId xmlns:a16="http://schemas.microsoft.com/office/drawing/2014/main" id="{AB5D28F7-8119-6626-BB50-1CE14354DE2F}"/>
+                <a16:creationId xmlns:a16="http://schemas.microsoft.com/office/drawing/2014/main" id="{28A247FA-3B41-77C8-FA31-C0D706C6D0EB}"/>
               </a:ext>
             </a:extLst>
           </p:cNvPr>
@@ -5854,7 +5818,7 @@
           <a:p>
             <a:r>
               <a:rPr lang="en-IL" b="1" dirty="0"/>
-              <a:t>MLFlow Models</a:t>
+              <a:t>MLFlow Projects</a:t>
             </a:r>
           </a:p>
         </p:txBody>
@@ -5864,7 +5828,7 @@
           <p:cNvPr id="3" name="Content Placeholder 2">
             <a:extLst>
               <a:ext uri="{FF2B5EF4-FFF2-40B4-BE49-F238E27FC236}">
-                <a16:creationId xmlns:a16="http://schemas.microsoft.com/office/drawing/2014/main" id="{78780495-2524-AAD7-260A-C8550754CCC2}"/>
+                <a16:creationId xmlns:a16="http://schemas.microsoft.com/office/drawing/2014/main" id="{0BFBB891-C5FA-8FDE-9A49-533B6A15A915}"/>
               </a:ext>
             </a:extLst>
           </p:cNvPr>
@@ -5887,6 +5851,16 @@
               <a:buChar char="•"/>
             </a:pPr>
             <a:r>
+              <a:rPr lang="en-US" b="1" i="0" dirty="0" err="1">
+                <a:solidFill>
+                  <a:srgbClr val="1F1F1F"/>
+                </a:solidFill>
+                <a:effectLst/>
+                <a:latin typeface="unset"/>
+              </a:rPr>
+              <a:t>Conda</a:t>
+            </a:r>
+            <a:r>
               <a:rPr lang="en-US" b="1" i="0" dirty="0">
                 <a:solidFill>
                   <a:srgbClr val="1F1F1F"/>
@@ -5894,7 +5868,7 @@
                 <a:effectLst/>
                 <a:latin typeface="unset"/>
               </a:rPr>
-              <a:t>Model Registry</a:t>
+              <a:t> Environment </a:t>
             </a:r>
             <a:r>
               <a:rPr lang="en-US" b="0" i="0" dirty="0">
@@ -5904,7 +5878,7 @@
                 <a:effectLst/>
                 <a:latin typeface="var(--cds-font-family-source-sans-pro)"/>
               </a:rPr>
-              <a:t> – Centralized model storage to manage versions and lifecycle</a:t>
+              <a:t>- Specifies the dependencies and software required to recreate the runtime environment</a:t>
             </a:r>
           </a:p>
           <a:p>
@@ -5916,32 +5890,7 @@
                 </a:solidFill>
                 <a:latin typeface="var(--cds-font-family-source-sans-pro)"/>
               </a:rPr>
-              <a:t>Staging</a:t>
-            </a:r>
-          </a:p>
-          <a:p>
-            <a:pPr lvl="1"/>
-            <a:r>
-              <a:rPr lang="en-US" b="0" i="0" dirty="0">
-                <a:solidFill>
-                  <a:srgbClr val="1F1F1F"/>
-                </a:solidFill>
-                <a:effectLst/>
-                <a:latin typeface="var(--cds-font-family-source-sans-pro)"/>
-              </a:rPr>
-              <a:t>Production</a:t>
-            </a:r>
-          </a:p>
-          <a:p>
-            <a:pPr lvl="1"/>
-            <a:r>
-              <a:rPr lang="en-US" dirty="0">
-                <a:solidFill>
-                  <a:srgbClr val="1F1F1F"/>
-                </a:solidFill>
-                <a:latin typeface="var(--cds-font-family-source-sans-pro)"/>
-              </a:rPr>
-              <a:t>Archived </a:t>
+              <a:t>OR: virtual environment, can be exported from Poetry spec file</a:t>
             </a:r>
             <a:endParaRPr lang="en-US" b="0" i="0" dirty="0">
               <a:solidFill>
@@ -5957,24 +5906,14 @@
               <a:buChar char="•"/>
             </a:pPr>
             <a:r>
-              <a:rPr lang="en-US" b="1" i="0" dirty="0" err="1">
+              <a:rPr lang="en-US" b="1" i="0" dirty="0">
                 <a:solidFill>
                   <a:srgbClr val="1F1F1F"/>
                 </a:solidFill>
                 <a:effectLst/>
                 <a:latin typeface="unset"/>
               </a:rPr>
-              <a:t>MLflow</a:t>
-            </a:r>
-            <a:r>
-              <a:rPr lang="en-US" b="1" i="0" dirty="0">
-                <a:solidFill>
-                  <a:srgbClr val="1F1F1F"/>
-                </a:solidFill>
-                <a:effectLst/>
-                <a:latin typeface="unset"/>
-              </a:rPr>
-              <a:t> Artifacts</a:t>
+              <a:t>Entry Points</a:t>
             </a:r>
             <a:r>
               <a:rPr lang="en-US" b="0" i="0" dirty="0">
@@ -5984,27 +5923,7 @@
                 <a:effectLst/>
                 <a:latin typeface="var(--cds-font-family-source-sans-pro)"/>
               </a:rPr>
-              <a:t> – Files including model, </a:t>
-            </a:r>
-            <a:r>
-              <a:rPr lang="en-US" b="0" i="0" dirty="0" err="1">
-                <a:solidFill>
-                  <a:srgbClr val="1F1F1F"/>
-                </a:solidFill>
-                <a:effectLst/>
-                <a:latin typeface="var(--cds-font-family-source-sans-pro)"/>
-              </a:rPr>
-              <a:t>Conda</a:t>
-            </a:r>
-            <a:r>
-              <a:rPr lang="en-US" b="0" i="0" dirty="0">
-                <a:solidFill>
-                  <a:srgbClr val="1F1F1F"/>
-                </a:solidFill>
-                <a:effectLst/>
-                <a:latin typeface="var(--cds-font-family-source-sans-pro)"/>
-              </a:rPr>
-              <a:t> YAML that detail software environment</a:t>
+              <a:t> - Define the scripts that can be executed within the project workflow</a:t>
             </a:r>
           </a:p>
           <a:p>
@@ -6013,6 +5932,52 @@
               <a:buChar char="•"/>
             </a:pPr>
             <a:r>
+              <a:rPr lang="en-US" b="1" i="0" dirty="0">
+                <a:solidFill>
+                  <a:srgbClr val="1F1F1F"/>
+                </a:solidFill>
+                <a:effectLst/>
+                <a:latin typeface="unset"/>
+              </a:rPr>
+              <a:t>Git Repository</a:t>
+            </a:r>
+            <a:r>
+              <a:rPr lang="en-US" b="0" i="0" dirty="0">
+                <a:solidFill>
+                  <a:srgbClr val="1F1F1F"/>
+                </a:solidFill>
+                <a:effectLst/>
+                <a:latin typeface="var(--cds-font-family-source-sans-pro)"/>
+              </a:rPr>
+              <a:t> - Remote repository that contains an </a:t>
+            </a:r>
+            <a:r>
+              <a:rPr lang="en-US" b="0" i="0" dirty="0" err="1">
+                <a:solidFill>
+                  <a:srgbClr val="1F1F1F"/>
+                </a:solidFill>
+                <a:effectLst/>
+                <a:latin typeface="var(--cds-font-family-source-sans-pro)"/>
+              </a:rPr>
+              <a:t>MLflow</a:t>
+            </a:r>
+            <a:r>
+              <a:rPr lang="en-US" b="0" i="0" dirty="0">
+                <a:solidFill>
+                  <a:srgbClr val="1F1F1F"/>
+                </a:solidFill>
+                <a:effectLst/>
+                <a:latin typeface="var(--cds-font-family-source-sans-pro)"/>
+              </a:rPr>
+              <a:t> project enabling portability</a:t>
+            </a:r>
+          </a:p>
+          <a:p>
+            <a:pPr algn="l">
+              <a:buFont typeface="Arial" panose="020B0604020202020204" pitchFamily="34" charset="0"/>
+              <a:buChar char="•"/>
+            </a:pPr>
+            <a:r>
               <a:rPr lang="en-US" b="1" i="0" dirty="0" err="1">
                 <a:solidFill>
                   <a:srgbClr val="1F1F1F"/>
@@ -6020,19 +5985,39 @@
                 <a:effectLst/>
                 <a:latin typeface="unset"/>
               </a:rPr>
+              <a:t>mlflow</a:t>
+            </a:r>
+            <a:r>
+              <a:rPr lang="en-US" b="1" i="0" dirty="0">
+                <a:solidFill>
+                  <a:srgbClr val="1F1F1F"/>
+                </a:solidFill>
+                <a:effectLst/>
+                <a:latin typeface="unset"/>
+              </a:rPr>
+              <a:t> run</a:t>
+            </a:r>
+            <a:r>
+              <a:rPr lang="en-US" b="0" i="0" dirty="0">
+                <a:solidFill>
+                  <a:srgbClr val="1F1F1F"/>
+                </a:solidFill>
+                <a:effectLst/>
+                <a:latin typeface="var(--cds-font-family-source-sans-pro)"/>
+              </a:rPr>
+              <a:t> - Executes an </a:t>
+            </a:r>
+            <a:r>
+              <a:rPr lang="en-US" b="0" i="0" dirty="0" err="1">
+                <a:solidFill>
+                  <a:srgbClr val="1F1F1F"/>
+                </a:solidFill>
+                <a:effectLst/>
+                <a:latin typeface="var(--cds-font-family-source-sans-pro)"/>
+              </a:rPr>
               <a:t>MLflow</a:t>
             </a:r>
             <a:r>
-              <a:rPr lang="en-US" b="1" i="0" dirty="0">
-                <a:solidFill>
-                  <a:srgbClr val="1F1F1F"/>
-                </a:solidFill>
-                <a:effectLst/>
-                <a:latin typeface="unset"/>
-              </a:rPr>
-              <a:t> Serve</a:t>
-            </a:r>
-            <a:r>
               <a:rPr lang="en-US" b="0" i="0" dirty="0">
                 <a:solidFill>
                   <a:srgbClr val="1F1F1F"/>
@@ -6040,30 +6025,24 @@
                 <a:effectLst/>
                 <a:latin typeface="var(--cds-font-family-source-sans-pro)"/>
               </a:rPr>
-              <a:t> – Expose packaged model via real-time inference REST API</a:t>
-            </a:r>
-          </a:p>
-          <a:p>
-            <a:pPr lvl="1"/>
+              <a:t> project locally or from a Git repo with given parameters</a:t>
+            </a:r>
+          </a:p>
+          <a:p>
+            <a:pPr algn="l">
+              <a:buFont typeface="Arial" panose="020B0604020202020204" pitchFamily="34" charset="0"/>
+              <a:buChar char="•"/>
+            </a:pPr>
             <a:r>
               <a:rPr lang="en-US" b="0" i="0" dirty="0">
                 <a:solidFill>
                   <a:srgbClr val="1F1F1F"/>
                 </a:solidFill>
                 <a:effectLst/>
-                <a:latin typeface="Source Sans Pro" panose="020B0503030403020204" pitchFamily="34" charset="0"/>
-              </a:rPr>
-              <a:t>V2 inference protocol used by </a:t>
-            </a:r>
-            <a:r>
-              <a:rPr lang="en-US" b="0" i="0" dirty="0" err="1">
-                <a:solidFill>
-                  <a:srgbClr val="1F1F1F"/>
-                </a:solidFill>
-                <a:effectLst/>
-                <a:latin typeface="Source Sans Pro" panose="020B0503030403020204" pitchFamily="34" charset="0"/>
-              </a:rPr>
-              <a:t>KServe</a:t>
+                <a:latin typeface="var(--cds-font-family-source-sans-pro)"/>
+                <a:hlinkClick r:id="rId2"/>
+              </a:rPr>
+              <a:t>https://github.com/alfredodeza/mlflow-demo</a:t>
             </a:r>
             <a:r>
               <a:rPr lang="en-US" b="0" i="0" dirty="0">
@@ -6071,46 +6050,17 @@
                   <a:srgbClr val="1F1F1F"/>
                 </a:solidFill>
                 <a:effectLst/>
-                <a:latin typeface="Source Sans Pro" panose="020B0503030403020204" pitchFamily="34" charset="0"/>
-              </a:rPr>
-              <a:t> and Seldon Core</a:t>
-            </a:r>
-            <a:endParaRPr lang="en-US" dirty="0">
-              <a:solidFill>
-                <a:srgbClr val="1F1F1F"/>
-              </a:solidFill>
-              <a:latin typeface="var(--cds-font-family-source-sans-pro)"/>
-            </a:endParaRPr>
-          </a:p>
-          <a:p>
-            <a:pPr lvl="1"/>
-            <a:r>
-              <a:rPr lang="en-US" b="0" i="0" dirty="0">
-                <a:solidFill>
-                  <a:srgbClr val="1F1F1F"/>
-                </a:solidFill>
-                <a:effectLst/>
-                <a:latin typeface="Source Sans Pro" panose="020B0503030403020204" pitchFamily="34" charset="0"/>
-              </a:rPr>
-              <a:t>can be exported as Spark UDFs</a:t>
-            </a:r>
-            <a:endParaRPr lang="en-US" b="0" i="0" dirty="0">
-              <a:solidFill>
-                <a:srgbClr val="1F1F1F"/>
-              </a:solidFill>
-              <a:effectLst/>
-              <a:latin typeface="var(--cds-font-family-source-sans-pro)"/>
-            </a:endParaRPr>
-          </a:p>
-          <a:p>
-            <a:endParaRPr lang="en-IL" dirty="0"/>
+                <a:latin typeface="var(--cds-font-family-source-sans-pro)"/>
+              </a:rPr>
+              <a:t> </a:t>
+            </a:r>
           </a:p>
         </p:txBody>
       </p:sp>
     </p:spTree>
     <p:extLst>
       <p:ext uri="{BB962C8B-B14F-4D97-AF65-F5344CB8AC3E}">
-        <p14:creationId xmlns:p14="http://schemas.microsoft.com/office/powerpoint/2010/main" val="1608484247"/>
+        <p14:creationId xmlns:p14="http://schemas.microsoft.com/office/powerpoint/2010/main" val="902973606"/>
       </p:ext>
     </p:extLst>
   </p:cSld>
@@ -6142,7 +6092,7 @@
           <p:cNvPr id="2" name="Title 1">
             <a:extLst>
               <a:ext uri="{FF2B5EF4-FFF2-40B4-BE49-F238E27FC236}">
-                <a16:creationId xmlns:a16="http://schemas.microsoft.com/office/drawing/2014/main" id="{AB87F7F7-D45B-7DDF-70D7-8B0903664A51}"/>
+                <a16:creationId xmlns:a16="http://schemas.microsoft.com/office/drawing/2014/main" id="{AB5D28F7-8119-6626-BB50-1CE14354DE2F}"/>
               </a:ext>
             </a:extLst>
           </p:cNvPr>
@@ -6159,8 +6109,8 @@
           <a:lstStyle/>
           <a:p>
             <a:r>
-              <a:rPr lang="en-IL" dirty="0"/>
-              <a:t>Hugging Face</a:t>
+              <a:rPr lang="en-IL" b="1" dirty="0"/>
+              <a:t>MLFlow Models</a:t>
             </a:r>
           </a:p>
         </p:txBody>
@@ -6170,7 +6120,7 @@
           <p:cNvPr id="3" name="Content Placeholder 2">
             <a:extLst>
               <a:ext uri="{FF2B5EF4-FFF2-40B4-BE49-F238E27FC236}">
-                <a16:creationId xmlns:a16="http://schemas.microsoft.com/office/drawing/2014/main" id="{C415236D-E836-9789-A9CB-D9BF1A75A7AB}"/>
+                <a16:creationId xmlns:a16="http://schemas.microsoft.com/office/drawing/2014/main" id="{78780495-2524-AAD7-260A-C8550754CCC2}"/>
               </a:ext>
             </a:extLst>
           </p:cNvPr>
@@ -6200,7 +6150,7 @@
                 <a:effectLst/>
                 <a:latin typeface="unset"/>
               </a:rPr>
-              <a:t>Model Hub </a:t>
+              <a:t>Model Registry</a:t>
             </a:r>
             <a:r>
               <a:rPr lang="en-US" b="0" i="0" dirty="0">
@@ -6210,23 +6160,7 @@
                 <a:effectLst/>
                 <a:latin typeface="var(--cds-font-family-source-sans-pro)"/>
               </a:rPr>
-              <a:t>- Repository of thousands of reusable trained ML models</a:t>
-            </a:r>
-          </a:p>
-          <a:p>
-            <a:pPr algn="l">
-              <a:buFont typeface="Arial" panose="020B0604020202020204" pitchFamily="34" charset="0"/>
-              <a:buChar char="•"/>
-            </a:pPr>
-            <a:r>
-              <a:rPr lang="en-US" b="1" i="0" dirty="0">
-                <a:solidFill>
-                  <a:srgbClr val="1F1F1F"/>
-                </a:solidFill>
-                <a:effectLst/>
-                <a:latin typeface="unset"/>
-              </a:rPr>
-              <a:t>Datasets</a:t>
+              <a:t> – Centralized model storage to manage versions and lifecycle - </a:t>
             </a:r>
             <a:r>
               <a:rPr lang="en-US" b="0" i="0" dirty="0">
@@ -6235,24 +6169,9 @@
                 </a:solidFill>
                 <a:effectLst/>
                 <a:latin typeface="var(--cds-font-family-source-sans-pro)"/>
-              </a:rPr>
-              <a:t> - Collection of curated datasets for model tuning</a:t>
-            </a:r>
-          </a:p>
-          <a:p>
-            <a:pPr algn="l">
-              <a:buFont typeface="Arial" panose="020B0604020202020204" pitchFamily="34" charset="0"/>
-              <a:buChar char="•"/>
-            </a:pPr>
-            <a:r>
-              <a:rPr lang="en-US" b="1" i="0" dirty="0">
-                <a:solidFill>
-                  <a:srgbClr val="1F1F1F"/>
-                </a:solidFill>
-                <a:effectLst/>
-                <a:latin typeface="unset"/>
-              </a:rPr>
-              <a:t>Spaces</a:t>
+                <a:hlinkClick r:id="rId2"/>
+              </a:rPr>
+              <a:t>https://www.mlflow.org/docs/latest/model-registry.html</a:t>
             </a:r>
             <a:r>
               <a:rPr lang="en-US" b="0" i="0" dirty="0">
@@ -6262,21 +6181,23 @@
                 <a:effectLst/>
                 <a:latin typeface="var(--cds-font-family-source-sans-pro)"/>
               </a:rPr>
-              <a:t> - Hosted apps to demonstrate ML projects</a:t>
+              <a:t> </a:t>
             </a:r>
           </a:p>
           <a:p>
             <a:pPr lvl="1"/>
             <a:r>
-              <a:rPr lang="en-US" b="0" i="0" dirty="0" err="1">
-                <a:solidFill>
-                  <a:srgbClr val="1F1F1F"/>
-                </a:solidFill>
-                <a:effectLst/>
+              <a:rPr lang="en-US" dirty="0">
+                <a:solidFill>
+                  <a:srgbClr val="1F1F1F"/>
+                </a:solidFill>
                 <a:latin typeface="var(--cds-font-family-source-sans-pro)"/>
               </a:rPr>
-              <a:t>Streamlit</a:t>
-            </a:r>
+              <a:t>Staging</a:t>
+            </a:r>
+          </a:p>
+          <a:p>
+            <a:pPr lvl="1"/>
             <a:r>
               <a:rPr lang="en-US" b="0" i="0" dirty="0">
                 <a:solidFill>
@@ -6285,17 +6206,19 @@
                 <a:effectLst/>
                 <a:latin typeface="var(--cds-font-family-source-sans-pro)"/>
               </a:rPr>
-              <a:t> vs </a:t>
-            </a:r>
-            <a:r>
-              <a:rPr lang="en-US" b="0" i="0" dirty="0" err="1">
-                <a:solidFill>
-                  <a:srgbClr val="1F1F1F"/>
-                </a:solidFill>
-                <a:effectLst/>
+              <a:t>Production</a:t>
+            </a:r>
+          </a:p>
+          <a:p>
+            <a:pPr lvl="1"/>
+            <a:r>
+              <a:rPr lang="en-US" dirty="0">
+                <a:solidFill>
+                  <a:srgbClr val="1F1F1F"/>
+                </a:solidFill>
                 <a:latin typeface="var(--cds-font-family-source-sans-pro)"/>
               </a:rPr>
-              <a:t>Gradio</a:t>
+              <a:t>Archived </a:t>
             </a:r>
             <a:endParaRPr lang="en-US" b="0" i="0" dirty="0">
               <a:solidFill>
@@ -6311,6 +6234,16 @@
               <a:buChar char="•"/>
             </a:pPr>
             <a:r>
+              <a:rPr lang="en-US" b="1" i="0" dirty="0" err="1">
+                <a:solidFill>
+                  <a:srgbClr val="1F1F1F"/>
+                </a:solidFill>
+                <a:effectLst/>
+                <a:latin typeface="unset"/>
+              </a:rPr>
+              <a:t>MLflow</a:t>
+            </a:r>
+            <a:r>
               <a:rPr lang="en-US" b="1" i="0" dirty="0">
                 <a:solidFill>
                   <a:srgbClr val="1F1F1F"/>
@@ -6318,7 +6251,7 @@
                 <a:effectLst/>
                 <a:latin typeface="unset"/>
               </a:rPr>
-              <a:t>CLI</a:t>
+              <a:t> Artifacts</a:t>
             </a:r>
             <a:r>
               <a:rPr lang="en-US" b="0" i="0" dirty="0">
@@ -6328,7 +6261,27 @@
                 <a:effectLst/>
                 <a:latin typeface="var(--cds-font-family-source-sans-pro)"/>
               </a:rPr>
-              <a:t> - Command line tool to access Hugging Face capabilities</a:t>
+              <a:t> – Files including model, </a:t>
+            </a:r>
+            <a:r>
+              <a:rPr lang="en-US" b="0" i="0" dirty="0" err="1">
+                <a:solidFill>
+                  <a:srgbClr val="1F1F1F"/>
+                </a:solidFill>
+                <a:effectLst/>
+                <a:latin typeface="var(--cds-font-family-source-sans-pro)"/>
+              </a:rPr>
+              <a:t>Conda</a:t>
+            </a:r>
+            <a:r>
+              <a:rPr lang="en-US" b="0" i="0" dirty="0">
+                <a:solidFill>
+                  <a:srgbClr val="1F1F1F"/>
+                </a:solidFill>
+                <a:effectLst/>
+                <a:latin typeface="var(--cds-font-family-source-sans-pro)"/>
+              </a:rPr>
+              <a:t> YAML that detail software environment</a:t>
             </a:r>
           </a:p>
           <a:p>
@@ -6336,6 +6289,69 @@
               <a:buFont typeface="Arial" panose="020B0604020202020204" pitchFamily="34" charset="0"/>
               <a:buChar char="•"/>
             </a:pPr>
+            <a:r>
+              <a:rPr lang="en-US" b="1" i="0" dirty="0" err="1">
+                <a:solidFill>
+                  <a:srgbClr val="1F1F1F"/>
+                </a:solidFill>
+                <a:effectLst/>
+                <a:latin typeface="unset"/>
+              </a:rPr>
+              <a:t>MLflow</a:t>
+            </a:r>
+            <a:r>
+              <a:rPr lang="en-US" b="1" i="0" dirty="0">
+                <a:solidFill>
+                  <a:srgbClr val="1F1F1F"/>
+                </a:solidFill>
+                <a:effectLst/>
+                <a:latin typeface="unset"/>
+              </a:rPr>
+              <a:t> Serve</a:t>
+            </a:r>
+            <a:r>
+              <a:rPr lang="en-US" b="0" i="0" dirty="0">
+                <a:solidFill>
+                  <a:srgbClr val="1F1F1F"/>
+                </a:solidFill>
+                <a:effectLst/>
+                <a:latin typeface="var(--cds-font-family-source-sans-pro)"/>
+              </a:rPr>
+              <a:t> – Expose packaged model via real-time inference REST API</a:t>
+            </a:r>
+          </a:p>
+          <a:p>
+            <a:pPr lvl="1"/>
+            <a:r>
+              <a:rPr lang="en-US" b="0" i="0" dirty="0">
+                <a:solidFill>
+                  <a:srgbClr val="1F1F1F"/>
+                </a:solidFill>
+                <a:effectLst/>
+                <a:latin typeface="Source Sans Pro" panose="020B0503030403020204" pitchFamily="34" charset="0"/>
+              </a:rPr>
+              <a:t>V2 inference protocol used by </a:t>
+            </a:r>
+            <a:r>
+              <a:rPr lang="en-US" b="0" i="0" dirty="0" err="1">
+                <a:solidFill>
+                  <a:srgbClr val="1F1F1F"/>
+                </a:solidFill>
+                <a:effectLst/>
+                <a:latin typeface="Source Sans Pro" panose="020B0503030403020204" pitchFamily="34" charset="0"/>
+              </a:rPr>
+              <a:t>KServe</a:t>
+            </a:r>
+            <a:r>
+              <a:rPr lang="en-US" b="0" i="0" dirty="0">
+                <a:solidFill>
+                  <a:srgbClr val="1F1F1F"/>
+                </a:solidFill>
+                <a:effectLst/>
+                <a:latin typeface="Source Sans Pro" panose="020B0503030403020204" pitchFamily="34" charset="0"/>
+              </a:rPr>
+              <a:t> and Seldon Core</a:t>
+            </a:r>
             <a:endParaRPr lang="en-US" dirty="0">
               <a:solidFill>
                 <a:srgbClr val="1F1F1F"/>
@@ -6344,58 +6360,17 @@
             </a:endParaRPr>
           </a:p>
           <a:p>
-            <a:pPr algn="l">
-              <a:buFont typeface="Arial" panose="020B0604020202020204" pitchFamily="34" charset="0"/>
-              <a:buChar char="•"/>
-            </a:pPr>
+            <a:pPr lvl="1"/>
             <a:r>
               <a:rPr lang="en-US" b="0" i="0" dirty="0">
                 <a:solidFill>
                   <a:srgbClr val="1F1F1F"/>
                 </a:solidFill>
                 <a:effectLst/>
-                <a:latin typeface="var(--cds-font-family-source-sans-pro)"/>
-              </a:rPr>
-              <a:t>Model Hub - Explore and download models from the repository</a:t>
-            </a:r>
-          </a:p>
-          <a:p>
-            <a:pPr algn="l">
-              <a:buFont typeface="Arial" panose="020B0604020202020204" pitchFamily="34" charset="0"/>
-              <a:buChar char="•"/>
-            </a:pPr>
-            <a:r>
-              <a:rPr lang="en-US" b="0" i="0" dirty="0">
-                <a:solidFill>
-                  <a:srgbClr val="1F1F1F"/>
-                </a:solidFill>
-                <a:effectLst/>
-                <a:latin typeface="var(--cds-font-family-source-sans-pro)"/>
-              </a:rPr>
-              <a:t>Fine-tuning - Customize model accuracy by retraining on new data</a:t>
-            </a:r>
-          </a:p>
-          <a:p>
-            <a:pPr algn="l">
-              <a:buFont typeface="Arial" panose="020B0604020202020204" pitchFamily="34" charset="0"/>
-              <a:buChar char="•"/>
-            </a:pPr>
-            <a:r>
-              <a:rPr lang="en-US" b="0" i="0" dirty="0">
-                <a:solidFill>
-                  <a:srgbClr val="1F1F1F"/>
-                </a:solidFill>
-                <a:effectLst/>
-                <a:latin typeface="var(--cds-font-family-source-sans-pro)"/>
-              </a:rPr>
-              <a:t>Dataset Hub - Access text, image, audio and tabular datasets</a:t>
-            </a:r>
-          </a:p>
-          <a:p>
-            <a:pPr algn="l">
-              <a:buFont typeface="Arial" panose="020B0604020202020204" pitchFamily="34" charset="0"/>
-              <a:buChar char="•"/>
-            </a:pPr>
+                <a:latin typeface="Source Sans Pro" panose="020B0503030403020204" pitchFamily="34" charset="0"/>
+              </a:rPr>
+              <a:t>can be exported as Spark UDFs</a:t>
+            </a:r>
             <a:endParaRPr lang="en-US" b="0" i="0" dirty="0">
               <a:solidFill>
                 <a:srgbClr val="1F1F1F"/>
@@ -6412,7 +6387,7 @@
     </p:spTree>
     <p:extLst>
       <p:ext uri="{BB962C8B-B14F-4D97-AF65-F5344CB8AC3E}">
-        <p14:creationId xmlns:p14="http://schemas.microsoft.com/office/powerpoint/2010/main" val="4091047684"/>
+        <p14:creationId xmlns:p14="http://schemas.microsoft.com/office/powerpoint/2010/main" val="1608484247"/>
       </p:ext>
     </p:extLst>
   </p:cSld>
@@ -6444,7 +6419,7 @@
           <p:cNvPr id="2" name="Title 1">
             <a:extLst>
               <a:ext uri="{FF2B5EF4-FFF2-40B4-BE49-F238E27FC236}">
-                <a16:creationId xmlns:a16="http://schemas.microsoft.com/office/drawing/2014/main" id="{6A31CFBD-5E30-0648-6210-F088FA5CE4C9}"/>
+                <a16:creationId xmlns:a16="http://schemas.microsoft.com/office/drawing/2014/main" id="{AB87F7F7-D45B-7DDF-70D7-8B0903664A51}"/>
               </a:ext>
             </a:extLst>
           </p:cNvPr>
@@ -6462,44 +6437,259 @@
           <a:p>
             <a:r>
               <a:rPr lang="en-IL" dirty="0"/>
+              <a:t>Hugging Face</a:t>
+            </a:r>
+          </a:p>
+        </p:txBody>
+      </p:sp>
+      <p:sp>
+        <p:nvSpPr>
+          <p:cNvPr id="3" name="Content Placeholder 2">
+            <a:extLst>
+              <a:ext uri="{FF2B5EF4-FFF2-40B4-BE49-F238E27FC236}">
+                <a16:creationId xmlns:a16="http://schemas.microsoft.com/office/drawing/2014/main" id="{C415236D-E836-9789-A9CB-D9BF1A75A7AB}"/>
+              </a:ext>
+            </a:extLst>
+          </p:cNvPr>
+          <p:cNvSpPr>
+            <a:spLocks noGrp="1"/>
+          </p:cNvSpPr>
+          <p:nvPr>
+            <p:ph idx="1"/>
+          </p:nvPr>
+        </p:nvSpPr>
+        <p:spPr/>
+        <p:txBody>
+          <a:bodyPr>
+            <a:normAutofit lnSpcReduction="10000"/>
+          </a:bodyPr>
+          <a:lstStyle/>
+          <a:p>
+            <a:pPr algn="l">
+              <a:buFont typeface="Arial" panose="020B0604020202020204" pitchFamily="34" charset="0"/>
+              <a:buChar char="•"/>
+            </a:pPr>
+            <a:r>
+              <a:rPr lang="en-US" b="1" i="0" dirty="0">
+                <a:solidFill>
+                  <a:srgbClr val="1F1F1F"/>
+                </a:solidFill>
+                <a:effectLst/>
+                <a:latin typeface="unset"/>
+              </a:rPr>
+              <a:t>Model Hub </a:t>
+            </a:r>
+            <a:r>
+              <a:rPr lang="en-US" b="0" i="0" dirty="0">
+                <a:solidFill>
+                  <a:srgbClr val="1F1F1F"/>
+                </a:solidFill>
+                <a:effectLst/>
+                <a:latin typeface="var(--cds-font-family-source-sans-pro)"/>
+              </a:rPr>
+              <a:t>- Repository of thousands of reusable trained ML models</a:t>
+            </a:r>
+          </a:p>
+          <a:p>
+            <a:pPr algn="l">
+              <a:buFont typeface="Arial" panose="020B0604020202020204" pitchFamily="34" charset="0"/>
+              <a:buChar char="•"/>
+            </a:pPr>
+            <a:r>
+              <a:rPr lang="en-US" b="1" i="0" dirty="0">
+                <a:solidFill>
+                  <a:srgbClr val="1F1F1F"/>
+                </a:solidFill>
+                <a:effectLst/>
+                <a:latin typeface="unset"/>
+              </a:rPr>
+              <a:t>Datasets</a:t>
+            </a:r>
+            <a:r>
+              <a:rPr lang="en-US" b="0" i="0" dirty="0">
+                <a:solidFill>
+                  <a:srgbClr val="1F1F1F"/>
+                </a:solidFill>
+                <a:effectLst/>
+                <a:latin typeface="var(--cds-font-family-source-sans-pro)"/>
+              </a:rPr>
+              <a:t> - Collection of curated datasets for model tuning</a:t>
+            </a:r>
+          </a:p>
+          <a:p>
+            <a:pPr algn="l">
+              <a:buFont typeface="Arial" panose="020B0604020202020204" pitchFamily="34" charset="0"/>
+              <a:buChar char="•"/>
+            </a:pPr>
+            <a:r>
+              <a:rPr lang="en-US" b="1" i="0" dirty="0">
+                <a:solidFill>
+                  <a:srgbClr val="1F1F1F"/>
+                </a:solidFill>
+                <a:effectLst/>
+                <a:latin typeface="unset"/>
+              </a:rPr>
+              <a:t>Spaces</a:t>
+            </a:r>
+            <a:r>
+              <a:rPr lang="en-US" b="0" i="0" dirty="0">
+                <a:solidFill>
+                  <a:srgbClr val="1F1F1F"/>
+                </a:solidFill>
+                <a:effectLst/>
+                <a:latin typeface="var(--cds-font-family-source-sans-pro)"/>
+              </a:rPr>
+              <a:t> - Hosted apps to demonstrate ML projects</a:t>
+            </a:r>
+          </a:p>
+          <a:p>
+            <a:pPr lvl="1"/>
+            <a:r>
+              <a:rPr lang="en-US" b="0" i="0" dirty="0" err="1">
+                <a:solidFill>
+                  <a:srgbClr val="1F1F1F"/>
+                </a:solidFill>
+                <a:effectLst/>
+                <a:latin typeface="var(--cds-font-family-source-sans-pro)"/>
+              </a:rPr>
+              <a:t>Streamlit</a:t>
+            </a:r>
+            <a:r>
+              <a:rPr lang="en-US" b="0" i="0" dirty="0">
+                <a:solidFill>
+                  <a:srgbClr val="1F1F1F"/>
+                </a:solidFill>
+                <a:effectLst/>
+                <a:latin typeface="var(--cds-font-family-source-sans-pro)"/>
+              </a:rPr>
+              <a:t> vs </a:t>
+            </a:r>
+            <a:r>
+              <a:rPr lang="en-US" b="0" i="0" dirty="0" err="1">
+                <a:solidFill>
+                  <a:srgbClr val="1F1F1F"/>
+                </a:solidFill>
+                <a:effectLst/>
+                <a:latin typeface="var(--cds-font-family-source-sans-pro)"/>
+              </a:rPr>
               <a:t>Gradio</a:t>
             </a:r>
-          </a:p>
-        </p:txBody>
-      </p:sp>
-      <p:pic>
-        <p:nvPicPr>
-          <p:cNvPr id="5" name="Content Placeholder 4" descr="A screenshot of a computer&#10;&#10;Description automatically generated">
-            <a:extLst>
-              <a:ext uri="{FF2B5EF4-FFF2-40B4-BE49-F238E27FC236}">
-                <a16:creationId xmlns:a16="http://schemas.microsoft.com/office/drawing/2014/main" id="{2536A674-8E1C-9146-AEBA-DA4465D597A2}"/>
-              </a:ext>
-            </a:extLst>
-          </p:cNvPr>
-          <p:cNvPicPr>
-            <a:picLocks noGrp="1" noChangeAspect="1"/>
-          </p:cNvPicPr>
-          <p:nvPr>
-            <p:ph idx="1"/>
-          </p:nvPr>
-        </p:nvPicPr>
-        <p:blipFill>
-          <a:blip r:embed="rId2"/>
-          <a:stretch>
-            <a:fillRect/>
-          </a:stretch>
-        </p:blipFill>
-        <p:spPr>
-          <a:xfrm>
-            <a:off x="838200" y="2828305"/>
-            <a:ext cx="10515600" cy="2345978"/>
-          </a:xfrm>
-        </p:spPr>
-      </p:pic>
+            <a:endParaRPr lang="en-US" b="0" i="0" dirty="0">
+              <a:solidFill>
+                <a:srgbClr val="1F1F1F"/>
+              </a:solidFill>
+              <a:effectLst/>
+              <a:latin typeface="var(--cds-font-family-source-sans-pro)"/>
+            </a:endParaRPr>
+          </a:p>
+          <a:p>
+            <a:pPr algn="l">
+              <a:buFont typeface="Arial" panose="020B0604020202020204" pitchFamily="34" charset="0"/>
+              <a:buChar char="•"/>
+            </a:pPr>
+            <a:r>
+              <a:rPr lang="en-US" b="1" i="0" dirty="0">
+                <a:solidFill>
+                  <a:srgbClr val="1F1F1F"/>
+                </a:solidFill>
+                <a:effectLst/>
+                <a:latin typeface="unset"/>
+              </a:rPr>
+              <a:t>CLI</a:t>
+            </a:r>
+            <a:r>
+              <a:rPr lang="en-US" b="0" i="0" dirty="0">
+                <a:solidFill>
+                  <a:srgbClr val="1F1F1F"/>
+                </a:solidFill>
+                <a:effectLst/>
+                <a:latin typeface="var(--cds-font-family-source-sans-pro)"/>
+              </a:rPr>
+              <a:t> - Command line tool to access Hugging Face capabilities</a:t>
+            </a:r>
+          </a:p>
+          <a:p>
+            <a:pPr algn="l">
+              <a:buFont typeface="Arial" panose="020B0604020202020204" pitchFamily="34" charset="0"/>
+              <a:buChar char="•"/>
+            </a:pPr>
+            <a:endParaRPr lang="en-US" dirty="0">
+              <a:solidFill>
+                <a:srgbClr val="1F1F1F"/>
+              </a:solidFill>
+              <a:latin typeface="var(--cds-font-family-source-sans-pro)"/>
+            </a:endParaRPr>
+          </a:p>
+          <a:p>
+            <a:pPr algn="l">
+              <a:buFont typeface="Arial" panose="020B0604020202020204" pitchFamily="34" charset="0"/>
+              <a:buChar char="•"/>
+            </a:pPr>
+            <a:r>
+              <a:rPr lang="en-US" b="0" i="0" dirty="0">
+                <a:solidFill>
+                  <a:srgbClr val="1F1F1F"/>
+                </a:solidFill>
+                <a:effectLst/>
+                <a:latin typeface="var(--cds-font-family-source-sans-pro)"/>
+              </a:rPr>
+              <a:t>Model Hub - Explore and download models from the repository</a:t>
+            </a:r>
+          </a:p>
+          <a:p>
+            <a:pPr algn="l">
+              <a:buFont typeface="Arial" panose="020B0604020202020204" pitchFamily="34" charset="0"/>
+              <a:buChar char="•"/>
+            </a:pPr>
+            <a:r>
+              <a:rPr lang="en-US" b="0" i="0" dirty="0">
+                <a:solidFill>
+                  <a:srgbClr val="1F1F1F"/>
+                </a:solidFill>
+                <a:effectLst/>
+                <a:latin typeface="var(--cds-font-family-source-sans-pro)"/>
+              </a:rPr>
+              <a:t>Fine-tuning - Customize model accuracy by retraining on new data</a:t>
+            </a:r>
+          </a:p>
+          <a:p>
+            <a:pPr algn="l">
+              <a:buFont typeface="Arial" panose="020B0604020202020204" pitchFamily="34" charset="0"/>
+              <a:buChar char="•"/>
+            </a:pPr>
+            <a:r>
+              <a:rPr lang="en-US" b="0" i="0" dirty="0">
+                <a:solidFill>
+                  <a:srgbClr val="1F1F1F"/>
+                </a:solidFill>
+                <a:effectLst/>
+                <a:latin typeface="var(--cds-font-family-source-sans-pro)"/>
+              </a:rPr>
+              <a:t>Dataset Hub - Access text, image, audio and tabular datasets</a:t>
+            </a:r>
+          </a:p>
+          <a:p>
+            <a:pPr algn="l">
+              <a:buFont typeface="Arial" panose="020B0604020202020204" pitchFamily="34" charset="0"/>
+              <a:buChar char="•"/>
+            </a:pPr>
+            <a:endParaRPr lang="en-US" b="0" i="0" dirty="0">
+              <a:solidFill>
+                <a:srgbClr val="1F1F1F"/>
+              </a:solidFill>
+              <a:effectLst/>
+              <a:latin typeface="var(--cds-font-family-source-sans-pro)"/>
+            </a:endParaRPr>
+          </a:p>
+          <a:p>
+            <a:endParaRPr lang="en-IL" dirty="0"/>
+          </a:p>
+        </p:txBody>
+      </p:sp>
     </p:spTree>
     <p:extLst>
       <p:ext uri="{BB962C8B-B14F-4D97-AF65-F5344CB8AC3E}">
-        <p14:creationId xmlns:p14="http://schemas.microsoft.com/office/powerpoint/2010/main" val="2711441676"/>
+        <p14:creationId xmlns:p14="http://schemas.microsoft.com/office/powerpoint/2010/main" val="4091047684"/>
       </p:ext>
     </p:extLst>
   </p:cSld>
@@ -6531,7 +6721,7 @@
           <p:cNvPr id="2" name="Title 1">
             <a:extLst>
               <a:ext uri="{FF2B5EF4-FFF2-40B4-BE49-F238E27FC236}">
-                <a16:creationId xmlns:a16="http://schemas.microsoft.com/office/drawing/2014/main" id="{93DB0BF8-4876-7511-C129-6226E676C4E2}"/>
+                <a16:creationId xmlns:a16="http://schemas.microsoft.com/office/drawing/2014/main" id="{8726A75F-C9E9-FDA3-6E14-C96E8D9DFA44}"/>
               </a:ext>
             </a:extLst>
           </p:cNvPr>
@@ -6547,200 +6737,743 @@
           <a:bodyPr/>
           <a:lstStyle/>
           <a:p>
-            <a:pPr algn="l" defTabSz="914400" rtl="1" eaLnBrk="1" latinLnBrk="0" hangingPunct="1">
-              <a:lnSpc>
-                <a:spcPct val="90000"/>
-              </a:lnSpc>
-              <a:spcBef>
-                <a:spcPct val="0"/>
-              </a:spcBef>
+            <a:r>
+              <a:rPr lang="en-IL" dirty="0"/>
+              <a:t>Hugging Face</a:t>
+            </a:r>
+          </a:p>
+        </p:txBody>
+      </p:sp>
+      <p:sp>
+        <p:nvSpPr>
+          <p:cNvPr id="3" name="Content Placeholder 2">
+            <a:extLst>
+              <a:ext uri="{FF2B5EF4-FFF2-40B4-BE49-F238E27FC236}">
+                <a16:creationId xmlns:a16="http://schemas.microsoft.com/office/drawing/2014/main" id="{C87F4685-129F-F896-E5C9-55E11262F711}"/>
+              </a:ext>
+            </a:extLst>
+          </p:cNvPr>
+          <p:cNvSpPr>
+            <a:spLocks noGrp="1"/>
+          </p:cNvSpPr>
+          <p:nvPr>
+            <p:ph idx="1"/>
+          </p:nvPr>
+        </p:nvSpPr>
+        <p:spPr/>
+        <p:txBody>
+          <a:bodyPr>
+            <a:normAutofit fontScale="77500" lnSpcReduction="20000"/>
+          </a:bodyPr>
+          <a:lstStyle/>
+          <a:p>
+            <a:pPr marL="0" indent="0">
               <a:buNone/>
             </a:pPr>
             <a:r>
-              <a:rPr lang="cs-CZ" dirty="0" err="1"/>
-              <a:t>Datasets</a:t>
-            </a:r>
-            <a:r>
-              <a:rPr lang="cs-CZ" dirty="0"/>
-              <a:t> in </a:t>
-            </a:r>
-            <a:r>
-              <a:rPr lang="cs-CZ" dirty="0" err="1"/>
-              <a:t>Hugging</a:t>
-            </a:r>
-            <a:r>
-              <a:rPr lang="cs-CZ" dirty="0"/>
-              <a:t> Face</a:t>
-            </a:r>
-            <a:endParaRPr lang="en-IL" dirty="0"/>
-          </a:p>
-        </p:txBody>
-      </p:sp>
-      <p:sp>
-        <p:nvSpPr>
-          <p:cNvPr id="3" name="Content Placeholder 2">
-            <a:extLst>
-              <a:ext uri="{FF2B5EF4-FFF2-40B4-BE49-F238E27FC236}">
-                <a16:creationId xmlns:a16="http://schemas.microsoft.com/office/drawing/2014/main" id="{20F8EE05-D81E-DEA4-0DDC-08DDB0E1CA9A}"/>
-              </a:ext>
-            </a:extLst>
-          </p:cNvPr>
-          <p:cNvSpPr>
-            <a:spLocks noGrp="1"/>
-          </p:cNvSpPr>
-          <p:nvPr>
-            <p:ph idx="1"/>
-          </p:nvPr>
-        </p:nvSpPr>
-        <p:spPr/>
-        <p:txBody>
-          <a:bodyPr>
-            <a:normAutofit fontScale="92500" lnSpcReduction="20000"/>
-          </a:bodyPr>
-          <a:lstStyle/>
-          <a:p>
-            <a:pPr algn="l"/>
-            <a:r>
-              <a:rPr lang="en-US" b="0" i="0" dirty="0">
-                <a:solidFill>
-                  <a:srgbClr val="1F1F1F"/>
-                </a:solidFill>
-                <a:effectLst/>
-                <a:latin typeface="var(--cds-font-family-source-sans-pro)"/>
-              </a:rPr>
-              <a:t>for NLP, vision, and audio tasks. </a:t>
-            </a:r>
-          </a:p>
-          <a:p>
-            <a:pPr algn="l"/>
-            <a:r>
-              <a:rPr lang="en-US" b="0" i="1" dirty="0">
-                <a:solidFill>
-                  <a:srgbClr val="1F1F1F"/>
-                </a:solidFill>
-                <a:effectLst/>
-                <a:latin typeface="var(--cds-font-family-source-sans-pro)"/>
-              </a:rPr>
-              <a:t>Key features include</a:t>
-            </a:r>
-            <a:r>
-              <a:rPr lang="en-US" b="0" i="0" dirty="0">
-                <a:solidFill>
-                  <a:srgbClr val="1F1F1F"/>
-                </a:solidFill>
-                <a:effectLst/>
-                <a:latin typeface="var(--cds-font-family-source-sans-pro)"/>
-              </a:rPr>
-              <a:t>:</a:t>
-            </a:r>
-          </a:p>
-          <a:p>
-            <a:pPr algn="l"/>
-            <a:r>
-              <a:rPr lang="en-US" b="0" i="0" dirty="0">
-                <a:solidFill>
-                  <a:srgbClr val="1F1F1F"/>
-                </a:solidFill>
-                <a:effectLst/>
-                <a:latin typeface="var(--cds-font-family-source-sans-pro)"/>
-              </a:rPr>
-              <a:t>- Simple APIs to load datasets with a single line of code</a:t>
-            </a:r>
-          </a:p>
-          <a:p>
-            <a:pPr algn="l"/>
-            <a:r>
-              <a:rPr lang="en-US" b="0" i="0" dirty="0">
-                <a:solidFill>
-                  <a:srgbClr val="1F1F1F"/>
-                </a:solidFill>
-                <a:effectLst/>
-                <a:latin typeface="var(--cds-font-family-source-sans-pro)"/>
-              </a:rPr>
-              <a:t>- Integrates directly with the Hugging Face Hub to access shared datasets </a:t>
-            </a:r>
-          </a:p>
-          <a:p>
-            <a:pPr algn="l"/>
-            <a:r>
-              <a:rPr lang="en-US" b="0" i="0" dirty="0">
-                <a:solidFill>
-                  <a:srgbClr val="1F1F1F"/>
-                </a:solidFill>
-                <a:effectLst/>
-                <a:latin typeface="var(--cds-font-family-source-sans-pro)"/>
-              </a:rPr>
-              <a:t>- Efficient data processing using Apache Arrow to handle large datasets</a:t>
-            </a:r>
-          </a:p>
-          <a:p>
-            <a:pPr algn="l"/>
-            <a:r>
-              <a:rPr lang="en-US" b="0" i="0" dirty="0">
-                <a:solidFill>
-                  <a:srgbClr val="1F1F1F"/>
-                </a:solidFill>
-                <a:effectLst/>
-                <a:latin typeface="var(--cds-font-family-source-sans-pro)"/>
-              </a:rPr>
-              <a:t>- Methods for common data tasks like tokenization, padding, </a:t>
-            </a:r>
-            <a:r>
-              <a:rPr lang="en-US" b="0" i="0" dirty="0" err="1">
-                <a:solidFill>
-                  <a:srgbClr val="1F1F1F"/>
-                </a:solidFill>
-                <a:effectLst/>
-                <a:latin typeface="var(--cds-font-family-source-sans-pro)"/>
-              </a:rPr>
-              <a:t>etc</a:t>
-            </a:r>
-            <a:endParaRPr lang="en-US" b="0" i="0" dirty="0">
-              <a:solidFill>
-                <a:srgbClr val="1F1F1F"/>
-              </a:solidFill>
+              <a:rPr lang="en-US" dirty="0">
+                <a:solidFill>
+                  <a:srgbClr val="CF8E6D"/>
+                </a:solidFill>
+                <a:effectLst/>
+              </a:rPr>
+              <a:t>import </a:t>
+            </a:r>
+            <a:r>
+              <a:rPr lang="en-US" dirty="0" err="1">
+                <a:effectLst/>
+              </a:rPr>
+              <a:t>fasttext</a:t>
+            </a:r>
+            <a:br>
+              <a:rPr lang="en-US" dirty="0">
+                <a:solidFill>
+                  <a:srgbClr val="BCBEC4"/>
+                </a:solidFill>
+                <a:effectLst/>
+              </a:rPr>
+            </a:br>
+            <a:r>
+              <a:rPr lang="en-US" dirty="0">
+                <a:solidFill>
+                  <a:srgbClr val="CF8E6D"/>
+                </a:solidFill>
+                <a:effectLst/>
+              </a:rPr>
+              <a:t>from </a:t>
+            </a:r>
+            <a:r>
+              <a:rPr lang="en-US" dirty="0" err="1">
+                <a:effectLst/>
+              </a:rPr>
+              <a:t>huggingface_hub</a:t>
+            </a:r>
+            <a:r>
+              <a:rPr lang="en-US" dirty="0">
+                <a:effectLst/>
+              </a:rPr>
+              <a:t> </a:t>
+            </a:r>
+            <a:r>
+              <a:rPr lang="en-US" dirty="0">
+                <a:solidFill>
+                  <a:srgbClr val="CF8E6D"/>
+                </a:solidFill>
+                <a:effectLst/>
+              </a:rPr>
+              <a:t>import </a:t>
+            </a:r>
+            <a:r>
+              <a:rPr lang="en-US" dirty="0" err="1">
+                <a:effectLst/>
+              </a:rPr>
+              <a:t>hf_hub_download</a:t>
+            </a:r>
+            <a:br>
+              <a:rPr lang="en-US" dirty="0">
+                <a:solidFill>
+                  <a:srgbClr val="BCBEC4"/>
+                </a:solidFill>
+                <a:effectLst/>
+              </a:rPr>
+            </a:br>
+            <a:br>
+              <a:rPr lang="en-US" dirty="0">
+                <a:solidFill>
+                  <a:srgbClr val="BCBEC4"/>
+                </a:solidFill>
+                <a:effectLst/>
+              </a:rPr>
+            </a:br>
+            <a:br>
+              <a:rPr lang="en-US" dirty="0">
+                <a:solidFill>
+                  <a:srgbClr val="BCBEC4"/>
+                </a:solidFill>
+                <a:effectLst/>
+              </a:rPr>
+            </a:br>
+            <a:r>
+              <a:rPr lang="en-US" dirty="0" err="1">
+                <a:effectLst/>
+              </a:rPr>
+              <a:t>model_path</a:t>
+            </a:r>
+            <a:r>
+              <a:rPr lang="en-US" dirty="0">
+                <a:effectLst/>
+              </a:rPr>
+              <a:t> </a:t>
+            </a:r>
+            <a:r>
+              <a:rPr lang="en-US" dirty="0">
+                <a:solidFill>
+                  <a:srgbClr val="BCBEC4"/>
+                </a:solidFill>
+                <a:effectLst/>
+              </a:rPr>
+              <a:t>= </a:t>
+            </a:r>
+            <a:r>
+              <a:rPr lang="en-US" dirty="0" err="1">
+                <a:effectLst/>
+              </a:rPr>
+              <a:t>hf_hub_download</a:t>
+            </a:r>
+            <a:r>
+              <a:rPr lang="en-US" dirty="0">
+                <a:solidFill>
+                  <a:srgbClr val="BCBEC4"/>
+                </a:solidFill>
+                <a:effectLst/>
+              </a:rPr>
+              <a:t>(</a:t>
+            </a:r>
+            <a:r>
+              <a:rPr lang="en-US" dirty="0" err="1">
+                <a:solidFill>
+                  <a:srgbClr val="AA4926"/>
+                </a:solidFill>
+                <a:effectLst/>
+              </a:rPr>
+              <a:t>repo_id</a:t>
+            </a:r>
+            <a:r>
+              <a:rPr lang="en-US" dirty="0">
+                <a:solidFill>
+                  <a:srgbClr val="BCBEC4"/>
+                </a:solidFill>
+                <a:effectLst/>
+              </a:rPr>
+              <a:t>=</a:t>
+            </a:r>
+            <a:r>
+              <a:rPr lang="en-US" dirty="0">
+                <a:solidFill>
+                  <a:srgbClr val="6AAB73"/>
+                </a:solidFill>
+                <a:effectLst/>
+              </a:rPr>
+              <a:t>"</a:t>
+            </a:r>
+            <a:r>
+              <a:rPr lang="en-US" dirty="0" err="1">
+                <a:solidFill>
+                  <a:srgbClr val="6AAB73"/>
+                </a:solidFill>
+                <a:effectLst/>
+              </a:rPr>
+              <a:t>lingea</a:t>
+            </a:r>
+            <a:r>
+              <a:rPr lang="en-US" dirty="0">
+                <a:solidFill>
+                  <a:srgbClr val="6AAB73"/>
+                </a:solidFill>
+                <a:effectLst/>
+              </a:rPr>
+              <a:t>/</a:t>
+            </a:r>
+            <a:r>
+              <a:rPr lang="en-US" dirty="0" err="1">
+                <a:solidFill>
+                  <a:srgbClr val="6AAB73"/>
+                </a:solidFill>
+                <a:effectLst/>
+              </a:rPr>
+              <a:t>small_fasttext_model_for_language_detection</a:t>
+            </a:r>
+            <a:r>
+              <a:rPr lang="en-US" dirty="0">
+                <a:solidFill>
+                  <a:srgbClr val="6AAB73"/>
+                </a:solidFill>
+                <a:effectLst/>
+              </a:rPr>
+              <a:t>"</a:t>
+            </a:r>
+            <a:r>
+              <a:rPr lang="en-US" dirty="0">
+                <a:solidFill>
+                  <a:srgbClr val="BCBEC4"/>
+                </a:solidFill>
+                <a:effectLst/>
+              </a:rPr>
+              <a:t>, </a:t>
+            </a:r>
+            <a:r>
+              <a:rPr lang="en-US" dirty="0">
+                <a:solidFill>
+                  <a:srgbClr val="AA4926"/>
+                </a:solidFill>
+                <a:effectLst/>
+              </a:rPr>
+              <a:t>filename</a:t>
+            </a:r>
+            <a:r>
+              <a:rPr lang="en-US" dirty="0">
+                <a:solidFill>
+                  <a:srgbClr val="BCBEC4"/>
+                </a:solidFill>
+                <a:effectLst/>
+              </a:rPr>
+              <a:t>=</a:t>
+            </a:r>
+            <a:r>
+              <a:rPr lang="en-US" dirty="0">
+                <a:solidFill>
+                  <a:srgbClr val="6AAB73"/>
+                </a:solidFill>
+                <a:effectLst/>
+              </a:rPr>
+              <a:t>"model4.bin"</a:t>
+            </a:r>
+            <a:r>
+              <a:rPr lang="en-US" dirty="0">
+                <a:solidFill>
+                  <a:srgbClr val="BCBEC4"/>
+                </a:solidFill>
+                <a:effectLst/>
+              </a:rPr>
+              <a:t>)</a:t>
+            </a:r>
+            <a:br>
+              <a:rPr lang="en-US" dirty="0">
+                <a:solidFill>
+                  <a:srgbClr val="BCBEC4"/>
+                </a:solidFill>
+                <a:effectLst/>
+              </a:rPr>
+            </a:br>
+            <a:r>
+              <a:rPr lang="en-US" dirty="0">
+                <a:effectLst/>
+              </a:rPr>
+              <a:t>model</a:t>
+            </a:r>
+            <a:r>
+              <a:rPr lang="en-US" dirty="0">
+                <a:solidFill>
+                  <a:srgbClr val="BCBEC4"/>
+                </a:solidFill>
+                <a:effectLst/>
+              </a:rPr>
+              <a:t> = </a:t>
+            </a:r>
+            <a:r>
+              <a:rPr lang="en-US" dirty="0" err="1">
+                <a:effectLst/>
+              </a:rPr>
+              <a:t>fasttext.load_model</a:t>
+            </a:r>
+            <a:r>
+              <a:rPr lang="en-US" dirty="0">
+                <a:effectLst/>
+              </a:rPr>
+              <a:t>(</a:t>
+            </a:r>
+            <a:r>
+              <a:rPr lang="en-US" dirty="0" err="1">
+                <a:effectLst/>
+              </a:rPr>
+              <a:t>model_path</a:t>
+            </a:r>
+            <a:r>
+              <a:rPr lang="en-US" dirty="0">
+                <a:effectLst/>
+              </a:rPr>
+              <a:t>)</a:t>
+            </a:r>
+            <a:br>
+              <a:rPr lang="en-US" dirty="0">
+                <a:effectLst/>
+              </a:rPr>
+            </a:br>
+            <a:r>
+              <a:rPr lang="en-US" dirty="0">
+                <a:solidFill>
+                  <a:srgbClr val="8888C6"/>
+                </a:solidFill>
+                <a:effectLst/>
+              </a:rPr>
+              <a:t>print</a:t>
+            </a:r>
+            <a:r>
+              <a:rPr lang="en-US" dirty="0">
+                <a:effectLst/>
+              </a:rPr>
+              <a:t>(</a:t>
+            </a:r>
+            <a:r>
+              <a:rPr lang="en-US" dirty="0" err="1">
+                <a:effectLst/>
+              </a:rPr>
+              <a:t>model.labels</a:t>
+            </a:r>
+            <a:r>
+              <a:rPr lang="en-US" dirty="0">
+                <a:effectLst/>
+              </a:rPr>
+              <a:t>)</a:t>
+            </a:r>
+            <a:br>
+              <a:rPr lang="en-US" dirty="0">
+                <a:effectLst/>
+              </a:rPr>
+            </a:br>
+            <a:br>
+              <a:rPr lang="en-US" dirty="0">
+                <a:solidFill>
+                  <a:srgbClr val="BCBEC4"/>
+                </a:solidFill>
+                <a:effectLst/>
+              </a:rPr>
+            </a:br>
+            <a:r>
+              <a:rPr lang="en-US" dirty="0" err="1">
+                <a:effectLst/>
+              </a:rPr>
+              <a:t>ds_file</a:t>
+            </a:r>
+            <a:r>
+              <a:rPr lang="en-US" dirty="0">
+                <a:effectLst/>
+              </a:rPr>
+              <a:t> = </a:t>
+            </a:r>
+            <a:r>
+              <a:rPr lang="en-US" dirty="0" err="1">
+                <a:effectLst/>
+              </a:rPr>
+              <a:t>hf_hub_download</a:t>
+            </a:r>
+            <a:r>
+              <a:rPr lang="en-US" dirty="0">
+                <a:solidFill>
+                  <a:srgbClr val="BCBEC4"/>
+                </a:solidFill>
+                <a:effectLst/>
+              </a:rPr>
+              <a:t>(</a:t>
+            </a:r>
+            <a:r>
+              <a:rPr lang="en-US" dirty="0" err="1">
+                <a:solidFill>
+                  <a:srgbClr val="AA4926"/>
+                </a:solidFill>
+                <a:effectLst/>
+              </a:rPr>
+              <a:t>repo_id</a:t>
+            </a:r>
+            <a:r>
+              <a:rPr lang="en-US" dirty="0">
+                <a:solidFill>
+                  <a:srgbClr val="BCBEC4"/>
+                </a:solidFill>
+                <a:effectLst/>
+              </a:rPr>
+              <a:t>=</a:t>
+            </a:r>
+            <a:r>
+              <a:rPr lang="en-US" dirty="0">
+                <a:solidFill>
+                  <a:srgbClr val="6AAB73"/>
+                </a:solidFill>
+                <a:effectLst/>
+              </a:rPr>
+              <a:t>'</a:t>
+            </a:r>
+            <a:r>
+              <a:rPr lang="en-US" dirty="0" err="1">
+                <a:solidFill>
+                  <a:srgbClr val="6AAB73"/>
+                </a:solidFill>
+                <a:effectLst/>
+              </a:rPr>
+              <a:t>lingea</a:t>
+            </a:r>
+            <a:r>
+              <a:rPr lang="en-US" dirty="0">
+                <a:solidFill>
+                  <a:srgbClr val="6AAB73"/>
+                </a:solidFill>
+                <a:effectLst/>
+              </a:rPr>
+              <a:t>/</a:t>
+            </a:r>
+            <a:r>
+              <a:rPr lang="en-US" dirty="0" err="1">
+                <a:solidFill>
+                  <a:srgbClr val="6AAB73"/>
+                </a:solidFill>
+                <a:effectLst/>
+              </a:rPr>
+              <a:t>small_raw_dataset_for_language_detection</a:t>
+            </a:r>
+            <a:r>
+              <a:rPr lang="en-US" dirty="0">
+                <a:solidFill>
+                  <a:srgbClr val="6AAB73"/>
+                </a:solidFill>
+                <a:effectLst/>
+              </a:rPr>
+              <a:t>'</a:t>
+            </a:r>
+            <a:r>
+              <a:rPr lang="en-US" dirty="0">
+                <a:solidFill>
+                  <a:srgbClr val="BCBEC4"/>
+                </a:solidFill>
+                <a:effectLst/>
+              </a:rPr>
+              <a:t>, </a:t>
+            </a:r>
+            <a:r>
+              <a:rPr lang="en-US" dirty="0">
+                <a:solidFill>
+                  <a:srgbClr val="AA4926"/>
+                </a:solidFill>
+                <a:effectLst/>
+              </a:rPr>
+              <a:t>filename</a:t>
+            </a:r>
+            <a:r>
+              <a:rPr lang="en-US" dirty="0">
+                <a:solidFill>
+                  <a:srgbClr val="BCBEC4"/>
+                </a:solidFill>
+                <a:effectLst/>
+              </a:rPr>
+              <a:t>=</a:t>
+            </a:r>
+            <a:r>
+              <a:rPr lang="en-US" dirty="0">
+                <a:solidFill>
+                  <a:srgbClr val="6AAB73"/>
+                </a:solidFill>
+                <a:effectLst/>
+              </a:rPr>
+              <a:t>'</a:t>
+            </a:r>
+            <a:r>
+              <a:rPr lang="en-US" dirty="0" err="1">
+                <a:solidFill>
+                  <a:srgbClr val="6AAB73"/>
+                </a:solidFill>
+                <a:effectLst/>
+              </a:rPr>
+              <a:t>all.txt</a:t>
+            </a:r>
+            <a:r>
+              <a:rPr lang="en-US" dirty="0">
+                <a:solidFill>
+                  <a:srgbClr val="6AAB73"/>
+                </a:solidFill>
+                <a:effectLst/>
+              </a:rPr>
+              <a:t>'</a:t>
+            </a:r>
+            <a:r>
+              <a:rPr lang="en-US" dirty="0">
+                <a:solidFill>
+                  <a:srgbClr val="BCBEC4"/>
+                </a:solidFill>
+                <a:effectLst/>
+              </a:rPr>
+              <a:t>, </a:t>
+            </a:r>
+            <a:r>
+              <a:rPr lang="en-US" dirty="0" err="1">
+                <a:solidFill>
+                  <a:srgbClr val="AA4926"/>
+                </a:solidFill>
+                <a:effectLst/>
+              </a:rPr>
+              <a:t>repo_type</a:t>
+            </a:r>
+            <a:r>
+              <a:rPr lang="en-US" dirty="0">
+                <a:solidFill>
+                  <a:srgbClr val="BCBEC4"/>
+                </a:solidFill>
+                <a:effectLst/>
+              </a:rPr>
+              <a:t>=</a:t>
+            </a:r>
+            <a:r>
+              <a:rPr lang="en-US" dirty="0">
+                <a:solidFill>
+                  <a:srgbClr val="6AAB73"/>
+                </a:solidFill>
+                <a:effectLst/>
+              </a:rPr>
+              <a:t>"dataset"</a:t>
+            </a:r>
+            <a:r>
+              <a:rPr lang="en-US" dirty="0">
+                <a:solidFill>
+                  <a:srgbClr val="BCBEC4"/>
+                </a:solidFill>
+                <a:effectLst/>
+              </a:rPr>
+              <a:t>)</a:t>
+            </a:r>
+            <a:br>
+              <a:rPr lang="en-US" dirty="0">
+                <a:solidFill>
+                  <a:srgbClr val="BCBEC4"/>
+                </a:solidFill>
+                <a:effectLst/>
+              </a:rPr>
+            </a:br>
+            <a:r>
+              <a:rPr lang="en-US" dirty="0">
+                <a:solidFill>
+                  <a:srgbClr val="CF8E6D"/>
+                </a:solidFill>
+                <a:effectLst/>
+              </a:rPr>
+              <a:t>with </a:t>
+            </a:r>
+            <a:r>
+              <a:rPr lang="en-US" dirty="0">
+                <a:solidFill>
+                  <a:srgbClr val="8888C6"/>
+                </a:solidFill>
+                <a:effectLst/>
+              </a:rPr>
+              <a:t>open</a:t>
+            </a:r>
+            <a:r>
+              <a:rPr lang="en-US" dirty="0">
+                <a:solidFill>
+                  <a:srgbClr val="BCBEC4"/>
+                </a:solidFill>
+                <a:effectLst/>
+              </a:rPr>
+              <a:t>(</a:t>
+            </a:r>
+            <a:r>
+              <a:rPr lang="en-US" dirty="0" err="1">
+                <a:effectLst/>
+              </a:rPr>
+              <a:t>ds_file</a:t>
+            </a:r>
+            <a:r>
+              <a:rPr lang="en-US" dirty="0">
+                <a:solidFill>
+                  <a:srgbClr val="BCBEC4"/>
+                </a:solidFill>
+                <a:effectLst/>
+              </a:rPr>
+              <a:t>) </a:t>
+            </a:r>
+            <a:r>
+              <a:rPr lang="en-US" dirty="0">
+                <a:solidFill>
+                  <a:srgbClr val="CF8E6D"/>
+                </a:solidFill>
+                <a:effectLst/>
+              </a:rPr>
+              <a:t>as </a:t>
+            </a:r>
+            <a:r>
+              <a:rPr lang="en-US" dirty="0">
+                <a:effectLst/>
+              </a:rPr>
+              <a:t>f:</a:t>
+            </a:r>
+            <a:br>
+              <a:rPr lang="en-US" dirty="0">
+                <a:solidFill>
+                  <a:srgbClr val="BCBEC4"/>
+                </a:solidFill>
+                <a:effectLst/>
+              </a:rPr>
+            </a:br>
+            <a:r>
+              <a:rPr lang="en-US" dirty="0">
+                <a:solidFill>
+                  <a:srgbClr val="BCBEC4"/>
+                </a:solidFill>
+                <a:effectLst/>
+              </a:rPr>
+              <a:t>    </a:t>
+            </a:r>
+            <a:r>
+              <a:rPr lang="en-US" dirty="0">
+                <a:effectLst/>
+              </a:rPr>
+              <a:t>text = </a:t>
+            </a:r>
+            <a:r>
+              <a:rPr lang="en-US" dirty="0" err="1">
+                <a:effectLst/>
+              </a:rPr>
+              <a:t>f.read</a:t>
+            </a:r>
+            <a:r>
+              <a:rPr lang="en-US" dirty="0">
+                <a:effectLst/>
+              </a:rPr>
+              <a:t>()</a:t>
+            </a:r>
+            <a:br>
+              <a:rPr lang="en-US" dirty="0">
+                <a:solidFill>
+                  <a:srgbClr val="BCBEC4"/>
+                </a:solidFill>
+                <a:effectLst/>
+              </a:rPr>
+            </a:br>
+            <a:r>
+              <a:rPr lang="en-US" dirty="0">
+                <a:solidFill>
+                  <a:srgbClr val="BCBEC4"/>
+                </a:solidFill>
+                <a:effectLst/>
+              </a:rPr>
+              <a:t>    </a:t>
+            </a:r>
+            <a:r>
+              <a:rPr lang="en-US" dirty="0">
+                <a:solidFill>
+                  <a:srgbClr val="8888C6"/>
+                </a:solidFill>
+                <a:effectLst/>
+              </a:rPr>
+              <a:t>print</a:t>
+            </a:r>
+            <a:r>
+              <a:rPr lang="en-US" dirty="0">
+                <a:solidFill>
+                  <a:srgbClr val="BCBEC4"/>
+                </a:solidFill>
+                <a:effectLst/>
+              </a:rPr>
+              <a:t>(</a:t>
+            </a:r>
+            <a:r>
+              <a:rPr lang="en-US" dirty="0">
+                <a:effectLst/>
+              </a:rPr>
+              <a:t>text</a:t>
+            </a:r>
+            <a:r>
+              <a:rPr lang="en-US" dirty="0">
+                <a:solidFill>
+                  <a:srgbClr val="BCBEC4"/>
+                </a:solidFill>
+                <a:effectLst/>
+              </a:rPr>
+              <a:t>)</a:t>
+            </a:r>
+            <a:br>
+              <a:rPr lang="en-US" dirty="0">
+                <a:solidFill>
+                  <a:srgbClr val="BCBEC4"/>
+                </a:solidFill>
+                <a:effectLst/>
+              </a:rPr>
+            </a:br>
+            <a:r>
+              <a:rPr lang="en-US" dirty="0">
+                <a:solidFill>
+                  <a:srgbClr val="BCBEC4"/>
+                </a:solidFill>
+                <a:effectLst/>
+              </a:rPr>
+              <a:t># OR: </a:t>
+            </a:r>
+            <a:r>
+              <a:rPr lang="en-US" dirty="0">
+                <a:effectLst/>
+              </a:rPr>
+              <a:t>git </a:t>
+            </a:r>
+            <a:r>
+              <a:rPr lang="en-US" dirty="0" err="1">
+                <a:effectLst/>
+              </a:rPr>
+              <a:t>lfs</a:t>
+            </a:r>
+            <a:r>
+              <a:rPr lang="en-US" dirty="0">
+                <a:effectLst/>
+              </a:rPr>
+              <a:t> install &amp;&amp; git clone </a:t>
+            </a:r>
+            <a:r>
+              <a:rPr lang="en-US" dirty="0" err="1"/>
+              <a:t>git@hf.co:datasets</a:t>
+            </a:r>
+            <a:r>
+              <a:rPr lang="en-US" dirty="0"/>
+              <a:t>/&lt;dataset ID&gt;</a:t>
+            </a:r>
+            <a:endParaRPr lang="en-US" dirty="0">
               <a:effectLst/>
-              <a:latin typeface="var(--cds-font-family-source-sans-pro)"/>
             </a:endParaRPr>
-          </a:p>
-          <a:p>
-            <a:pPr algn="l"/>
-            <a:r>
-              <a:rPr lang="en-US" b="0" i="0" dirty="0">
-                <a:solidFill>
-                  <a:srgbClr val="1F1F1F"/>
-                </a:solidFill>
-                <a:effectLst/>
-                <a:latin typeface="var(--cds-font-family-source-sans-pro)"/>
-              </a:rPr>
-              <a:t>- Support for working with audio, tabular, image, and text data</a:t>
-            </a:r>
-          </a:p>
-          <a:p>
-            <a:pPr algn="l"/>
-            <a:r>
-              <a:rPr lang="en-US" b="0" i="0" dirty="0">
-                <a:solidFill>
-                  <a:srgbClr val="1F1F1F"/>
-                </a:solidFill>
-                <a:effectLst/>
-                <a:latin typeface="var(--cds-font-family-source-sans-pro)"/>
-              </a:rPr>
-              <a:t>- Building and versioning your own datasets to share</a:t>
-            </a:r>
-          </a:p>
-          <a:p>
-            <a:pPr algn="l"/>
-            <a:r>
-              <a:rPr lang="en-US" b="0" i="0" dirty="0">
-                <a:solidFill>
-                  <a:srgbClr val="1F1F1F"/>
-                </a:solidFill>
-                <a:effectLst/>
-                <a:latin typeface="var(--cds-font-family-source-sans-pro)"/>
-              </a:rPr>
-              <a:t>The library aims to save time prepping datasets so you can focus on building models. Backed by a standardized format, datasets can be shared and reused easily.</a:t>
-            </a:r>
           </a:p>
           <a:p>
             <a:endParaRPr lang="en-IL" dirty="0"/>
@@ -6750,7 +7483,7 @@
     </p:spTree>
     <p:extLst>
       <p:ext uri="{BB962C8B-B14F-4D97-AF65-F5344CB8AC3E}">
-        <p14:creationId xmlns:p14="http://schemas.microsoft.com/office/powerpoint/2010/main" val="305966327"/>
+        <p14:creationId xmlns:p14="http://schemas.microsoft.com/office/powerpoint/2010/main" val="1373632838"/>
       </p:ext>
     </p:extLst>
   </p:cSld>
@@ -6782,7 +7515,7 @@
           <p:cNvPr id="2" name="Title 1">
             <a:extLst>
               <a:ext uri="{FF2B5EF4-FFF2-40B4-BE49-F238E27FC236}">
-                <a16:creationId xmlns:a16="http://schemas.microsoft.com/office/drawing/2014/main" id="{359DBB21-4E29-4584-FF26-71CEC4BC3EAE}"/>
+                <a16:creationId xmlns:a16="http://schemas.microsoft.com/office/drawing/2014/main" id="{6A31CFBD-5E30-0648-6210-F088FA5CE4C9}"/>
               </a:ext>
             </a:extLst>
           </p:cNvPr>
@@ -6800,110 +7533,44 @@
           <a:p>
             <a:r>
               <a:rPr lang="en-IL" dirty="0"/>
-              <a:t>Hugging Face Hub Contents</a:t>
-            </a:r>
-          </a:p>
-        </p:txBody>
-      </p:sp>
-      <p:sp>
-        <p:nvSpPr>
-          <p:cNvPr id="3" name="Content Placeholder 2">
-            <a:extLst>
-              <a:ext uri="{FF2B5EF4-FFF2-40B4-BE49-F238E27FC236}">
-                <a16:creationId xmlns:a16="http://schemas.microsoft.com/office/drawing/2014/main" id="{8DF1EA69-2874-D32A-1F90-E8E93F128063}"/>
-              </a:ext>
-            </a:extLst>
-          </p:cNvPr>
-          <p:cNvSpPr>
-            <a:spLocks noGrp="1"/>
-          </p:cNvSpPr>
+              <a:t>Gradio</a:t>
+            </a:r>
+          </a:p>
+        </p:txBody>
+      </p:sp>
+      <p:pic>
+        <p:nvPicPr>
+          <p:cNvPr id="5" name="Content Placeholder 4" descr="A screenshot of a computer&#10;&#10;Description automatically generated">
+            <a:extLst>
+              <a:ext uri="{FF2B5EF4-FFF2-40B4-BE49-F238E27FC236}">
+                <a16:creationId xmlns:a16="http://schemas.microsoft.com/office/drawing/2014/main" id="{2536A674-8E1C-9146-AEBA-DA4465D597A2}"/>
+              </a:ext>
+            </a:extLst>
+          </p:cNvPr>
+          <p:cNvPicPr>
+            <a:picLocks noGrp="1" noChangeAspect="1"/>
+          </p:cNvPicPr>
           <p:nvPr>
             <p:ph idx="1"/>
           </p:nvPr>
-        </p:nvSpPr>
-        <p:spPr/>
-        <p:txBody>
-          <a:bodyPr/>
-          <a:lstStyle/>
-          <a:p>
-            <a:r>
-              <a:rPr lang="en-US" b="0" i="0" dirty="0">
-                <a:solidFill>
-                  <a:srgbClr val="1F1F1F"/>
-                </a:solidFill>
-                <a:effectLst/>
-                <a:latin typeface="Source Sans Pro" panose="020B0503030403020204" pitchFamily="34" charset="0"/>
-              </a:rPr>
-              <a:t>Over 120k ML models for tasks like NLP, vision, and audio</a:t>
-            </a:r>
-          </a:p>
-          <a:p>
-            <a:r>
-              <a:rPr lang="en-US" b="0" i="0" dirty="0">
-                <a:solidFill>
-                  <a:srgbClr val="1F1F1F"/>
-                </a:solidFill>
-                <a:effectLst/>
-                <a:latin typeface="Source Sans Pro" panose="020B0503030403020204" pitchFamily="34" charset="0"/>
-              </a:rPr>
-              <a:t>Over 20k datasets in 100+ languages</a:t>
-            </a:r>
-            <a:endParaRPr lang="en-US" dirty="0">
-              <a:solidFill>
-                <a:srgbClr val="1F1F1F"/>
-              </a:solidFill>
-              <a:latin typeface="Source Sans Pro" panose="020B0503030403020204" pitchFamily="34" charset="0"/>
-            </a:endParaRPr>
-          </a:p>
-          <a:p>
-            <a:r>
-              <a:rPr lang="en-US" b="0" i="0" dirty="0">
-                <a:solidFill>
-                  <a:srgbClr val="1F1F1F"/>
-                </a:solidFill>
-                <a:effectLst/>
-                <a:latin typeface="Source Sans Pro" panose="020B0503030403020204" pitchFamily="34" charset="0"/>
-              </a:rPr>
-              <a:t>Over 50k Spaces, which are apps to demonstrate models interactively</a:t>
-            </a:r>
-          </a:p>
-          <a:p>
-            <a:r>
-              <a:rPr lang="en-US" b="0" i="0" dirty="0">
-                <a:solidFill>
-                  <a:srgbClr val="1F1F1F"/>
-                </a:solidFill>
-                <a:effectLst/>
-                <a:latin typeface="Source Sans Pro" panose="020B0503030403020204" pitchFamily="34" charset="0"/>
-              </a:rPr>
-              <a:t>Support for organizing content into user and organization accounts</a:t>
-            </a:r>
-            <a:endParaRPr lang="en-US" dirty="0">
-              <a:solidFill>
-                <a:srgbClr val="1F1F1F"/>
-              </a:solidFill>
-              <a:latin typeface="Source Sans Pro" panose="020B0503030403020204" pitchFamily="34" charset="0"/>
-            </a:endParaRPr>
-          </a:p>
-          <a:p>
-            <a:r>
-              <a:rPr lang="en-US" b="0" i="0" dirty="0">
-                <a:solidFill>
-                  <a:srgbClr val="1F1F1F"/>
-                </a:solidFill>
-                <a:effectLst/>
-                <a:latin typeface="Source Sans Pro" panose="020B0503030403020204" pitchFamily="34" charset="0"/>
-              </a:rPr>
-              <a:t>Security features like access control and malware scanning</a:t>
-            </a:r>
-            <a:endParaRPr lang="en-IL" dirty="0"/>
-          </a:p>
-        </p:txBody>
-      </p:sp>
+        </p:nvPicPr>
+        <p:blipFill>
+          <a:blip r:embed="rId2"/>
+          <a:stretch>
+            <a:fillRect/>
+          </a:stretch>
+        </p:blipFill>
+        <p:spPr>
+          <a:xfrm>
+            <a:off x="838200" y="2828305"/>
+            <a:ext cx="10515600" cy="2345978"/>
+          </a:xfrm>
+        </p:spPr>
+      </p:pic>
     </p:spTree>
     <p:extLst>
       <p:ext uri="{BB962C8B-B14F-4D97-AF65-F5344CB8AC3E}">
-        <p14:creationId xmlns:p14="http://schemas.microsoft.com/office/powerpoint/2010/main" val="4276162105"/>
+        <p14:creationId xmlns:p14="http://schemas.microsoft.com/office/powerpoint/2010/main" val="2711441676"/>
       </p:ext>
     </p:extLst>
   </p:cSld>
@@ -7047,7 +7714,7 @@
           <p:cNvPr id="2" name="Title 1">
             <a:extLst>
               <a:ext uri="{FF2B5EF4-FFF2-40B4-BE49-F238E27FC236}">
-                <a16:creationId xmlns:a16="http://schemas.microsoft.com/office/drawing/2014/main" id="{0804DC93-867D-9B2F-4F37-ACBFCDE44BD7}"/>
+                <a16:creationId xmlns:a16="http://schemas.microsoft.com/office/drawing/2014/main" id="{93DB0BF8-4876-7511-C129-6226E676C4E2}"/>
               </a:ext>
             </a:extLst>
           </p:cNvPr>
@@ -7063,10 +7730,32 @@
           <a:bodyPr/>
           <a:lstStyle/>
           <a:p>
-            <a:r>
-              <a:rPr lang="en-IL" dirty="0"/>
-              <a:t>Hugging Face Hub Capabilities </a:t>
-            </a:r>
+            <a:pPr algn="l" defTabSz="914400" rtl="1" eaLnBrk="1" latinLnBrk="0" hangingPunct="1">
+              <a:lnSpc>
+                <a:spcPct val="90000"/>
+              </a:lnSpc>
+              <a:spcBef>
+                <a:spcPct val="0"/>
+              </a:spcBef>
+              <a:buNone/>
+            </a:pPr>
+            <a:r>
+              <a:rPr lang="cs-CZ" dirty="0" err="1"/>
+              <a:t>Datasets</a:t>
+            </a:r>
+            <a:r>
+              <a:rPr lang="cs-CZ" dirty="0"/>
+              <a:t> in </a:t>
+            </a:r>
+            <a:r>
+              <a:rPr lang="cs-CZ" dirty="0" err="1"/>
+              <a:t>Hugging</a:t>
+            </a:r>
+            <a:r>
+              <a:rPr lang="cs-CZ" dirty="0"/>
+              <a:t> Face</a:t>
+            </a:r>
+            <a:endParaRPr lang="en-IL" dirty="0"/>
           </a:p>
         </p:txBody>
       </p:sp>
@@ -7075,7 +7764,7 @@
           <p:cNvPr id="3" name="Content Placeholder 2">
             <a:extLst>
               <a:ext uri="{FF2B5EF4-FFF2-40B4-BE49-F238E27FC236}">
-                <a16:creationId xmlns:a16="http://schemas.microsoft.com/office/drawing/2014/main" id="{CD2B06F5-800A-DFA4-EA31-EDC3F99E68C2}"/>
+                <a16:creationId xmlns:a16="http://schemas.microsoft.com/office/drawing/2014/main" id="{20F8EE05-D81E-DEA4-0DDC-08DDB0E1CA9A}"/>
               </a:ext>
             </a:extLst>
           </p:cNvPr>
@@ -7088,7 +7777,9 @@
         </p:nvSpPr>
         <p:spPr/>
         <p:txBody>
-          <a:bodyPr/>
+          <a:bodyPr>
+            <a:normAutofit fontScale="92500" lnSpcReduction="20000"/>
+          </a:bodyPr>
           <a:lstStyle/>
           <a:p>
             <a:pPr algn="l"/>
@@ -7100,12 +7791,22 @@
                 <a:effectLst/>
                 <a:latin typeface="var(--cds-font-family-source-sans-pro)"/>
               </a:rPr>
-              <a:t>Discover state of the art models and datasets</a:t>
+              <a:t>for NLP, vision, and audio tasks. </a:t>
             </a:r>
           </a:p>
           <a:p>
             <a:pPr algn="l"/>
             <a:r>
+              <a:rPr lang="en-US" b="0" i="1" dirty="0">
+                <a:solidFill>
+                  <a:srgbClr val="1F1F1F"/>
+                </a:solidFill>
+                <a:effectLst/>
+                <a:latin typeface="var(--cds-font-family-source-sans-pro)"/>
+              </a:rPr>
+              <a:t>Key features include</a:t>
+            </a:r>
+            <a:r>
               <a:rPr lang="en-US" b="0" i="0" dirty="0">
                 <a:solidFill>
                   <a:srgbClr val="1F1F1F"/>
@@ -7113,7 +7814,7 @@
                 <a:effectLst/>
                 <a:latin typeface="var(--cds-font-family-source-sans-pro)"/>
               </a:rPr>
-              <a:t>Integrate them into your projects with library support </a:t>
+              <a:t>:</a:t>
             </a:r>
           </a:p>
           <a:p>
@@ -7126,7 +7827,46 @@
                 <a:effectLst/>
                 <a:latin typeface="var(--cds-font-family-source-sans-pro)"/>
               </a:rPr>
-              <a:t>Build interactive demo apps with SDKs like </a:t>
+              <a:t>- Simple APIs to load datasets with a single line of code</a:t>
+            </a:r>
+          </a:p>
+          <a:p>
+            <a:pPr algn="l"/>
+            <a:r>
+              <a:rPr lang="en-US" b="0" i="0" dirty="0">
+                <a:solidFill>
+                  <a:srgbClr val="1F1F1F"/>
+                </a:solidFill>
+                <a:effectLst/>
+                <a:latin typeface="var(--cds-font-family-source-sans-pro)"/>
+              </a:rPr>
+              <a:t>- Integrates directly with the Hugging Face Hub to access shared datasets </a:t>
+            </a:r>
+          </a:p>
+          <a:p>
+            <a:pPr algn="l"/>
+            <a:r>
+              <a:rPr lang="en-US" b="0" i="0" dirty="0">
+                <a:solidFill>
+                  <a:srgbClr val="1F1F1F"/>
+                </a:solidFill>
+                <a:effectLst/>
+                <a:latin typeface="var(--cds-font-family-source-sans-pro)"/>
+              </a:rPr>
+              <a:t>- Efficient data processing using Apache Arrow to handle large datasets</a:t>
+            </a:r>
+          </a:p>
+          <a:p>
+            <a:pPr algn="l"/>
+            <a:r>
+              <a:rPr lang="en-US" b="0" i="0" dirty="0">
+                <a:solidFill>
+                  <a:srgbClr val="1F1F1F"/>
+                </a:solidFill>
+                <a:effectLst/>
+                <a:latin typeface="var(--cds-font-family-source-sans-pro)"/>
+              </a:rPr>
+              <a:t>- Methods for common data tasks like tokenization, padding, </a:t>
             </a:r>
             <a:r>
               <a:rPr lang="en-US" b="0" i="0" dirty="0" err="1">
@@ -7136,27 +7876,7 @@
                 <a:effectLst/>
                 <a:latin typeface="var(--cds-font-family-source-sans-pro)"/>
               </a:rPr>
-              <a:t>Gradio</a:t>
-            </a:r>
-            <a:r>
-              <a:rPr lang="en-US" b="0" i="0" dirty="0">
-                <a:solidFill>
-                  <a:srgbClr val="1F1F1F"/>
-                </a:solidFill>
-                <a:effectLst/>
-                <a:latin typeface="var(--cds-font-family-source-sans-pro)"/>
-              </a:rPr>
-              <a:t> and </a:t>
-            </a:r>
-            <a:r>
-              <a:rPr lang="en-US" b="0" i="0" dirty="0" err="1">
-                <a:solidFill>
-                  <a:srgbClr val="1F1F1F"/>
-                </a:solidFill>
-                <a:effectLst/>
-                <a:latin typeface="var(--cds-font-family-source-sans-pro)"/>
-              </a:rPr>
-              <a:t>Streamlit</a:t>
+              <a:t>etc</a:t>
             </a:r>
             <a:endParaRPr lang="en-US" b="0" i="0" dirty="0">
               <a:solidFill>
@@ -7176,7 +7896,33 @@
                 <a:effectLst/>
                 <a:latin typeface="var(--cds-font-family-source-sans-pro)"/>
               </a:rPr>
-              <a:t>Manage public and private content through organizations</a:t>
+              <a:t>- Support for working with audio, tabular, image, and text data</a:t>
+            </a:r>
+          </a:p>
+          <a:p>
+            <a:pPr algn="l"/>
+            <a:r>
+              <a:rPr lang="en-US" b="0" i="0" dirty="0">
+                <a:solidFill>
+                  <a:srgbClr val="1F1F1F"/>
+                </a:solidFill>
+                <a:effectLst/>
+                <a:latin typeface="var(--cds-font-family-source-sans-pro)"/>
+              </a:rPr>
+              <a:t>- Building and versioning your own datasets to share</a:t>
+            </a:r>
+          </a:p>
+          <a:p>
+            <a:pPr algn="l"/>
+            <a:r>
+              <a:rPr lang="en-US" b="0" i="0" dirty="0">
+                <a:solidFill>
+                  <a:srgbClr val="1F1F1F"/>
+                </a:solidFill>
+                <a:effectLst/>
+                <a:latin typeface="var(--cds-font-family-source-sans-pro)"/>
+              </a:rPr>
+              <a:t>The library aims to save time prepping datasets so you can focus on building models. Backed by a standardized format, datasets can be shared and reused easily.</a:t>
             </a:r>
           </a:p>
           <a:p>
@@ -7187,7 +7933,7 @@
     </p:spTree>
     <p:extLst>
       <p:ext uri="{BB962C8B-B14F-4D97-AF65-F5344CB8AC3E}">
-        <p14:creationId xmlns:p14="http://schemas.microsoft.com/office/powerpoint/2010/main" val="2597867482"/>
+        <p14:creationId xmlns:p14="http://schemas.microsoft.com/office/powerpoint/2010/main" val="305966327"/>
       </p:ext>
     </p:extLst>
   </p:cSld>
@@ -7219,7 +7965,7 @@
           <p:cNvPr id="2" name="Title 1">
             <a:extLst>
               <a:ext uri="{FF2B5EF4-FFF2-40B4-BE49-F238E27FC236}">
-                <a16:creationId xmlns:a16="http://schemas.microsoft.com/office/drawing/2014/main" id="{5AB87FA1-896C-896D-9B96-7BD43397A9D6}"/>
+                <a16:creationId xmlns:a16="http://schemas.microsoft.com/office/drawing/2014/main" id="{359DBB21-4E29-4584-FF26-71CEC4BC3EAE}"/>
               </a:ext>
             </a:extLst>
           </p:cNvPr>
@@ -7237,7 +7983,7 @@
           <a:p>
             <a:r>
               <a:rPr lang="en-IL" dirty="0"/>
-              <a:t>Applied Hugging Face</a:t>
+              <a:t>Hugging Face Hub Contents</a:t>
             </a:r>
           </a:p>
         </p:txBody>
@@ -7247,7 +7993,7 @@
           <p:cNvPr id="3" name="Content Placeholder 2">
             <a:extLst>
               <a:ext uri="{FF2B5EF4-FFF2-40B4-BE49-F238E27FC236}">
-                <a16:creationId xmlns:a16="http://schemas.microsoft.com/office/drawing/2014/main" id="{445CE0AC-2188-2EFE-216D-D2B2C8078171}"/>
+                <a16:creationId xmlns:a16="http://schemas.microsoft.com/office/drawing/2014/main" id="{8DF1EA69-2874-D32A-1F90-E8E93F128063}"/>
               </a:ext>
             </a:extLst>
           </p:cNvPr>
@@ -7263,94 +8009,76 @@
           <a:bodyPr/>
           <a:lstStyle/>
           <a:p>
-            <a:pPr algn="l">
-              <a:buFont typeface="Arial" panose="020B0604020202020204" pitchFamily="34" charset="0"/>
-              <a:buChar char="•"/>
-            </a:pPr>
-            <a:r>
-              <a:rPr lang="en-US" b="1" i="0" dirty="0" err="1">
-                <a:solidFill>
-                  <a:srgbClr val="1F1F1F"/>
-                </a:solidFill>
-                <a:effectLst/>
-                <a:latin typeface="unset"/>
-              </a:rPr>
-              <a:t>Codespaces</a:t>
-            </a:r>
-            <a:r>
-              <a:rPr lang="en-US" b="1" i="0" dirty="0">
-                <a:solidFill>
-                  <a:srgbClr val="1F1F1F"/>
-                </a:solidFill>
-                <a:effectLst/>
-                <a:latin typeface="unset"/>
-              </a:rPr>
-              <a:t> </a:t>
-            </a:r>
             <a:r>
               <a:rPr lang="en-US" b="0" i="0" dirty="0">
                 <a:solidFill>
                   <a:srgbClr val="1F1F1F"/>
                 </a:solidFill>
                 <a:effectLst/>
-                <a:latin typeface="var(--cds-font-family-source-sans-pro)"/>
-              </a:rPr>
-              <a:t>- Browser-based dev environment with GPU access</a:t>
-            </a:r>
-          </a:p>
-          <a:p>
-            <a:pPr algn="l">
-              <a:buFont typeface="Arial" panose="020B0604020202020204" pitchFamily="34" charset="0"/>
-              <a:buChar char="•"/>
-            </a:pPr>
-            <a:r>
-              <a:rPr lang="en-US" b="1" i="0" dirty="0">
-                <a:solidFill>
-                  <a:srgbClr val="1F1F1F"/>
-                </a:solidFill>
-                <a:effectLst/>
-                <a:latin typeface="unset"/>
-              </a:rPr>
-              <a:t>CLI </a:t>
-            </a:r>
+                <a:latin typeface="Source Sans Pro" panose="020B0503030403020204" pitchFamily="34" charset="0"/>
+              </a:rPr>
+              <a:t>Over 120k ML models for tasks like NLP, vision, and audio</a:t>
+            </a:r>
+          </a:p>
+          <a:p>
             <a:r>
               <a:rPr lang="en-US" b="0" i="0" dirty="0">
                 <a:solidFill>
                   <a:srgbClr val="1F1F1F"/>
                 </a:solidFill>
                 <a:effectLst/>
-                <a:latin typeface="var(--cds-font-family-source-sans-pro)"/>
-              </a:rPr>
-              <a:t>- Command line tool for tasks like authentication and caching</a:t>
-            </a:r>
-          </a:p>
-          <a:p>
-            <a:pPr algn="l">
-              <a:buFont typeface="Arial" panose="020B0604020202020204" pitchFamily="34" charset="0"/>
-              <a:buChar char="•"/>
-            </a:pPr>
-            <a:r>
-              <a:rPr lang="en-US" b="1" i="0" dirty="0">
-                <a:solidFill>
-                  <a:srgbClr val="1F1F1F"/>
-                </a:solidFill>
-                <a:effectLst/>
-                <a:latin typeface="unset"/>
-              </a:rPr>
-              <a:t>Inference API</a:t>
-            </a:r>
+                <a:latin typeface="Source Sans Pro" panose="020B0503030403020204" pitchFamily="34" charset="0"/>
+              </a:rPr>
+              <a:t>Over 20k datasets in 100+ languages</a:t>
+            </a:r>
+            <a:endParaRPr lang="en-US" dirty="0">
+              <a:solidFill>
+                <a:srgbClr val="1F1F1F"/>
+              </a:solidFill>
+              <a:latin typeface="Source Sans Pro" panose="020B0503030403020204" pitchFamily="34" charset="0"/>
+            </a:endParaRPr>
+          </a:p>
+          <a:p>
             <a:r>
               <a:rPr lang="en-US" b="0" i="0" dirty="0">
                 <a:solidFill>
                   <a:srgbClr val="1F1F1F"/>
                 </a:solidFill>
                 <a:effectLst/>
-                <a:latin typeface="var(--cds-font-family-source-sans-pro)"/>
-              </a:rPr>
-              <a:t> - Hosted API to get predictions from latest models</a:t>
-            </a:r>
-          </a:p>
-          <a:p>
+                <a:latin typeface="Source Sans Pro" panose="020B0503030403020204" pitchFamily="34" charset="0"/>
+              </a:rPr>
+              <a:t>Over 50k Spaces, which are apps to demonstrate models interactively</a:t>
+            </a:r>
+          </a:p>
+          <a:p>
+            <a:r>
+              <a:rPr lang="en-US" b="0" i="0" dirty="0">
+                <a:solidFill>
+                  <a:srgbClr val="1F1F1F"/>
+                </a:solidFill>
+                <a:effectLst/>
+                <a:latin typeface="Source Sans Pro" panose="020B0503030403020204" pitchFamily="34" charset="0"/>
+              </a:rPr>
+              <a:t>Support for organizing content into user and organization accounts</a:t>
+            </a:r>
+            <a:endParaRPr lang="en-US" dirty="0">
+              <a:solidFill>
+                <a:srgbClr val="1F1F1F"/>
+              </a:solidFill>
+              <a:latin typeface="Source Sans Pro" panose="020B0503030403020204" pitchFamily="34" charset="0"/>
+            </a:endParaRPr>
+          </a:p>
+          <a:p>
+            <a:r>
+              <a:rPr lang="en-US" b="0" i="0" dirty="0">
+                <a:solidFill>
+                  <a:srgbClr val="1F1F1F"/>
+                </a:solidFill>
+                <a:effectLst/>
+                <a:latin typeface="Source Sans Pro" panose="020B0503030403020204" pitchFamily="34" charset="0"/>
+              </a:rPr>
+              <a:t>Security features like access control and malware scanning</a:t>
+            </a:r>
             <a:endParaRPr lang="en-IL" dirty="0"/>
           </a:p>
         </p:txBody>
@@ -7358,7 +8086,7 @@
     </p:spTree>
     <p:extLst>
       <p:ext uri="{BB962C8B-B14F-4D97-AF65-F5344CB8AC3E}">
-        <p14:creationId xmlns:p14="http://schemas.microsoft.com/office/powerpoint/2010/main" val="2610120479"/>
+        <p14:creationId xmlns:p14="http://schemas.microsoft.com/office/powerpoint/2010/main" val="4276162105"/>
       </p:ext>
     </p:extLst>
   </p:cSld>
@@ -7390,6 +8118,349 @@
           <p:cNvPr id="2" name="Title 1">
             <a:extLst>
               <a:ext uri="{FF2B5EF4-FFF2-40B4-BE49-F238E27FC236}">
+                <a16:creationId xmlns:a16="http://schemas.microsoft.com/office/drawing/2014/main" id="{0804DC93-867D-9B2F-4F37-ACBFCDE44BD7}"/>
+              </a:ext>
+            </a:extLst>
+          </p:cNvPr>
+          <p:cNvSpPr>
+            <a:spLocks noGrp="1"/>
+          </p:cNvSpPr>
+          <p:nvPr>
+            <p:ph type="title"/>
+          </p:nvPr>
+        </p:nvSpPr>
+        <p:spPr/>
+        <p:txBody>
+          <a:bodyPr/>
+          <a:lstStyle/>
+          <a:p>
+            <a:r>
+              <a:rPr lang="en-IL" dirty="0"/>
+              <a:t>Hugging Face Hub Capabilities </a:t>
+            </a:r>
+          </a:p>
+        </p:txBody>
+      </p:sp>
+      <p:sp>
+        <p:nvSpPr>
+          <p:cNvPr id="3" name="Content Placeholder 2">
+            <a:extLst>
+              <a:ext uri="{FF2B5EF4-FFF2-40B4-BE49-F238E27FC236}">
+                <a16:creationId xmlns:a16="http://schemas.microsoft.com/office/drawing/2014/main" id="{CD2B06F5-800A-DFA4-EA31-EDC3F99E68C2}"/>
+              </a:ext>
+            </a:extLst>
+          </p:cNvPr>
+          <p:cNvSpPr>
+            <a:spLocks noGrp="1"/>
+          </p:cNvSpPr>
+          <p:nvPr>
+            <p:ph idx="1"/>
+          </p:nvPr>
+        </p:nvSpPr>
+        <p:spPr/>
+        <p:txBody>
+          <a:bodyPr/>
+          <a:lstStyle/>
+          <a:p>
+            <a:pPr algn="l"/>
+            <a:r>
+              <a:rPr lang="en-US" b="0" i="0" dirty="0">
+                <a:solidFill>
+                  <a:srgbClr val="1F1F1F"/>
+                </a:solidFill>
+                <a:effectLst/>
+                <a:latin typeface="var(--cds-font-family-source-sans-pro)"/>
+              </a:rPr>
+              <a:t>Discover state of the art models and datasets</a:t>
+            </a:r>
+          </a:p>
+          <a:p>
+            <a:pPr algn="l"/>
+            <a:r>
+              <a:rPr lang="en-US" b="0" i="0" dirty="0">
+                <a:solidFill>
+                  <a:srgbClr val="1F1F1F"/>
+                </a:solidFill>
+                <a:effectLst/>
+                <a:latin typeface="var(--cds-font-family-source-sans-pro)"/>
+              </a:rPr>
+              <a:t>Integrate them into your projects with library support </a:t>
+            </a:r>
+          </a:p>
+          <a:p>
+            <a:pPr algn="l"/>
+            <a:r>
+              <a:rPr lang="en-US" b="0" i="0" dirty="0">
+                <a:solidFill>
+                  <a:srgbClr val="1F1F1F"/>
+                </a:solidFill>
+                <a:effectLst/>
+                <a:latin typeface="var(--cds-font-family-source-sans-pro)"/>
+              </a:rPr>
+              <a:t>Build interactive demo apps with SDKs like </a:t>
+            </a:r>
+            <a:r>
+              <a:rPr lang="en-US" b="0" i="0" dirty="0" err="1">
+                <a:solidFill>
+                  <a:srgbClr val="1F1F1F"/>
+                </a:solidFill>
+                <a:effectLst/>
+                <a:latin typeface="var(--cds-font-family-source-sans-pro)"/>
+              </a:rPr>
+              <a:t>Gradio</a:t>
+            </a:r>
+            <a:r>
+              <a:rPr lang="en-US" b="0" i="0" dirty="0">
+                <a:solidFill>
+                  <a:srgbClr val="1F1F1F"/>
+                </a:solidFill>
+                <a:effectLst/>
+                <a:latin typeface="var(--cds-font-family-source-sans-pro)"/>
+              </a:rPr>
+              <a:t> and </a:t>
+            </a:r>
+            <a:r>
+              <a:rPr lang="en-US" b="0" i="0" dirty="0" err="1">
+                <a:solidFill>
+                  <a:srgbClr val="1F1F1F"/>
+                </a:solidFill>
+                <a:effectLst/>
+                <a:latin typeface="var(--cds-font-family-source-sans-pro)"/>
+              </a:rPr>
+              <a:t>Streamlit</a:t>
+            </a:r>
+            <a:endParaRPr lang="en-US" b="0" i="0" dirty="0">
+              <a:solidFill>
+                <a:srgbClr val="1F1F1F"/>
+              </a:solidFill>
+              <a:effectLst/>
+              <a:latin typeface="var(--cds-font-family-source-sans-pro)"/>
+            </a:endParaRPr>
+          </a:p>
+          <a:p>
+            <a:pPr algn="l"/>
+            <a:r>
+              <a:rPr lang="en-US" b="0" i="0" dirty="0">
+                <a:solidFill>
+                  <a:srgbClr val="1F1F1F"/>
+                </a:solidFill>
+                <a:effectLst/>
+                <a:latin typeface="var(--cds-font-family-source-sans-pro)"/>
+              </a:rPr>
+              <a:t>Manage public and private content through organizations</a:t>
+            </a:r>
+          </a:p>
+          <a:p>
+            <a:endParaRPr lang="en-IL" dirty="0"/>
+          </a:p>
+        </p:txBody>
+      </p:sp>
+    </p:spTree>
+    <p:extLst>
+      <p:ext uri="{BB962C8B-B14F-4D97-AF65-F5344CB8AC3E}">
+        <p14:creationId xmlns:p14="http://schemas.microsoft.com/office/powerpoint/2010/main" val="2597867482"/>
+      </p:ext>
+    </p:extLst>
+  </p:cSld>
+  <p:clrMapOvr>
+    <a:masterClrMapping/>
+  </p:clrMapOvr>
+</p:sld>
+</file>
+
+<file path=ppt/slides/slide23.xml><?xml version="1.0" encoding="utf-8"?>
+<p:sld xmlns:a="http://schemas.openxmlformats.org/drawingml/2006/main" xmlns:r="http://schemas.openxmlformats.org/officeDocument/2006/relationships" xmlns:p="http://schemas.openxmlformats.org/presentationml/2006/main">
+  <p:cSld>
+    <p:spTree>
+      <p:nvGrpSpPr>
+        <p:cNvPr id="1" name=""/>
+        <p:cNvGrpSpPr/>
+        <p:nvPr/>
+      </p:nvGrpSpPr>
+      <p:grpSpPr>
+        <a:xfrm>
+          <a:off x="0" y="0"/>
+          <a:ext cx="0" cy="0"/>
+          <a:chOff x="0" y="0"/>
+          <a:chExt cx="0" cy="0"/>
+        </a:xfrm>
+      </p:grpSpPr>
+      <p:sp>
+        <p:nvSpPr>
+          <p:cNvPr id="2" name="Title 1">
+            <a:extLst>
+              <a:ext uri="{FF2B5EF4-FFF2-40B4-BE49-F238E27FC236}">
+                <a16:creationId xmlns:a16="http://schemas.microsoft.com/office/drawing/2014/main" id="{5AB87FA1-896C-896D-9B96-7BD43397A9D6}"/>
+              </a:ext>
+            </a:extLst>
+          </p:cNvPr>
+          <p:cNvSpPr>
+            <a:spLocks noGrp="1"/>
+          </p:cNvSpPr>
+          <p:nvPr>
+            <p:ph type="title"/>
+          </p:nvPr>
+        </p:nvSpPr>
+        <p:spPr/>
+        <p:txBody>
+          <a:bodyPr/>
+          <a:lstStyle/>
+          <a:p>
+            <a:r>
+              <a:rPr lang="en-IL" dirty="0"/>
+              <a:t>Applied Hugging Face</a:t>
+            </a:r>
+          </a:p>
+        </p:txBody>
+      </p:sp>
+      <p:sp>
+        <p:nvSpPr>
+          <p:cNvPr id="3" name="Content Placeholder 2">
+            <a:extLst>
+              <a:ext uri="{FF2B5EF4-FFF2-40B4-BE49-F238E27FC236}">
+                <a16:creationId xmlns:a16="http://schemas.microsoft.com/office/drawing/2014/main" id="{445CE0AC-2188-2EFE-216D-D2B2C8078171}"/>
+              </a:ext>
+            </a:extLst>
+          </p:cNvPr>
+          <p:cNvSpPr>
+            <a:spLocks noGrp="1"/>
+          </p:cNvSpPr>
+          <p:nvPr>
+            <p:ph idx="1"/>
+          </p:nvPr>
+        </p:nvSpPr>
+        <p:spPr/>
+        <p:txBody>
+          <a:bodyPr/>
+          <a:lstStyle/>
+          <a:p>
+            <a:pPr algn="l">
+              <a:buFont typeface="Arial" panose="020B0604020202020204" pitchFamily="34" charset="0"/>
+              <a:buChar char="•"/>
+            </a:pPr>
+            <a:r>
+              <a:rPr lang="en-US" b="1" i="0" dirty="0" err="1">
+                <a:solidFill>
+                  <a:srgbClr val="1F1F1F"/>
+                </a:solidFill>
+                <a:effectLst/>
+                <a:latin typeface="unset"/>
+              </a:rPr>
+              <a:t>Codespaces</a:t>
+            </a:r>
+            <a:r>
+              <a:rPr lang="en-US" b="1" i="0" dirty="0">
+                <a:solidFill>
+                  <a:srgbClr val="1F1F1F"/>
+                </a:solidFill>
+                <a:effectLst/>
+                <a:latin typeface="unset"/>
+              </a:rPr>
+              <a:t> </a:t>
+            </a:r>
+            <a:r>
+              <a:rPr lang="en-US" b="0" i="0" dirty="0">
+                <a:solidFill>
+                  <a:srgbClr val="1F1F1F"/>
+                </a:solidFill>
+                <a:effectLst/>
+                <a:latin typeface="var(--cds-font-family-source-sans-pro)"/>
+              </a:rPr>
+              <a:t>- Browser-based dev environment with GPU access</a:t>
+            </a:r>
+          </a:p>
+          <a:p>
+            <a:pPr algn="l">
+              <a:buFont typeface="Arial" panose="020B0604020202020204" pitchFamily="34" charset="0"/>
+              <a:buChar char="•"/>
+            </a:pPr>
+            <a:r>
+              <a:rPr lang="en-US" b="1" i="0" dirty="0">
+                <a:solidFill>
+                  <a:srgbClr val="1F1F1F"/>
+                </a:solidFill>
+                <a:effectLst/>
+                <a:latin typeface="unset"/>
+              </a:rPr>
+              <a:t>CLI </a:t>
+            </a:r>
+            <a:r>
+              <a:rPr lang="en-US" b="0" i="0" dirty="0">
+                <a:solidFill>
+                  <a:srgbClr val="1F1F1F"/>
+                </a:solidFill>
+                <a:effectLst/>
+                <a:latin typeface="var(--cds-font-family-source-sans-pro)"/>
+              </a:rPr>
+              <a:t>- Command line tool for tasks like authentication and caching</a:t>
+            </a:r>
+          </a:p>
+          <a:p>
+            <a:pPr algn="l">
+              <a:buFont typeface="Arial" panose="020B0604020202020204" pitchFamily="34" charset="0"/>
+              <a:buChar char="•"/>
+            </a:pPr>
+            <a:r>
+              <a:rPr lang="en-US" b="1" i="0" dirty="0">
+                <a:solidFill>
+                  <a:srgbClr val="1F1F1F"/>
+                </a:solidFill>
+                <a:effectLst/>
+                <a:latin typeface="unset"/>
+              </a:rPr>
+              <a:t>Inference API</a:t>
+            </a:r>
+            <a:r>
+              <a:rPr lang="en-US" b="0" i="0" dirty="0">
+                <a:solidFill>
+                  <a:srgbClr val="1F1F1F"/>
+                </a:solidFill>
+                <a:effectLst/>
+                <a:latin typeface="var(--cds-font-family-source-sans-pro)"/>
+              </a:rPr>
+              <a:t> - Hosted API to get predictions from latest models</a:t>
+            </a:r>
+          </a:p>
+          <a:p>
+            <a:endParaRPr lang="en-IL" dirty="0"/>
+          </a:p>
+        </p:txBody>
+      </p:sp>
+    </p:spTree>
+    <p:extLst>
+      <p:ext uri="{BB962C8B-B14F-4D97-AF65-F5344CB8AC3E}">
+        <p14:creationId xmlns:p14="http://schemas.microsoft.com/office/powerpoint/2010/main" val="2610120479"/>
+      </p:ext>
+    </p:extLst>
+  </p:cSld>
+  <p:clrMapOvr>
+    <a:masterClrMapping/>
+  </p:clrMapOvr>
+</p:sld>
+</file>
+
+<file path=ppt/slides/slide24.xml><?xml version="1.0" encoding="utf-8"?>
+<p:sld xmlns:a="http://schemas.openxmlformats.org/drawingml/2006/main" xmlns:r="http://schemas.openxmlformats.org/officeDocument/2006/relationships" xmlns:p="http://schemas.openxmlformats.org/presentationml/2006/main">
+  <p:cSld>
+    <p:spTree>
+      <p:nvGrpSpPr>
+        <p:cNvPr id="1" name=""/>
+        <p:cNvGrpSpPr/>
+        <p:nvPr/>
+      </p:nvGrpSpPr>
+      <p:grpSpPr>
+        <a:xfrm>
+          <a:off x="0" y="0"/>
+          <a:ext cx="0" cy="0"/>
+          <a:chOff x="0" y="0"/>
+          <a:chExt cx="0" cy="0"/>
+        </a:xfrm>
+      </p:grpSpPr>
+      <p:sp>
+        <p:nvSpPr>
+          <p:cNvPr id="2" name="Title 1">
+            <a:extLst>
+              <a:ext uri="{FF2B5EF4-FFF2-40B4-BE49-F238E27FC236}">
                 <a16:creationId xmlns:a16="http://schemas.microsoft.com/office/drawing/2014/main" id="{5BE80C0A-2039-4C26-F95E-12438CA01ED6}"/>
               </a:ext>
             </a:extLst>
@@ -7550,7 +8621,7 @@
 </p:sld>
 </file>
 
-<file path=ppt/slides/slide23.xml><?xml version="1.0" encoding="utf-8"?>
+<file path=ppt/slides/slide25.xml><?xml version="1.0" encoding="utf-8"?>
 <p:sld xmlns:a="http://schemas.openxmlformats.org/drawingml/2006/main" xmlns:r="http://schemas.openxmlformats.org/officeDocument/2006/relationships" xmlns:p="http://schemas.openxmlformats.org/presentationml/2006/main">
   <p:cSld>
     <p:spTree>
@@ -7637,7 +8708,7 @@
 </p:sld>
 </file>
 
-<file path=ppt/slides/slide24.xml><?xml version="1.0" encoding="utf-8"?>
+<file path=ppt/slides/slide26.xml><?xml version="1.0" encoding="utf-8"?>
 <p:sld xmlns:a="http://schemas.openxmlformats.org/drawingml/2006/main" xmlns:r="http://schemas.openxmlformats.org/officeDocument/2006/relationships" xmlns:p="http://schemas.openxmlformats.org/presentationml/2006/main">
   <p:cSld>
     <p:spTree>
@@ -7729,6 +8800,36 @@
             </a:r>
           </a:p>
           <a:p>
+            <a:pPr lvl="1"/>
+            <a:r>
+              <a:rPr lang="en-US" b="0" i="0" dirty="0">
+                <a:solidFill>
+                  <a:srgbClr val="1F1F1F"/>
+                </a:solidFill>
+                <a:effectLst/>
+                <a:latin typeface="var(--cds-font-family-source-sans-pro)"/>
+                <a:hlinkClick r:id="rId2"/>
+              </a:rPr>
+              <a:t>https://medium.com/@tskumar1320/how-to-fine-tune-pre-trained-language-translation-model-3e8a6aace9f</a:t>
+            </a:r>
+            <a:r>
+              <a:rPr lang="en-US" dirty="0">
+                <a:solidFill>
+                  <a:srgbClr val="1F1F1F"/>
+                </a:solidFill>
+                <a:latin typeface="var(--cds-font-family-source-sans-pro)"/>
+              </a:rPr>
+              <a:t> </a:t>
+            </a:r>
+            <a:endParaRPr lang="en-US" b="0" i="0" dirty="0">
+              <a:solidFill>
+                <a:srgbClr val="1F1F1F"/>
+              </a:solidFill>
+              <a:effectLst/>
+              <a:latin typeface="var(--cds-font-family-source-sans-pro)"/>
+            </a:endParaRPr>
+          </a:p>
+          <a:p>
             <a:pPr algn="l">
               <a:buFont typeface="Arial" panose="020B0604020202020204" pitchFamily="34" charset="0"/>
               <a:buChar char="•"/>
@@ -7798,7 +8899,7 @@
 </p:sld>
 </file>
 
-<file path=ppt/slides/slide25.xml><?xml version="1.0" encoding="utf-8"?>
+<file path=ppt/slides/slide27.xml><?xml version="1.0" encoding="utf-8"?>
 <p:sld xmlns:a="http://schemas.openxmlformats.org/drawingml/2006/main" xmlns:r="http://schemas.openxmlformats.org/officeDocument/2006/relationships" xmlns:p="http://schemas.openxmlformats.org/presentationml/2006/main">
   <p:cSld>
     <p:spTree>
@@ -7951,262 +9052,6 @@
 </p:sld>
 </file>
 
-<file path=ppt/slides/slide26.xml><?xml version="1.0" encoding="utf-8"?>
-<p:sld xmlns:a="http://schemas.openxmlformats.org/drawingml/2006/main" xmlns:r="http://schemas.openxmlformats.org/officeDocument/2006/relationships" xmlns:p="http://schemas.openxmlformats.org/presentationml/2006/main">
-  <p:cSld>
-    <p:spTree>
-      <p:nvGrpSpPr>
-        <p:cNvPr id="1" name=""/>
-        <p:cNvGrpSpPr/>
-        <p:nvPr/>
-      </p:nvGrpSpPr>
-      <p:grpSpPr>
-        <a:xfrm>
-          <a:off x="0" y="0"/>
-          <a:ext cx="0" cy="0"/>
-          <a:chOff x="0" y="0"/>
-          <a:chExt cx="0" cy="0"/>
-        </a:xfrm>
-      </p:grpSpPr>
-      <p:sp>
-        <p:nvSpPr>
-          <p:cNvPr id="2" name="Title 1">
-            <a:extLst>
-              <a:ext uri="{FF2B5EF4-FFF2-40B4-BE49-F238E27FC236}">
-                <a16:creationId xmlns:a16="http://schemas.microsoft.com/office/drawing/2014/main" id="{A23235D9-507D-6E45-2989-477ED89B9784}"/>
-              </a:ext>
-            </a:extLst>
-          </p:cNvPr>
-          <p:cNvSpPr>
-            <a:spLocks noGrp="1"/>
-          </p:cNvSpPr>
-          <p:nvPr>
-            <p:ph type="title"/>
-          </p:nvPr>
-        </p:nvSpPr>
-        <p:spPr/>
-        <p:txBody>
-          <a:bodyPr/>
-          <a:lstStyle/>
-          <a:p>
-            <a:r>
-              <a:rPr lang="en-IL" dirty="0"/>
-              <a:t>More commercial Platforms</a:t>
-            </a:r>
-          </a:p>
-        </p:txBody>
-      </p:sp>
-      <p:sp>
-        <p:nvSpPr>
-          <p:cNvPr id="3" name="Content Placeholder 2">
-            <a:extLst>
-              <a:ext uri="{FF2B5EF4-FFF2-40B4-BE49-F238E27FC236}">
-                <a16:creationId xmlns:a16="http://schemas.microsoft.com/office/drawing/2014/main" id="{5B7EDB76-8E84-3748-52BF-86F22407F603}"/>
-              </a:ext>
-            </a:extLst>
-          </p:cNvPr>
-          <p:cNvSpPr>
-            <a:spLocks noGrp="1"/>
-          </p:cNvSpPr>
-          <p:nvPr>
-            <p:ph idx="1"/>
-          </p:nvPr>
-        </p:nvSpPr>
-        <p:spPr/>
-        <p:txBody>
-          <a:bodyPr/>
-          <a:lstStyle/>
-          <a:p>
-            <a:r>
-              <a:rPr lang="en-IL" dirty="0"/>
-              <a:t>Databricks</a:t>
-            </a:r>
-          </a:p>
-          <a:p>
-            <a:r>
-              <a:rPr lang="en-IL" dirty="0"/>
-              <a:t>Snowflake</a:t>
-            </a:r>
-          </a:p>
-          <a:p>
-            <a:r>
-              <a:rPr lang="en-IL" dirty="0"/>
-              <a:t>Tools</a:t>
-            </a:r>
-          </a:p>
-          <a:p>
-            <a:pPr lvl="1"/>
-            <a:r>
-              <a:rPr lang="en-IL" dirty="0"/>
-              <a:t>AWS SageMaker</a:t>
-            </a:r>
-          </a:p>
-          <a:p>
-            <a:pPr lvl="1"/>
-            <a:r>
-              <a:rPr lang="en-IL" dirty="0"/>
-              <a:t>Azure ML</a:t>
-            </a:r>
-          </a:p>
-        </p:txBody>
-      </p:sp>
-    </p:spTree>
-    <p:extLst>
-      <p:ext uri="{BB962C8B-B14F-4D97-AF65-F5344CB8AC3E}">
-        <p14:creationId xmlns:p14="http://schemas.microsoft.com/office/powerpoint/2010/main" val="2252624577"/>
-      </p:ext>
-    </p:extLst>
-  </p:cSld>
-  <p:clrMapOvr>
-    <a:masterClrMapping/>
-  </p:clrMapOvr>
-</p:sld>
-</file>
-
-<file path=ppt/slides/slide27.xml><?xml version="1.0" encoding="utf-8"?>
-<p:sld xmlns:a="http://schemas.openxmlformats.org/drawingml/2006/main" xmlns:r="http://schemas.openxmlformats.org/officeDocument/2006/relationships" xmlns:p="http://schemas.openxmlformats.org/presentationml/2006/main">
-  <p:cSld>
-    <p:spTree>
-      <p:nvGrpSpPr>
-        <p:cNvPr id="1" name=""/>
-        <p:cNvGrpSpPr/>
-        <p:nvPr/>
-      </p:nvGrpSpPr>
-      <p:grpSpPr>
-        <a:xfrm>
-          <a:off x="0" y="0"/>
-          <a:ext cx="0" cy="0"/>
-          <a:chOff x="0" y="0"/>
-          <a:chExt cx="0" cy="0"/>
-        </a:xfrm>
-      </p:grpSpPr>
-      <p:sp>
-        <p:nvSpPr>
-          <p:cNvPr id="2" name="Title 1">
-            <a:extLst>
-              <a:ext uri="{FF2B5EF4-FFF2-40B4-BE49-F238E27FC236}">
-                <a16:creationId xmlns:a16="http://schemas.microsoft.com/office/drawing/2014/main" id="{5B20ECE3-BA21-E814-A7C5-4C746DA4FFC2}"/>
-              </a:ext>
-            </a:extLst>
-          </p:cNvPr>
-          <p:cNvSpPr>
-            <a:spLocks noGrp="1"/>
-          </p:cNvSpPr>
-          <p:nvPr>
-            <p:ph type="title"/>
-          </p:nvPr>
-        </p:nvSpPr>
-        <p:spPr/>
-        <p:txBody>
-          <a:bodyPr/>
-          <a:lstStyle/>
-          <a:p>
-            <a:r>
-              <a:rPr lang="en-IL" dirty="0"/>
-              <a:t>References</a:t>
-            </a:r>
-          </a:p>
-        </p:txBody>
-      </p:sp>
-      <p:sp>
-        <p:nvSpPr>
-          <p:cNvPr id="3" name="Content Placeholder 2">
-            <a:extLst>
-              <a:ext uri="{FF2B5EF4-FFF2-40B4-BE49-F238E27FC236}">
-                <a16:creationId xmlns:a16="http://schemas.microsoft.com/office/drawing/2014/main" id="{A1FF1CEA-8051-82B6-33E0-8D42B8C88E6D}"/>
-              </a:ext>
-            </a:extLst>
-          </p:cNvPr>
-          <p:cNvSpPr>
-            <a:spLocks noGrp="1"/>
-          </p:cNvSpPr>
-          <p:nvPr>
-            <p:ph idx="1"/>
-          </p:nvPr>
-        </p:nvSpPr>
-        <p:spPr/>
-        <p:txBody>
-          <a:bodyPr/>
-          <a:lstStyle/>
-          <a:p>
-            <a:r>
-              <a:rPr lang="en-US" dirty="0">
-                <a:hlinkClick r:id="rId2"/>
-              </a:rPr>
-              <a:t>https://spotintelligence.com/2023/09/20/language-identification/#Building_and_Training_Language_Identification_Models</a:t>
-            </a:r>
-            <a:endParaRPr lang="en-IL" dirty="0"/>
-          </a:p>
-          <a:p>
-            <a:r>
-              <a:rPr lang="en-US" dirty="0">
-                <a:hlinkClick r:id="rId3"/>
-              </a:rPr>
-              <a:t>https://fasttext.cc/docs/en/supervised-tutorial.html</a:t>
-            </a:r>
-            <a:endParaRPr lang="en-IL" dirty="0"/>
-          </a:p>
-          <a:p>
-            <a:r>
-              <a:rPr lang="en-US" dirty="0">
-                <a:hlinkClick r:id="rId4"/>
-              </a:rPr>
-              <a:t>https://mlflow.org/docs/latest/tracking.html</a:t>
-            </a:r>
-            <a:r>
-              <a:rPr lang="en-US" dirty="0"/>
-              <a:t> </a:t>
-            </a:r>
-          </a:p>
-          <a:p>
-            <a:r>
-              <a:rPr lang="en-US" dirty="0">
-                <a:hlinkClick r:id="rId5"/>
-              </a:rPr>
-              <a:t>https://www.qwak.com/</a:t>
-            </a:r>
-            <a:endParaRPr lang="en-IL" dirty="0"/>
-          </a:p>
-          <a:p>
-            <a:r>
-              <a:rPr lang="en-US" dirty="0">
-                <a:hlinkClick r:id="rId6"/>
-              </a:rPr>
-              <a:t>https://neptune.ai/blog/mlops-tools-platforms-landscape</a:t>
-            </a:r>
-            <a:r>
-              <a:rPr lang="en-US" dirty="0"/>
-              <a:t> </a:t>
-            </a:r>
-          </a:p>
-          <a:p>
-            <a:r>
-              <a:rPr lang="en-US" dirty="0">
-                <a:hlinkClick r:id="rId7"/>
-              </a:rPr>
-              <a:t>https://huggingface.co/blog/convert-transformers-to-onnx</a:t>
-            </a:r>
-            <a:r>
-              <a:rPr lang="en-US" dirty="0"/>
-              <a:t> </a:t>
-            </a:r>
-            <a:endParaRPr lang="en-IL" dirty="0"/>
-          </a:p>
-        </p:txBody>
-      </p:sp>
-    </p:spTree>
-    <p:extLst>
-      <p:ext uri="{BB962C8B-B14F-4D97-AF65-F5344CB8AC3E}">
-        <p14:creationId xmlns:p14="http://schemas.microsoft.com/office/powerpoint/2010/main" val="2142449320"/>
-      </p:ext>
-    </p:extLst>
-  </p:cSld>
-  <p:clrMapOvr>
-    <a:masterClrMapping/>
-  </p:clrMapOvr>
-</p:sld>
-</file>
-
 <file path=ppt/slides/slide28.xml><?xml version="1.0" encoding="utf-8"?>
 <p:sld xmlns:a="http://schemas.openxmlformats.org/drawingml/2006/main" xmlns:r="http://schemas.openxmlformats.org/officeDocument/2006/relationships" xmlns:p="http://schemas.openxmlformats.org/presentationml/2006/main">
   <p:cSld>
@@ -8229,7 +9074,7 @@
           <p:cNvPr id="2" name="Title 1">
             <a:extLst>
               <a:ext uri="{FF2B5EF4-FFF2-40B4-BE49-F238E27FC236}">
-                <a16:creationId xmlns:a16="http://schemas.microsoft.com/office/drawing/2014/main" id="{DE58C5EC-0401-4B7F-8341-97530541F6E6}"/>
+                <a16:creationId xmlns:a16="http://schemas.microsoft.com/office/drawing/2014/main" id="{A23235D9-507D-6E45-2989-477ED89B9784}"/>
               </a:ext>
             </a:extLst>
           </p:cNvPr>
@@ -8247,7 +9092,7 @@
           <a:p>
             <a:r>
               <a:rPr lang="en-IL" dirty="0"/>
-              <a:t>Links</a:t>
+              <a:t>More commercial Platforms</a:t>
             </a:r>
           </a:p>
         </p:txBody>
@@ -8257,7 +9102,7 @@
           <p:cNvPr id="3" name="Content Placeholder 2">
             <a:extLst>
               <a:ext uri="{FF2B5EF4-FFF2-40B4-BE49-F238E27FC236}">
-                <a16:creationId xmlns:a16="http://schemas.microsoft.com/office/drawing/2014/main" id="{0730F803-9D3F-5D6E-748D-9BDAE5B7A5E3}"/>
+                <a16:creationId xmlns:a16="http://schemas.microsoft.com/office/drawing/2014/main" id="{5B7EDB76-8E84-3748-52BF-86F22407F603}"/>
               </a:ext>
             </a:extLst>
           </p:cNvPr>
@@ -8274,56 +9119,42 @@
           <a:lstStyle/>
           <a:p>
             <a:r>
-              <a:rPr lang="en-US" dirty="0">
-                <a:hlinkClick r:id="rId2"/>
-              </a:rPr>
-              <a:t>https://github.com/alfredodeza/mlflow-demo</a:t>
-            </a:r>
-            <a:endParaRPr lang="en-US" dirty="0"/>
-          </a:p>
-          <a:p>
-            <a:r>
-              <a:rPr lang="en-US" dirty="0">
-                <a:hlinkClick r:id="rId3"/>
-              </a:rPr>
-              <a:t>https://github.com/mlflow/mlflow-example</a:t>
-            </a:r>
-            <a:r>
-              <a:rPr lang="en-US" dirty="0"/>
-              <a:t> </a:t>
-            </a:r>
-          </a:p>
-          <a:p>
-            <a:r>
-              <a:rPr lang="en-US" dirty="0">
-                <a:hlinkClick r:id="rId4"/>
-              </a:rPr>
-              <a:t>https://huggingface.co/blog/fasttext</a:t>
-            </a:r>
-            <a:r>
-              <a:rPr lang="en-US" dirty="0"/>
-              <a:t> </a:t>
-            </a:r>
-          </a:p>
-          <a:p>
-            <a:r>
-              <a:rPr lang="en-US" dirty="0">
-                <a:hlinkClick r:id="rId5"/>
-              </a:rPr>
-              <a:t>https://tech.bakkenbaeck.com/post/fasttext-with-mlflow</a:t>
-            </a:r>
-            <a:r>
-              <a:rPr lang="en-US" dirty="0"/>
-              <a:t> </a:t>
-            </a:r>
-            <a:endParaRPr lang="en-IL" dirty="0"/>
+              <a:rPr lang="en-IL" dirty="0"/>
+              <a:t>Databricks</a:t>
+            </a:r>
+          </a:p>
+          <a:p>
+            <a:r>
+              <a:rPr lang="en-IL" dirty="0"/>
+              <a:t>Snowflake</a:t>
+            </a:r>
+          </a:p>
+          <a:p>
+            <a:r>
+              <a:rPr lang="en-IL" dirty="0"/>
+              <a:t>Tools</a:t>
+            </a:r>
+          </a:p>
+          <a:p>
+            <a:pPr lvl="1"/>
+            <a:r>
+              <a:rPr lang="en-IL" dirty="0"/>
+              <a:t>AWS SageMaker</a:t>
+            </a:r>
+          </a:p>
+          <a:p>
+            <a:pPr lvl="1"/>
+            <a:r>
+              <a:rPr lang="en-IL" dirty="0"/>
+              <a:t>Azure ML</a:t>
+            </a:r>
           </a:p>
         </p:txBody>
       </p:sp>
     </p:spTree>
     <p:extLst>
       <p:ext uri="{BB962C8B-B14F-4D97-AF65-F5344CB8AC3E}">
-        <p14:creationId xmlns:p14="http://schemas.microsoft.com/office/powerpoint/2010/main" val="4058831257"/>
+        <p14:creationId xmlns:p14="http://schemas.microsoft.com/office/powerpoint/2010/main" val="2252624577"/>
       </p:ext>
     </p:extLst>
   </p:cSld>
@@ -8355,7 +9186,7 @@
           <p:cNvPr id="2" name="Title 1">
             <a:extLst>
               <a:ext uri="{FF2B5EF4-FFF2-40B4-BE49-F238E27FC236}">
-                <a16:creationId xmlns:a16="http://schemas.microsoft.com/office/drawing/2014/main" id="{761F3196-789B-29CB-6432-B3646CDC59FA}"/>
+                <a16:creationId xmlns:a16="http://schemas.microsoft.com/office/drawing/2014/main" id="{5B20ECE3-BA21-E814-A7C5-4C746DA4FFC2}"/>
               </a:ext>
             </a:extLst>
           </p:cNvPr>
@@ -8373,7 +9204,7 @@
           <a:p>
             <a:r>
               <a:rPr lang="en-IL" dirty="0"/>
-              <a:t>Summary</a:t>
+              <a:t>References</a:t>
             </a:r>
           </a:p>
         </p:txBody>
@@ -8383,7 +9214,7 @@
           <p:cNvPr id="3" name="Content Placeholder 2">
             <a:extLst>
               <a:ext uri="{FF2B5EF4-FFF2-40B4-BE49-F238E27FC236}">
-                <a16:creationId xmlns:a16="http://schemas.microsoft.com/office/drawing/2014/main" id="{2E735268-AE15-438C-CB76-F53A68598B16}"/>
+                <a16:creationId xmlns:a16="http://schemas.microsoft.com/office/drawing/2014/main" id="{A1FF1CEA-8051-82B6-33E0-8D42B8C88E6D}"/>
               </a:ext>
             </a:extLst>
           </p:cNvPr>
@@ -8396,125 +9227,78 @@
         </p:nvSpPr>
         <p:spPr/>
         <p:txBody>
-          <a:bodyPr>
-            <a:normAutofit fontScale="92500" lnSpcReduction="10000"/>
-          </a:bodyPr>
+          <a:bodyPr/>
           <a:lstStyle/>
           <a:p>
             <a:r>
-              <a:rPr lang="en-US" sz="3600" dirty="0">
-                <a:effectLst/>
-              </a:rPr>
-              <a:t>Manual training and prediction</a:t>
-            </a:r>
-          </a:p>
-          <a:p>
-            <a:r>
-              <a:rPr lang="en-US" sz="3600" dirty="0" err="1">
-                <a:effectLst/>
-              </a:rPr>
-              <a:t>MLFlow</a:t>
-            </a:r>
-            <a:r>
-              <a:rPr lang="en-US" sz="3600" dirty="0">
-                <a:effectLst/>
-              </a:rPr>
-              <a:t> + metrics + parameters. Data drift</a:t>
-            </a:r>
-          </a:p>
-          <a:p>
-            <a:r>
-              <a:rPr lang="en-US" sz="3600" dirty="0" err="1">
-                <a:effectLst/>
-              </a:rPr>
-              <a:t>FastAPI</a:t>
-            </a:r>
-            <a:r>
-              <a:rPr lang="en-US" sz="3600" dirty="0">
-                <a:effectLst/>
-              </a:rPr>
-              <a:t> for serving</a:t>
-            </a:r>
-            <a:endParaRPr lang="en-US" sz="3600" dirty="0"/>
-          </a:p>
-          <a:p>
-            <a:r>
-              <a:rPr lang="en-US" sz="3600" dirty="0" err="1">
-                <a:effectLst/>
-              </a:rPr>
-              <a:t>Gradio</a:t>
-            </a:r>
-            <a:r>
-              <a:rPr lang="en-US" sz="3600" dirty="0">
-                <a:effectLst/>
-              </a:rPr>
-              <a:t> for demonstrators</a:t>
-            </a:r>
-          </a:p>
-          <a:p>
-            <a:r>
-              <a:rPr lang="en-US" sz="3600" dirty="0" err="1">
-                <a:effectLst/>
-              </a:rPr>
-              <a:t>MLFlow</a:t>
-            </a:r>
-            <a:r>
-              <a:rPr lang="en-US" sz="3600" dirty="0">
-                <a:effectLst/>
-              </a:rPr>
-              <a:t> for model storage</a:t>
-            </a:r>
-          </a:p>
-          <a:p>
-            <a:r>
-              <a:rPr lang="en-US" sz="3600" dirty="0" err="1">
-                <a:effectLst/>
-              </a:rPr>
-              <a:t>MLFlow</a:t>
-            </a:r>
-            <a:r>
-              <a:rPr lang="en-US" sz="3600" dirty="0">
-                <a:effectLst/>
-              </a:rPr>
-              <a:t> for model serving</a:t>
-            </a:r>
-            <a:endParaRPr lang="en-US" sz="3600" dirty="0"/>
-          </a:p>
-          <a:p>
-            <a:r>
-              <a:rPr lang="en-US" sz="3600" dirty="0" err="1">
-                <a:effectLst/>
-              </a:rPr>
-              <a:t>HuggingFace</a:t>
-            </a:r>
-            <a:r>
-              <a:rPr lang="en-US" sz="3600" dirty="0">
-                <a:effectLst/>
-              </a:rPr>
-              <a:t> for model storage</a:t>
-            </a:r>
-            <a:endParaRPr lang="en-US" sz="3600" dirty="0"/>
-          </a:p>
-          <a:p>
-            <a:r>
-              <a:rPr lang="en-US" sz="3600" dirty="0" err="1">
-                <a:effectLst/>
-              </a:rPr>
-              <a:t>HuggingFace</a:t>
-            </a:r>
-            <a:r>
-              <a:rPr lang="en-US" sz="3600" dirty="0">
-                <a:effectLst/>
-              </a:rPr>
-              <a:t> for model demonstration</a:t>
-            </a:r>
+              <a:rPr lang="en-US" dirty="0">
+                <a:hlinkClick r:id="rId2"/>
+              </a:rPr>
+              <a:t>https://spotintelligence.com/2023/09/20/language-identification/#Building_and_Training_Language_Identification_Models</a:t>
+            </a:r>
+            <a:endParaRPr lang="en-IL" dirty="0"/>
+          </a:p>
+          <a:p>
+            <a:r>
+              <a:rPr lang="en-US" dirty="0">
+                <a:hlinkClick r:id="rId3"/>
+              </a:rPr>
+              <a:t>https://fasttext.cc/docs/en/supervised-tutorial.html</a:t>
+            </a:r>
+            <a:endParaRPr lang="en-IL" dirty="0"/>
+          </a:p>
+          <a:p>
+            <a:r>
+              <a:rPr lang="en-US" dirty="0">
+                <a:hlinkClick r:id="rId4"/>
+              </a:rPr>
+              <a:t>https://mlflow.org/docs/latest/tracking.html</a:t>
+            </a:r>
+            <a:r>
+              <a:rPr lang="en-US" dirty="0"/>
+              <a:t> </a:t>
+            </a:r>
+          </a:p>
+          <a:p>
+            <a:r>
+              <a:rPr lang="en-US" dirty="0">
+                <a:hlinkClick r:id="rId5"/>
+              </a:rPr>
+              <a:t>https://www.qwak.com/</a:t>
+            </a:r>
+            <a:endParaRPr lang="en-IL" dirty="0"/>
+          </a:p>
+          <a:p>
+            <a:r>
+              <a:rPr lang="en-US" dirty="0">
+                <a:hlinkClick r:id="rId6"/>
+              </a:rPr>
+              <a:t>https://neptune.ai/blog/mlops-tools-platforms-landscape</a:t>
+            </a:r>
+            <a:r>
+              <a:rPr lang="en-US" dirty="0"/>
+              <a:t> </a:t>
+            </a:r>
+          </a:p>
+          <a:p>
+            <a:r>
+              <a:rPr lang="en-US" dirty="0">
+                <a:hlinkClick r:id="rId7"/>
+              </a:rPr>
+              <a:t>https://huggingface.co/blog/convert-transformers-to-onnx</a:t>
+            </a:r>
+            <a:r>
+              <a:rPr lang="en-US" dirty="0"/>
+              <a:t> </a:t>
+            </a:r>
+            <a:endParaRPr lang="en-IL" dirty="0"/>
           </a:p>
         </p:txBody>
       </p:sp>
     </p:spTree>
     <p:extLst>
       <p:ext uri="{BB962C8B-B14F-4D97-AF65-F5344CB8AC3E}">
-        <p14:creationId xmlns:p14="http://schemas.microsoft.com/office/powerpoint/2010/main" val="2149201835"/>
+        <p14:creationId xmlns:p14="http://schemas.microsoft.com/office/powerpoint/2010/main" val="2142449320"/>
       </p:ext>
     </p:extLst>
   </p:cSld>
@@ -8609,6 +9393,335 @@
     <p:extLst>
       <p:ext uri="{BB962C8B-B14F-4D97-AF65-F5344CB8AC3E}">
         <p14:creationId xmlns:p14="http://schemas.microsoft.com/office/powerpoint/2010/main" val="2220329691"/>
+      </p:ext>
+    </p:extLst>
+  </p:cSld>
+  <p:clrMapOvr>
+    <a:masterClrMapping/>
+  </p:clrMapOvr>
+</p:sld>
+</file>
+
+<file path=ppt/slides/slide30.xml><?xml version="1.0" encoding="utf-8"?>
+<p:sld xmlns:a="http://schemas.openxmlformats.org/drawingml/2006/main" xmlns:r="http://schemas.openxmlformats.org/officeDocument/2006/relationships" xmlns:p="http://schemas.openxmlformats.org/presentationml/2006/main">
+  <p:cSld>
+    <p:spTree>
+      <p:nvGrpSpPr>
+        <p:cNvPr id="1" name=""/>
+        <p:cNvGrpSpPr/>
+        <p:nvPr/>
+      </p:nvGrpSpPr>
+      <p:grpSpPr>
+        <a:xfrm>
+          <a:off x="0" y="0"/>
+          <a:ext cx="0" cy="0"/>
+          <a:chOff x="0" y="0"/>
+          <a:chExt cx="0" cy="0"/>
+        </a:xfrm>
+      </p:grpSpPr>
+      <p:sp>
+        <p:nvSpPr>
+          <p:cNvPr id="2" name="Title 1">
+            <a:extLst>
+              <a:ext uri="{FF2B5EF4-FFF2-40B4-BE49-F238E27FC236}">
+                <a16:creationId xmlns:a16="http://schemas.microsoft.com/office/drawing/2014/main" id="{DE58C5EC-0401-4B7F-8341-97530541F6E6}"/>
+              </a:ext>
+            </a:extLst>
+          </p:cNvPr>
+          <p:cNvSpPr>
+            <a:spLocks noGrp="1"/>
+          </p:cNvSpPr>
+          <p:nvPr>
+            <p:ph type="title"/>
+          </p:nvPr>
+        </p:nvSpPr>
+        <p:spPr/>
+        <p:txBody>
+          <a:bodyPr/>
+          <a:lstStyle/>
+          <a:p>
+            <a:r>
+              <a:rPr lang="en-IL" dirty="0"/>
+              <a:t>Links</a:t>
+            </a:r>
+          </a:p>
+        </p:txBody>
+      </p:sp>
+      <p:sp>
+        <p:nvSpPr>
+          <p:cNvPr id="3" name="Content Placeholder 2">
+            <a:extLst>
+              <a:ext uri="{FF2B5EF4-FFF2-40B4-BE49-F238E27FC236}">
+                <a16:creationId xmlns:a16="http://schemas.microsoft.com/office/drawing/2014/main" id="{0730F803-9D3F-5D6E-748D-9BDAE5B7A5E3}"/>
+              </a:ext>
+            </a:extLst>
+          </p:cNvPr>
+          <p:cNvSpPr>
+            <a:spLocks noGrp="1"/>
+          </p:cNvSpPr>
+          <p:nvPr>
+            <p:ph idx="1"/>
+          </p:nvPr>
+        </p:nvSpPr>
+        <p:spPr/>
+        <p:txBody>
+          <a:bodyPr/>
+          <a:lstStyle/>
+          <a:p>
+            <a:r>
+              <a:rPr lang="en-US" dirty="0">
+                <a:hlinkClick r:id="rId2"/>
+              </a:rPr>
+              <a:t>https://github.com/alfredodeza/mlflow-demo</a:t>
+            </a:r>
+            <a:endParaRPr lang="en-US" dirty="0"/>
+          </a:p>
+          <a:p>
+            <a:r>
+              <a:rPr lang="en-US" dirty="0">
+                <a:hlinkClick r:id="rId3"/>
+              </a:rPr>
+              <a:t>https://github.com/mlflow/mlflow-example</a:t>
+            </a:r>
+            <a:r>
+              <a:rPr lang="en-US" dirty="0"/>
+              <a:t> </a:t>
+            </a:r>
+          </a:p>
+          <a:p>
+            <a:r>
+              <a:rPr lang="en-US" dirty="0">
+                <a:hlinkClick r:id="rId4"/>
+              </a:rPr>
+              <a:t>https://huggingface.co/blog/fasttext</a:t>
+            </a:r>
+            <a:r>
+              <a:rPr lang="en-US" dirty="0"/>
+              <a:t> </a:t>
+            </a:r>
+          </a:p>
+          <a:p>
+            <a:r>
+              <a:rPr lang="en-US" dirty="0">
+                <a:hlinkClick r:id="rId5"/>
+              </a:rPr>
+              <a:t>https://tech.bakkenbaeck.com/post/fasttext-with-mlflow</a:t>
+            </a:r>
+            <a:r>
+              <a:rPr lang="en-US" dirty="0"/>
+              <a:t> </a:t>
+            </a:r>
+            <a:endParaRPr lang="en-IL" dirty="0"/>
+          </a:p>
+        </p:txBody>
+      </p:sp>
+    </p:spTree>
+    <p:extLst>
+      <p:ext uri="{BB962C8B-B14F-4D97-AF65-F5344CB8AC3E}">
+        <p14:creationId xmlns:p14="http://schemas.microsoft.com/office/powerpoint/2010/main" val="4058831257"/>
+      </p:ext>
+    </p:extLst>
+  </p:cSld>
+  <p:clrMapOvr>
+    <a:masterClrMapping/>
+  </p:clrMapOvr>
+</p:sld>
+</file>
+
+<file path=ppt/slides/slide31.xml><?xml version="1.0" encoding="utf-8"?>
+<p:sld xmlns:a="http://schemas.openxmlformats.org/drawingml/2006/main" xmlns:r="http://schemas.openxmlformats.org/officeDocument/2006/relationships" xmlns:p="http://schemas.openxmlformats.org/presentationml/2006/main">
+  <p:cSld>
+    <p:spTree>
+      <p:nvGrpSpPr>
+        <p:cNvPr id="1" name=""/>
+        <p:cNvGrpSpPr/>
+        <p:nvPr/>
+      </p:nvGrpSpPr>
+      <p:grpSpPr>
+        <a:xfrm>
+          <a:off x="0" y="0"/>
+          <a:ext cx="0" cy="0"/>
+          <a:chOff x="0" y="0"/>
+          <a:chExt cx="0" cy="0"/>
+        </a:xfrm>
+      </p:grpSpPr>
+      <p:sp>
+        <p:nvSpPr>
+          <p:cNvPr id="2" name="Title 1">
+            <a:extLst>
+              <a:ext uri="{FF2B5EF4-FFF2-40B4-BE49-F238E27FC236}">
+                <a16:creationId xmlns:a16="http://schemas.microsoft.com/office/drawing/2014/main" id="{761F3196-789B-29CB-6432-B3646CDC59FA}"/>
+              </a:ext>
+            </a:extLst>
+          </p:cNvPr>
+          <p:cNvSpPr>
+            <a:spLocks noGrp="1"/>
+          </p:cNvSpPr>
+          <p:nvPr>
+            <p:ph type="title"/>
+          </p:nvPr>
+        </p:nvSpPr>
+        <p:spPr/>
+        <p:txBody>
+          <a:bodyPr/>
+          <a:lstStyle/>
+          <a:p>
+            <a:r>
+              <a:rPr lang="en-IL" dirty="0"/>
+              <a:t>Summary</a:t>
+            </a:r>
+          </a:p>
+        </p:txBody>
+      </p:sp>
+      <p:sp>
+        <p:nvSpPr>
+          <p:cNvPr id="3" name="Content Placeholder 2">
+            <a:extLst>
+              <a:ext uri="{FF2B5EF4-FFF2-40B4-BE49-F238E27FC236}">
+                <a16:creationId xmlns:a16="http://schemas.microsoft.com/office/drawing/2014/main" id="{2E735268-AE15-438C-CB76-F53A68598B16}"/>
+              </a:ext>
+            </a:extLst>
+          </p:cNvPr>
+          <p:cNvSpPr>
+            <a:spLocks noGrp="1"/>
+          </p:cNvSpPr>
+          <p:nvPr>
+            <p:ph idx="1"/>
+          </p:nvPr>
+        </p:nvSpPr>
+        <p:spPr/>
+        <p:txBody>
+          <a:bodyPr>
+            <a:normAutofit fontScale="92500" lnSpcReduction="10000"/>
+          </a:bodyPr>
+          <a:lstStyle/>
+          <a:p>
+            <a:r>
+              <a:rPr lang="en-US" sz="3600" dirty="0">
+                <a:effectLst/>
+              </a:rPr>
+              <a:t>Manual training and prediction</a:t>
+            </a:r>
+          </a:p>
+          <a:p>
+            <a:r>
+              <a:rPr lang="en-US" sz="3600" dirty="0" err="1">
+                <a:effectLst/>
+              </a:rPr>
+              <a:t>MLFlow</a:t>
+            </a:r>
+            <a:r>
+              <a:rPr lang="en-US" sz="3600" dirty="0">
+                <a:effectLst/>
+              </a:rPr>
+              <a:t> + metrics + parameters. Data drift</a:t>
+            </a:r>
+          </a:p>
+          <a:p>
+            <a:r>
+              <a:rPr lang="en-US" sz="3600" dirty="0" err="1">
+                <a:effectLst/>
+              </a:rPr>
+              <a:t>FastAPI</a:t>
+            </a:r>
+            <a:r>
+              <a:rPr lang="en-US" sz="3600" dirty="0">
+                <a:effectLst/>
+              </a:rPr>
+              <a:t> for serving</a:t>
+            </a:r>
+            <a:endParaRPr lang="en-US" sz="3600" dirty="0"/>
+          </a:p>
+          <a:p>
+            <a:r>
+              <a:rPr lang="en-US" sz="3600" dirty="0" err="1">
+                <a:effectLst/>
+              </a:rPr>
+              <a:t>Gradio</a:t>
+            </a:r>
+            <a:r>
+              <a:rPr lang="en-US" sz="3600" dirty="0">
+                <a:effectLst/>
+              </a:rPr>
+              <a:t> for demonstrators</a:t>
+            </a:r>
+          </a:p>
+          <a:p>
+            <a:r>
+              <a:rPr lang="en-US" sz="3600" dirty="0" err="1">
+                <a:effectLst/>
+              </a:rPr>
+              <a:t>MLFlow</a:t>
+            </a:r>
+            <a:r>
+              <a:rPr lang="en-US" sz="3600" dirty="0">
+                <a:effectLst/>
+              </a:rPr>
+              <a:t> for model </a:t>
+            </a:r>
+            <a:r>
+              <a:rPr lang="en-US" sz="3600">
+                <a:effectLst/>
+              </a:rPr>
+              <a:t>and dataset </a:t>
+            </a:r>
+            <a:r>
+              <a:rPr lang="en-US" sz="3600" dirty="0">
+                <a:effectLst/>
+              </a:rPr>
+              <a:t>storage</a:t>
+            </a:r>
+          </a:p>
+          <a:p>
+            <a:r>
+              <a:rPr lang="en-US" sz="3600" dirty="0" err="1">
+                <a:effectLst/>
+              </a:rPr>
+              <a:t>MLFlow</a:t>
+            </a:r>
+            <a:r>
+              <a:rPr lang="en-US" sz="3600" dirty="0">
+                <a:effectLst/>
+              </a:rPr>
+              <a:t> for model serving</a:t>
+            </a:r>
+            <a:endParaRPr lang="en-US" sz="3600" dirty="0"/>
+          </a:p>
+          <a:p>
+            <a:r>
+              <a:rPr lang="en-US" sz="3600" dirty="0" err="1">
+                <a:effectLst/>
+              </a:rPr>
+              <a:t>HuggingFace</a:t>
+            </a:r>
+            <a:r>
+              <a:rPr lang="en-US" sz="3600" dirty="0">
+                <a:effectLst/>
+              </a:rPr>
+              <a:t> for model and dataset storage</a:t>
+            </a:r>
+            <a:endParaRPr lang="en-US" sz="3600" dirty="0"/>
+          </a:p>
+          <a:p>
+            <a:r>
+              <a:rPr lang="en-US" sz="3600" dirty="0" err="1">
+                <a:effectLst/>
+              </a:rPr>
+              <a:t>HuggingFace</a:t>
+            </a:r>
+            <a:r>
+              <a:rPr lang="en-US" sz="3600" dirty="0">
+                <a:effectLst/>
+              </a:rPr>
+              <a:t> for model demonstration</a:t>
+            </a:r>
+          </a:p>
+        </p:txBody>
+      </p:sp>
+    </p:spTree>
+    <p:extLst>
+      <p:ext uri="{BB962C8B-B14F-4D97-AF65-F5344CB8AC3E}">
+        <p14:creationId xmlns:p14="http://schemas.microsoft.com/office/powerpoint/2010/main" val="2149201835"/>
       </p:ext>
     </p:extLst>
   </p:cSld>
@@ -9218,6 +10331,45 @@
                 </a:solidFill>
                 <a:latin typeface="Open Sans" panose="020B0606030504020204" pitchFamily="34" charset="0"/>
               </a:rPr>
+              <a:t>, </a:t>
+            </a:r>
+            <a:r>
+              <a:rPr lang="ar-AE" b="0" i="0" dirty="0">
+                <a:solidFill>
+                  <a:srgbClr val="202124"/>
+                </a:solidFill>
+                <a:effectLst/>
+                <a:latin typeface="Roboto" panose="02000000000000000000" pitchFamily="2" charset="0"/>
+              </a:rPr>
+              <a:t>ز</a:t>
+            </a:r>
+            <a:r>
+              <a:rPr lang="cs-CZ" b="0" i="0" dirty="0">
+                <a:solidFill>
+                  <a:srgbClr val="202124"/>
+                </a:solidFill>
+                <a:effectLst/>
+                <a:latin typeface="Roboto" panose="02000000000000000000" pitchFamily="2" charset="0"/>
+              </a:rPr>
+              <a:t>, </a:t>
+            </a:r>
+            <a:r>
+              <a:rPr lang="ar-AE" b="0" i="0" dirty="0">
+                <a:solidFill>
+                  <a:srgbClr val="202124"/>
+                </a:solidFill>
+                <a:effectLst/>
+                <a:latin typeface="Roboto" panose="02000000000000000000" pitchFamily="2" charset="0"/>
+              </a:rPr>
+              <a:t>ژ</a:t>
+            </a:r>
+            <a:r>
+              <a:rPr lang="cs-CZ" dirty="0">
+                <a:solidFill>
+                  <a:srgbClr val="666666"/>
+                </a:solidFill>
+                <a:latin typeface="Open Sans" panose="020B0606030504020204" pitchFamily="34" charset="0"/>
+              </a:rPr>
               <a:t>)</a:t>
             </a:r>
             <a:endParaRPr lang="en-US" dirty="0">
@@ -9526,8 +10678,8 @@
           </a:p>
         </p:txBody>
       </p:sp>
-      <mc:AlternateContent xmlns:mc="http://schemas.openxmlformats.org/markup-compatibility/2006" xmlns:a14="http://schemas.microsoft.com/office/drawing/2010/main">
-        <mc:Choice Requires="a14">
+      <mc:AlternateContent xmlns:mc="http://schemas.openxmlformats.org/markup-compatibility/2006">
+        <mc:Choice xmlns:a14="http://schemas.microsoft.com/office/drawing/2010/main" Requires="a14">
           <p:sp>
             <p:nvSpPr>
               <p:cNvPr id="3" name="Content Placeholder 2">
@@ -9569,13 +10721,7 @@
                 <a:pPr lvl="1"/>
                 <a:r>
                   <a:rPr lang="en-IL" dirty="0"/>
-                  <a:t>__label__cz Jmenuju se Karel</a:t>
-                </a:r>
-              </a:p>
-              <a:p>
-                <a:r>
-                  <a:rPr lang="en-IL" dirty="0"/>
-                  <a:t>Terminal mode – DEMO</a:t>
+                  <a:t>__label__ces Jmenuju se Karel</a:t>
                 </a:r>
               </a:p>
               <a:p>
@@ -9753,7 +10899,7 @@
             </p:txBody>
           </p:sp>
         </mc:Choice>
-        <mc:Fallback xmlns="">
+        <mc:Fallback>
           <p:sp>
             <p:nvSpPr>
               <p:cNvPr id="3" name="Content Placeholder 2">

--- a/presentation/MLOps-Why-and-How.pptx
+++ b/presentation/MLOps-Why-and-How.pptx
@@ -6134,7 +6134,7 @@
         <p:spPr/>
         <p:txBody>
           <a:bodyPr>
-            <a:normAutofit lnSpcReduction="10000"/>
+            <a:normAutofit fontScale="92500" lnSpcReduction="10000"/>
           </a:bodyPr>
           <a:lstStyle/>
           <a:p>
@@ -6350,14 +6350,47 @@
                 <a:effectLst/>
                 <a:latin typeface="Source Sans Pro" panose="020B0503030403020204" pitchFamily="34" charset="0"/>
               </a:rPr>
-              <a:t> and Seldon Core</a:t>
-            </a:r>
-            <a:endParaRPr lang="en-US" dirty="0">
+              <a:t> and Seldon Core, </a:t>
+            </a:r>
+            <a:r>
+              <a:rPr lang="en-US" b="0" i="0" dirty="0" err="1">
+                <a:solidFill>
+                  <a:srgbClr val="1F1F1F"/>
+                </a:solidFill>
+                <a:effectLst/>
+                <a:latin typeface="Source Sans Pro" panose="020B0503030403020204" pitchFamily="34" charset="0"/>
+              </a:rPr>
+              <a:t>BentoML</a:t>
+            </a:r>
+            <a:endParaRPr lang="en-US" b="0" i="0" dirty="0">
               <a:solidFill>
                 <a:srgbClr val="1F1F1F"/>
               </a:solidFill>
-              <a:latin typeface="var(--cds-font-family-source-sans-pro)"/>
+              <a:effectLst/>
+              <a:latin typeface="Source Sans Pro" panose="020B0503030403020204" pitchFamily="34" charset="0"/>
             </a:endParaRPr>
+          </a:p>
+          <a:p>
+            <a:pPr lvl="2"/>
+            <a:r>
+              <a:rPr lang="en-US" dirty="0">
+                <a:solidFill>
+                  <a:srgbClr val="1F1F1F"/>
+                </a:solidFill>
+                <a:latin typeface="var(--cds-font-family-source-sans-pro)"/>
+                <a:hlinkClick r:id="rId3"/>
+              </a:rPr>
+              <a:t>https://getindata.com/blog/machine-learning-model-serving-tools-comaprison-kserve-seldon-core-bentoml/</a:t>
+            </a:r>
+            <a:r>
+              <a:rPr lang="en-US" dirty="0">
+                <a:solidFill>
+                  <a:srgbClr val="1F1F1F"/>
+                </a:solidFill>
+                <a:latin typeface="var(--cds-font-family-source-sans-pro)"/>
+              </a:rPr>
+              <a:t> </a:t>
+            </a:r>
           </a:p>
           <a:p>
             <a:pPr lvl="1"/>
@@ -8426,6 +8459,36 @@
           </a:p>
         </p:txBody>
       </p:sp>
+      <p:pic>
+        <p:nvPicPr>
+          <p:cNvPr id="5" name="Picture 4" descr="A screenshot of a computer&#10;&#10;Description automatically generated">
+            <a:extLst>
+              <a:ext uri="{FF2B5EF4-FFF2-40B4-BE49-F238E27FC236}">
+                <a16:creationId xmlns:a16="http://schemas.microsoft.com/office/drawing/2014/main" id="{152DC946-7381-2EA5-659F-7CAD259409A8}"/>
+              </a:ext>
+            </a:extLst>
+          </p:cNvPr>
+          <p:cNvPicPr>
+            <a:picLocks noChangeAspect="1"/>
+          </p:cNvPicPr>
+          <p:nvPr/>
+        </p:nvPicPr>
+        <p:blipFill>
+          <a:blip r:embed="rId2"/>
+          <a:stretch>
+            <a:fillRect/>
+          </a:stretch>
+        </p:blipFill>
+        <p:spPr>
+          <a:xfrm>
+            <a:off x="3309394" y="3324000"/>
+            <a:ext cx="5573211" cy="2987900"/>
+          </a:xfrm>
+          <a:prstGeom prst="rect">
+            <a:avLst/>
+          </a:prstGeom>
+        </p:spPr>
+      </p:pic>
     </p:spTree>
     <p:extLst>
       <p:ext uri="{BB962C8B-B14F-4D97-AF65-F5344CB8AC3E}">
@@ -9657,19 +9720,7 @@
               <a:rPr lang="en-US" sz="3600" dirty="0">
                 <a:effectLst/>
               </a:rPr>
-              <a:t> for model </a:t>
-            </a:r>
-            <a:r>
-              <a:rPr lang="en-US" sz="3600">
-                <a:effectLst/>
-              </a:rPr>
-              <a:t>and dataset </a:t>
-            </a:r>
-            <a:r>
-              <a:rPr lang="en-US" sz="3600" dirty="0">
-                <a:effectLst/>
-              </a:rPr>
-              <a:t>storage</a:t>
+              <a:t> for model and dataset storage</a:t>
             </a:r>
           </a:p>
           <a:p>
